--- a/Chicago Crime.pptx
+++ b/Chicago Crime.pptx
@@ -1,45 +1,45 @@
 
 <file path=ppt/presentation.xml><?xml version="1.0" encoding="utf-8"?>
-<p:presentation xmlns:a="http://schemas.openxmlformats.org/drawingml/2006/main" xmlns:r="http://schemas.openxmlformats.org/officeDocument/2006/relationships" xmlns:mc="http://schemas.openxmlformats.org/markup-compatibility/2006" xmlns:mv="urn:schemas-microsoft-com:mac:vml" xmlns:p="http://schemas.openxmlformats.org/presentationml/2006/main" xmlns:c="http://schemas.openxmlformats.org/drawingml/2006/chart" xmlns:dgm="http://schemas.openxmlformats.org/drawingml/2006/diagram" xmlns:o="urn:schemas-microsoft-com:office:office" xmlns:v="urn:schemas-microsoft-com:vml" xmlns:pvml="urn:schemas-microsoft-com:office:powerpoint" xmlns:com="http://schemas.openxmlformats.org/drawingml/2006/compatibility" xmlns:p14="http://schemas.microsoft.com/office/powerpoint/2010/main" xmlns:p15="http://schemas.microsoft.com/office/powerpoint/2012/main" autoCompressPictures="0" embedTrueTypeFonts="1" strictFirstAndLastChars="0" saveSubsetFonts="1">
+<p:presentation xmlns:a="http://schemas.openxmlformats.org/drawingml/2006/main" xmlns:r="http://schemas.openxmlformats.org/officeDocument/2006/relationships" xmlns:p="http://schemas.openxmlformats.org/presentationml/2006/main" strictFirstAndLastChars="0" embedTrueTypeFonts="1" saveSubsetFonts="1" autoCompressPictures="0">
   <p:sldMasterIdLst>
-    <p:sldMasterId id="2147483659" r:id="rId4"/>
+    <p:sldMasterId id="2147483659" r:id="rId1"/>
   </p:sldMasterIdLst>
   <p:notesMasterIdLst>
-    <p:notesMasterId r:id="rId5"/>
+    <p:notesMasterId r:id="rId13"/>
   </p:notesMasterIdLst>
   <p:sldIdLst>
-    <p:sldId id="256" r:id="rId6"/>
-    <p:sldId id="257" r:id="rId7"/>
-    <p:sldId id="258" r:id="rId8"/>
-    <p:sldId id="259" r:id="rId9"/>
-    <p:sldId id="260" r:id="rId10"/>
-    <p:sldId id="261" r:id="rId11"/>
-    <p:sldId id="262" r:id="rId12"/>
-    <p:sldId id="263" r:id="rId13"/>
-    <p:sldId id="264" r:id="rId14"/>
-    <p:sldId id="265" r:id="rId15"/>
-    <p:sldId id="266" r:id="rId16"/>
+    <p:sldId id="256" r:id="rId2"/>
+    <p:sldId id="257" r:id="rId3"/>
+    <p:sldId id="258" r:id="rId4"/>
+    <p:sldId id="259" r:id="rId5"/>
+    <p:sldId id="260" r:id="rId6"/>
+    <p:sldId id="261" r:id="rId7"/>
+    <p:sldId id="262" r:id="rId8"/>
+    <p:sldId id="263" r:id="rId9"/>
+    <p:sldId id="264" r:id="rId10"/>
+    <p:sldId id="265" r:id="rId11"/>
+    <p:sldId id="266" r:id="rId12"/>
   </p:sldIdLst>
-  <p:sldSz cy="5143500" cx="9144000"/>
+  <p:sldSz cx="9144000" cy="5143500" type="screen16x9"/>
   <p:notesSz cx="6858000" cy="9144000"/>
   <p:embeddedFontLst>
     <p:embeddedFont>
-      <p:font typeface="Raleway"/>
-      <p:regular r:id="rId17"/>
-      <p:bold r:id="rId18"/>
-      <p:italic r:id="rId19"/>
-      <p:boldItalic r:id="rId20"/>
+      <p:font typeface="Lato" panose="020B0604020202020204" charset="0"/>
+      <p:regular r:id="rId14"/>
+      <p:bold r:id="rId15"/>
+      <p:italic r:id="rId16"/>
+      <p:boldItalic r:id="rId17"/>
     </p:embeddedFont>
     <p:embeddedFont>
-      <p:font typeface="Lato"/>
-      <p:regular r:id="rId21"/>
-      <p:bold r:id="rId22"/>
-      <p:italic r:id="rId23"/>
-      <p:boldItalic r:id="rId24"/>
+      <p:font typeface="Raleway" panose="020B0604020202020204" charset="0"/>
+      <p:regular r:id="rId18"/>
+      <p:bold r:id="rId19"/>
+      <p:italic r:id="rId20"/>
+      <p:boldItalic r:id="rId21"/>
     </p:embeddedFont>
   </p:embeddedFontLst>
   <p:defaultTextStyle>
-    <a:defPPr lvl="0" marR="0" rtl="0" algn="l">
+    <a:defPPr marR="0" lvl="0" algn="l" rtl="0">
       <a:lnSpc>
         <a:spcPct val="100000"/>
       </a:lnSpc>
@@ -50,7 +50,7 @@
         <a:spcPts val="0"/>
       </a:spcAft>
     </a:defPPr>
-    <a:lvl1pPr lvl="0" marR="0" rtl="0" algn="l">
+    <a:lvl1pPr marR="0" lvl="0" algn="l" rtl="0">
       <a:lnSpc>
         <a:spcPct val="100000"/>
       </a:lnSpc>
@@ -64,7 +64,7 @@
         <a:srgbClr val="000000"/>
       </a:buClr>
       <a:buFont typeface="Arial"/>
-      <a:defRPr b="0" i="0" sz="1400" u="none" cap="none" strike="noStrike">
+      <a:defRPr sz="1400" b="0" i="0" u="none" strike="noStrike" cap="none">
         <a:solidFill>
           <a:srgbClr val="000000"/>
         </a:solidFill>
@@ -74,7 +74,7 @@
         <a:sym typeface="Arial"/>
       </a:defRPr>
     </a:lvl1pPr>
-    <a:lvl2pPr lvl="1" marR="0" rtl="0" algn="l">
+    <a:lvl2pPr marR="0" lvl="1" algn="l" rtl="0">
       <a:lnSpc>
         <a:spcPct val="100000"/>
       </a:lnSpc>
@@ -88,7 +88,7 @@
         <a:srgbClr val="000000"/>
       </a:buClr>
       <a:buFont typeface="Arial"/>
-      <a:defRPr b="0" i="0" sz="1400" u="none" cap="none" strike="noStrike">
+      <a:defRPr sz="1400" b="0" i="0" u="none" strike="noStrike" cap="none">
         <a:solidFill>
           <a:srgbClr val="000000"/>
         </a:solidFill>
@@ -98,7 +98,7 @@
         <a:sym typeface="Arial"/>
       </a:defRPr>
     </a:lvl2pPr>
-    <a:lvl3pPr lvl="2" marR="0" rtl="0" algn="l">
+    <a:lvl3pPr marR="0" lvl="2" algn="l" rtl="0">
       <a:lnSpc>
         <a:spcPct val="100000"/>
       </a:lnSpc>
@@ -112,7 +112,7 @@
         <a:srgbClr val="000000"/>
       </a:buClr>
       <a:buFont typeface="Arial"/>
-      <a:defRPr b="0" i="0" sz="1400" u="none" cap="none" strike="noStrike">
+      <a:defRPr sz="1400" b="0" i="0" u="none" strike="noStrike" cap="none">
         <a:solidFill>
           <a:srgbClr val="000000"/>
         </a:solidFill>
@@ -122,7 +122,7 @@
         <a:sym typeface="Arial"/>
       </a:defRPr>
     </a:lvl3pPr>
-    <a:lvl4pPr lvl="3" marR="0" rtl="0" algn="l">
+    <a:lvl4pPr marR="0" lvl="3" algn="l" rtl="0">
       <a:lnSpc>
         <a:spcPct val="100000"/>
       </a:lnSpc>
@@ -136,7 +136,7 @@
         <a:srgbClr val="000000"/>
       </a:buClr>
       <a:buFont typeface="Arial"/>
-      <a:defRPr b="0" i="0" sz="1400" u="none" cap="none" strike="noStrike">
+      <a:defRPr sz="1400" b="0" i="0" u="none" strike="noStrike" cap="none">
         <a:solidFill>
           <a:srgbClr val="000000"/>
         </a:solidFill>
@@ -146,7 +146,7 @@
         <a:sym typeface="Arial"/>
       </a:defRPr>
     </a:lvl4pPr>
-    <a:lvl5pPr lvl="4" marR="0" rtl="0" algn="l">
+    <a:lvl5pPr marR="0" lvl="4" algn="l" rtl="0">
       <a:lnSpc>
         <a:spcPct val="100000"/>
       </a:lnSpc>
@@ -160,7 +160,7 @@
         <a:srgbClr val="000000"/>
       </a:buClr>
       <a:buFont typeface="Arial"/>
-      <a:defRPr b="0" i="0" sz="1400" u="none" cap="none" strike="noStrike">
+      <a:defRPr sz="1400" b="0" i="0" u="none" strike="noStrike" cap="none">
         <a:solidFill>
           <a:srgbClr val="000000"/>
         </a:solidFill>
@@ -170,7 +170,7 @@
         <a:sym typeface="Arial"/>
       </a:defRPr>
     </a:lvl5pPr>
-    <a:lvl6pPr lvl="5" marR="0" rtl="0" algn="l">
+    <a:lvl6pPr marR="0" lvl="5" algn="l" rtl="0">
       <a:lnSpc>
         <a:spcPct val="100000"/>
       </a:lnSpc>
@@ -184,7 +184,7 @@
         <a:srgbClr val="000000"/>
       </a:buClr>
       <a:buFont typeface="Arial"/>
-      <a:defRPr b="0" i="0" sz="1400" u="none" cap="none" strike="noStrike">
+      <a:defRPr sz="1400" b="0" i="0" u="none" strike="noStrike" cap="none">
         <a:solidFill>
           <a:srgbClr val="000000"/>
         </a:solidFill>
@@ -194,7 +194,7 @@
         <a:sym typeface="Arial"/>
       </a:defRPr>
     </a:lvl6pPr>
-    <a:lvl7pPr lvl="6" marR="0" rtl="0" algn="l">
+    <a:lvl7pPr marR="0" lvl="6" algn="l" rtl="0">
       <a:lnSpc>
         <a:spcPct val="100000"/>
       </a:lnSpc>
@@ -208,7 +208,7 @@
         <a:srgbClr val="000000"/>
       </a:buClr>
       <a:buFont typeface="Arial"/>
-      <a:defRPr b="0" i="0" sz="1400" u="none" cap="none" strike="noStrike">
+      <a:defRPr sz="1400" b="0" i="0" u="none" strike="noStrike" cap="none">
         <a:solidFill>
           <a:srgbClr val="000000"/>
         </a:solidFill>
@@ -218,7 +218,7 @@
         <a:sym typeface="Arial"/>
       </a:defRPr>
     </a:lvl7pPr>
-    <a:lvl8pPr lvl="7" marR="0" rtl="0" algn="l">
+    <a:lvl8pPr marR="0" lvl="7" algn="l" rtl="0">
       <a:lnSpc>
         <a:spcPct val="100000"/>
       </a:lnSpc>
@@ -232,7 +232,7 @@
         <a:srgbClr val="000000"/>
       </a:buClr>
       <a:buFont typeface="Arial"/>
-      <a:defRPr b="0" i="0" sz="1400" u="none" cap="none" strike="noStrike">
+      <a:defRPr sz="1400" b="0" i="0" u="none" strike="noStrike" cap="none">
         <a:solidFill>
           <a:srgbClr val="000000"/>
         </a:solidFill>
@@ -242,7 +242,7 @@
         <a:sym typeface="Arial"/>
       </a:defRPr>
     </a:lvl8pPr>
-    <a:lvl9pPr lvl="8" marR="0" rtl="0" algn="l">
+    <a:lvl9pPr marR="0" lvl="8" algn="l" rtl="0">
       <a:lnSpc>
         <a:spcPct val="100000"/>
       </a:lnSpc>
@@ -256,7 +256,7 @@
         <a:srgbClr val="000000"/>
       </a:buClr>
       <a:buFont typeface="Arial"/>
-      <a:defRPr b="0" i="0" sz="1400" u="none" cap="none" strike="noStrike">
+      <a:defRPr sz="1400" b="0" i="0" u="none" strike="noStrike" cap="none">
         <a:solidFill>
           <a:srgbClr val="000000"/>
         </a:solidFill>
@@ -269,7 +269,7 @@
   </p:defaultTextStyle>
   <p:extLst>
     <p:ext uri="{EFAFB233-063F-42B5-8137-9DF3F51BA10A}">
-      <p15:sldGuideLst>
+      <p15:sldGuideLst xmlns:p15="http://schemas.microsoft.com/office/powerpoint/2012/main">
         <p15:guide id="1" orient="horz" pos="1620">
           <p15:clr>
             <a:srgbClr val="A4A3A4"/>
@@ -287,11 +287,16 @@
 </file>
 
 <file path=ppt/notesMasters/notesMaster1.xml><?xml version="1.0" encoding="utf-8"?>
-<p:notesMaster xmlns:a="http://schemas.openxmlformats.org/drawingml/2006/main" xmlns:r="http://schemas.openxmlformats.org/officeDocument/2006/relationships" xmlns:mc="http://schemas.openxmlformats.org/markup-compatibility/2006" xmlns:mv="urn:schemas-microsoft-com:mac:vml" xmlns:p="http://schemas.openxmlformats.org/presentationml/2006/main" xmlns:c="http://schemas.openxmlformats.org/drawingml/2006/chart" xmlns:dgm="http://schemas.openxmlformats.org/drawingml/2006/diagram" xmlns:o="urn:schemas-microsoft-com:office:office" xmlns:v="urn:schemas-microsoft-com:vml" xmlns:pvml="urn:schemas-microsoft-com:office:powerpoint" xmlns:com="http://schemas.openxmlformats.org/drawingml/2006/compatibility" xmlns:p14="http://schemas.microsoft.com/office/powerpoint/2010/main" xmlns:p15="http://schemas.microsoft.com/office/powerpoint/2012/main">
+<p:notesMaster xmlns:a="http://schemas.openxmlformats.org/drawingml/2006/main" xmlns:r="http://schemas.openxmlformats.org/officeDocument/2006/relationships" xmlns:p="http://schemas.openxmlformats.org/presentationml/2006/main">
   <p:cSld>
+    <p:bg>
+      <p:bgRef idx="1001">
+        <a:schemeClr val="bg1"/>
+      </p:bgRef>
+    </p:bg>
     <p:spTree>
       <p:nvGrpSpPr>
-        <p:cNvPr id="2" name="Shape 2"/>
+        <p:cNvPr id="1" name="Shape 2"/>
         <p:cNvGrpSpPr/>
         <p:nvPr/>
       </p:nvGrpSpPr>
@@ -306,9 +311,11 @@
       <p:sp>
         <p:nvSpPr>
           <p:cNvPr id="3" name="Google Shape;3;n"/>
-          <p:cNvSpPr/>
+          <p:cNvSpPr>
+            <a:spLocks noGrp="1" noRot="1" noChangeAspect="1"/>
+          </p:cNvSpPr>
           <p:nvPr>
-            <p:ph idx="2" type="sldImg"/>
+            <p:ph type="sldImg" idx="2"/>
           </p:nvPr>
         </p:nvSpPr>
         <p:spPr>
@@ -317,9 +324,13 @@
             <a:ext cx="6096075" cy="3429000"/>
           </a:xfrm>
           <a:custGeom>
-            <a:rect b="b" l="l" r="r" t="t"/>
+            <a:avLst/>
+            <a:gdLst/>
+            <a:ahLst/>
+            <a:cxnLst/>
+            <a:rect l="l" t="t" r="r" b="b"/>
             <a:pathLst>
-              <a:path extrusionOk="0" h="120000" w="120000">
+              <a:path w="120000" h="120000" extrusionOk="0">
                 <a:moveTo>
                   <a:pt x="0" y="0"/>
                 </a:moveTo>
@@ -337,23 +348,25 @@
             </a:pathLst>
           </a:custGeom>
           <a:noFill/>
-          <a:ln cap="flat" cmpd="sng" w="9525">
+          <a:ln w="9525" cap="flat" cmpd="sng">
             <a:solidFill>
               <a:srgbClr val="000000"/>
             </a:solidFill>
             <a:prstDash val="solid"/>
             <a:round/>
-            <a:headEnd len="sm" w="sm" type="none"/>
-            <a:tailEnd len="sm" w="sm" type="none"/>
+            <a:headEnd type="none" w="sm" len="sm"/>
+            <a:tailEnd type="none" w="sm" len="sm"/>
           </a:ln>
         </p:spPr>
       </p:sp>
       <p:sp>
         <p:nvSpPr>
           <p:cNvPr id="4" name="Google Shape;4;n"/>
-          <p:cNvSpPr txBox="1"/>
+          <p:cNvSpPr txBox="1">
+            <a:spLocks noGrp="1"/>
+          </p:cNvSpPr>
           <p:nvPr>
-            <p:ph idx="1" type="body"/>
+            <p:ph type="body" idx="1"/>
           </p:nvPr>
         </p:nvSpPr>
         <p:spPr>
@@ -370,11 +383,11 @@
           </a:ln>
         </p:spPr>
         <p:txBody>
-          <a:bodyPr anchorCtr="0" anchor="t" bIns="91425" lIns="91425" spcFirstLastPara="1" rIns="91425" wrap="square" tIns="91425">
+          <a:bodyPr spcFirstLastPara="1" wrap="square" lIns="91425" tIns="91425" rIns="91425" bIns="91425" anchor="t" anchorCtr="0">
             <a:noAutofit/>
           </a:bodyPr>
           <a:lstStyle>
-            <a:lvl1pPr indent="-298450" lvl="0" marL="457200">
+            <a:lvl1pPr marL="457200" lvl="0" indent="-298450">
               <a:spcBef>
                 <a:spcPts val="0"/>
               </a:spcBef>
@@ -385,7 +398,7 @@
               <a:buChar char="●"/>
               <a:defRPr sz="1100"/>
             </a:lvl1pPr>
-            <a:lvl2pPr indent="-298450" lvl="1" marL="914400">
+            <a:lvl2pPr marL="914400" lvl="1" indent="-298450">
               <a:spcBef>
                 <a:spcPts val="0"/>
               </a:spcBef>
@@ -396,7 +409,7 @@
               <a:buChar char="○"/>
               <a:defRPr sz="1100"/>
             </a:lvl2pPr>
-            <a:lvl3pPr indent="-298450" lvl="2" marL="1371600">
+            <a:lvl3pPr marL="1371600" lvl="2" indent="-298450">
               <a:spcBef>
                 <a:spcPts val="0"/>
               </a:spcBef>
@@ -407,7 +420,7 @@
               <a:buChar char="■"/>
               <a:defRPr sz="1100"/>
             </a:lvl3pPr>
-            <a:lvl4pPr indent="-298450" lvl="3" marL="1828800">
+            <a:lvl4pPr marL="1828800" lvl="3" indent="-298450">
               <a:spcBef>
                 <a:spcPts val="0"/>
               </a:spcBef>
@@ -418,7 +431,7 @@
               <a:buChar char="●"/>
               <a:defRPr sz="1100"/>
             </a:lvl4pPr>
-            <a:lvl5pPr indent="-298450" lvl="4" marL="2286000">
+            <a:lvl5pPr marL="2286000" lvl="4" indent="-298450">
               <a:spcBef>
                 <a:spcPts val="0"/>
               </a:spcBef>
@@ -429,7 +442,7 @@
               <a:buChar char="○"/>
               <a:defRPr sz="1100"/>
             </a:lvl5pPr>
-            <a:lvl6pPr indent="-298450" lvl="5" marL="2743200">
+            <a:lvl6pPr marL="2743200" lvl="5" indent="-298450">
               <a:spcBef>
                 <a:spcPts val="0"/>
               </a:spcBef>
@@ -440,7 +453,7 @@
               <a:buChar char="■"/>
               <a:defRPr sz="1100"/>
             </a:lvl6pPr>
-            <a:lvl7pPr indent="-298450" lvl="6" marL="3200400">
+            <a:lvl7pPr marL="3200400" lvl="6" indent="-298450">
               <a:spcBef>
                 <a:spcPts val="0"/>
               </a:spcBef>
@@ -451,7 +464,7 @@
               <a:buChar char="●"/>
               <a:defRPr sz="1100"/>
             </a:lvl7pPr>
-            <a:lvl8pPr indent="-298450" lvl="7" marL="3657600">
+            <a:lvl8pPr marL="3657600" lvl="7" indent="-298450">
               <a:spcBef>
                 <a:spcPts val="0"/>
               </a:spcBef>
@@ -462,7 +475,7 @@
               <a:buChar char="○"/>
               <a:defRPr sz="1100"/>
             </a:lvl8pPr>
-            <a:lvl9pPr indent="-298450" lvl="8" marL="4114800">
+            <a:lvl9pPr marL="4114800" lvl="8" indent="-298450">
               <a:spcBef>
                 <a:spcPts val="0"/>
               </a:spcBef>
@@ -474,14 +487,16 @@
               <a:defRPr sz="1100"/>
             </a:lvl9pPr>
           </a:lstStyle>
-          <a:p/>
+          <a:p>
+            <a:endParaRPr/>
+          </a:p>
         </p:txBody>
       </p:sp>
     </p:spTree>
   </p:cSld>
-  <p:clrMap accent1="accent1" accent2="accent2" accent3="accent3" accent4="accent4" accent5="accent5" accent6="accent6" bg1="lt1" bg2="dk2" tx1="dk1" tx2="lt2" folHlink="folHlink" hlink="hlink"/>
+  <p:clrMap bg1="lt1" tx1="dk1" bg2="dk2" tx2="lt2" accent1="accent1" accent2="accent2" accent3="accent3" accent4="accent4" accent5="accent5" accent6="accent6" hlink="hlink" folHlink="folHlink"/>
   <p:notesStyle>
-    <a:defPPr lvl="0" marR="0" rtl="0" algn="l">
+    <a:defPPr marR="0" lvl="0" algn="l" rtl="0">
       <a:lnSpc>
         <a:spcPct val="100000"/>
       </a:lnSpc>
@@ -492,7 +507,7 @@
         <a:spcPts val="0"/>
       </a:spcAft>
     </a:defPPr>
-    <a:lvl1pPr lvl="0" marR="0" rtl="0" algn="l">
+    <a:lvl1pPr marR="0" lvl="0" algn="l" rtl="0">
       <a:lnSpc>
         <a:spcPct val="100000"/>
       </a:lnSpc>
@@ -506,7 +521,7 @@
         <a:srgbClr val="000000"/>
       </a:buClr>
       <a:buFont typeface="Arial"/>
-      <a:defRPr b="0" i="0" sz="1400" u="none" cap="none" strike="noStrike">
+      <a:defRPr sz="1400" b="0" i="0" u="none" strike="noStrike" cap="none">
         <a:solidFill>
           <a:srgbClr val="000000"/>
         </a:solidFill>
@@ -516,7 +531,7 @@
         <a:sym typeface="Arial"/>
       </a:defRPr>
     </a:lvl1pPr>
-    <a:lvl2pPr lvl="1" marR="0" rtl="0" algn="l">
+    <a:lvl2pPr marR="0" lvl="1" algn="l" rtl="0">
       <a:lnSpc>
         <a:spcPct val="100000"/>
       </a:lnSpc>
@@ -530,7 +545,7 @@
         <a:srgbClr val="000000"/>
       </a:buClr>
       <a:buFont typeface="Arial"/>
-      <a:defRPr b="0" i="0" sz="1400" u="none" cap="none" strike="noStrike">
+      <a:defRPr sz="1400" b="0" i="0" u="none" strike="noStrike" cap="none">
         <a:solidFill>
           <a:srgbClr val="000000"/>
         </a:solidFill>
@@ -540,7 +555,7 @@
         <a:sym typeface="Arial"/>
       </a:defRPr>
     </a:lvl2pPr>
-    <a:lvl3pPr lvl="2" marR="0" rtl="0" algn="l">
+    <a:lvl3pPr marR="0" lvl="2" algn="l" rtl="0">
       <a:lnSpc>
         <a:spcPct val="100000"/>
       </a:lnSpc>
@@ -554,7 +569,7 @@
         <a:srgbClr val="000000"/>
       </a:buClr>
       <a:buFont typeface="Arial"/>
-      <a:defRPr b="0" i="0" sz="1400" u="none" cap="none" strike="noStrike">
+      <a:defRPr sz="1400" b="0" i="0" u="none" strike="noStrike" cap="none">
         <a:solidFill>
           <a:srgbClr val="000000"/>
         </a:solidFill>
@@ -564,7 +579,7 @@
         <a:sym typeface="Arial"/>
       </a:defRPr>
     </a:lvl3pPr>
-    <a:lvl4pPr lvl="3" marR="0" rtl="0" algn="l">
+    <a:lvl4pPr marR="0" lvl="3" algn="l" rtl="0">
       <a:lnSpc>
         <a:spcPct val="100000"/>
       </a:lnSpc>
@@ -578,7 +593,7 @@
         <a:srgbClr val="000000"/>
       </a:buClr>
       <a:buFont typeface="Arial"/>
-      <a:defRPr b="0" i="0" sz="1400" u="none" cap="none" strike="noStrike">
+      <a:defRPr sz="1400" b="0" i="0" u="none" strike="noStrike" cap="none">
         <a:solidFill>
           <a:srgbClr val="000000"/>
         </a:solidFill>
@@ -588,7 +603,7 @@
         <a:sym typeface="Arial"/>
       </a:defRPr>
     </a:lvl4pPr>
-    <a:lvl5pPr lvl="4" marR="0" rtl="0" algn="l">
+    <a:lvl5pPr marR="0" lvl="4" algn="l" rtl="0">
       <a:lnSpc>
         <a:spcPct val="100000"/>
       </a:lnSpc>
@@ -602,7 +617,7 @@
         <a:srgbClr val="000000"/>
       </a:buClr>
       <a:buFont typeface="Arial"/>
-      <a:defRPr b="0" i="0" sz="1400" u="none" cap="none" strike="noStrike">
+      <a:defRPr sz="1400" b="0" i="0" u="none" strike="noStrike" cap="none">
         <a:solidFill>
           <a:srgbClr val="000000"/>
         </a:solidFill>
@@ -612,7 +627,7 @@
         <a:sym typeface="Arial"/>
       </a:defRPr>
     </a:lvl5pPr>
-    <a:lvl6pPr lvl="5" marR="0" rtl="0" algn="l">
+    <a:lvl6pPr marR="0" lvl="5" algn="l" rtl="0">
       <a:lnSpc>
         <a:spcPct val="100000"/>
       </a:lnSpc>
@@ -626,7 +641,7 @@
         <a:srgbClr val="000000"/>
       </a:buClr>
       <a:buFont typeface="Arial"/>
-      <a:defRPr b="0" i="0" sz="1400" u="none" cap="none" strike="noStrike">
+      <a:defRPr sz="1400" b="0" i="0" u="none" strike="noStrike" cap="none">
         <a:solidFill>
           <a:srgbClr val="000000"/>
         </a:solidFill>
@@ -636,7 +651,7 @@
         <a:sym typeface="Arial"/>
       </a:defRPr>
     </a:lvl6pPr>
-    <a:lvl7pPr lvl="6" marR="0" rtl="0" algn="l">
+    <a:lvl7pPr marR="0" lvl="6" algn="l" rtl="0">
       <a:lnSpc>
         <a:spcPct val="100000"/>
       </a:lnSpc>
@@ -650,7 +665,7 @@
         <a:srgbClr val="000000"/>
       </a:buClr>
       <a:buFont typeface="Arial"/>
-      <a:defRPr b="0" i="0" sz="1400" u="none" cap="none" strike="noStrike">
+      <a:defRPr sz="1400" b="0" i="0" u="none" strike="noStrike" cap="none">
         <a:solidFill>
           <a:srgbClr val="000000"/>
         </a:solidFill>
@@ -660,7 +675,7 @@
         <a:sym typeface="Arial"/>
       </a:defRPr>
     </a:lvl7pPr>
-    <a:lvl8pPr lvl="7" marR="0" rtl="0" algn="l">
+    <a:lvl8pPr marR="0" lvl="7" algn="l" rtl="0">
       <a:lnSpc>
         <a:spcPct val="100000"/>
       </a:lnSpc>
@@ -674,7 +689,7 @@
         <a:srgbClr val="000000"/>
       </a:buClr>
       <a:buFont typeface="Arial"/>
-      <a:defRPr b="0" i="0" sz="1400" u="none" cap="none" strike="noStrike">
+      <a:defRPr sz="1400" b="0" i="0" u="none" strike="noStrike" cap="none">
         <a:solidFill>
           <a:srgbClr val="000000"/>
         </a:solidFill>
@@ -684,7 +699,7 @@
         <a:sym typeface="Arial"/>
       </a:defRPr>
     </a:lvl8pPr>
-    <a:lvl9pPr lvl="8" marR="0" rtl="0" algn="l">
+    <a:lvl9pPr marR="0" lvl="8" algn="l" rtl="0">
       <a:lnSpc>
         <a:spcPct val="100000"/>
       </a:lnSpc>
@@ -698,7 +713,7 @@
         <a:srgbClr val="000000"/>
       </a:buClr>
       <a:buFont typeface="Arial"/>
-      <a:defRPr b="0" i="0" sz="1400" u="none" cap="none" strike="noStrike">
+      <a:defRPr sz="1400" b="0" i="0" u="none" strike="noStrike" cap="none">
         <a:solidFill>
           <a:srgbClr val="000000"/>
         </a:solidFill>
@@ -713,11 +728,11 @@
 </file>
 
 <file path=ppt/notesSlides/notesSlide1.xml><?xml version="1.0" encoding="utf-8"?>
-<p:notes xmlns:a="http://schemas.openxmlformats.org/drawingml/2006/main" xmlns:r="http://schemas.openxmlformats.org/officeDocument/2006/relationships" xmlns:mc="http://schemas.openxmlformats.org/markup-compatibility/2006" xmlns:mv="urn:schemas-microsoft-com:mac:vml" xmlns:p="http://schemas.openxmlformats.org/presentationml/2006/main" xmlns:c="http://schemas.openxmlformats.org/drawingml/2006/chart" xmlns:dgm="http://schemas.openxmlformats.org/drawingml/2006/diagram" xmlns:o="urn:schemas-microsoft-com:office:office" xmlns:v="urn:schemas-microsoft-com:vml" xmlns:pvml="urn:schemas-microsoft-com:office:powerpoint" xmlns:com="http://schemas.openxmlformats.org/drawingml/2006/compatibility" xmlns:p14="http://schemas.microsoft.com/office/powerpoint/2010/main" xmlns:p15="http://schemas.microsoft.com/office/powerpoint/2012/main" showMasterPhAnim="0" showMasterSp="0">
+<p:notes xmlns:a="http://schemas.openxmlformats.org/drawingml/2006/main" xmlns:r="http://schemas.openxmlformats.org/officeDocument/2006/relationships" xmlns:p="http://schemas.openxmlformats.org/presentationml/2006/main" showMasterSp="0" showMasterPhAnim="0">
   <p:cSld>
     <p:spTree>
       <p:nvGrpSpPr>
-        <p:cNvPr id="82" name="Shape 82"/>
+        <p:cNvPr id="1" name="Shape 82"/>
         <p:cNvGrpSpPr/>
         <p:nvPr/>
       </p:nvGrpSpPr>
@@ -732,9 +747,11 @@
       <p:sp>
         <p:nvSpPr>
           <p:cNvPr id="83" name="Google Shape;83;p:notes"/>
-          <p:cNvSpPr/>
+          <p:cNvSpPr>
+            <a:spLocks noGrp="1" noRot="1" noChangeAspect="1"/>
+          </p:cNvSpPr>
           <p:nvPr>
-            <p:ph idx="2" type="sldImg"/>
+            <p:ph type="sldImg" idx="2"/>
           </p:nvPr>
         </p:nvSpPr>
         <p:spPr>
@@ -743,9 +760,13 @@
             <a:ext cx="6096075" cy="3429000"/>
           </a:xfrm>
           <a:custGeom>
-            <a:rect b="b" l="l" r="r" t="t"/>
+            <a:avLst/>
+            <a:gdLst/>
+            <a:ahLst/>
+            <a:cxnLst/>
+            <a:rect l="l" t="t" r="r" b="b"/>
             <a:pathLst>
-              <a:path extrusionOk="0" h="120000" w="120000">
+              <a:path w="120000" h="120000" extrusionOk="0">
                 <a:moveTo>
                   <a:pt x="0" y="0"/>
                 </a:moveTo>
@@ -767,9 +788,11 @@
       <p:sp>
         <p:nvSpPr>
           <p:cNvPr id="84" name="Google Shape;84;p:notes"/>
-          <p:cNvSpPr txBox="1"/>
+          <p:cNvSpPr txBox="1">
+            <a:spLocks noGrp="1"/>
+          </p:cNvSpPr>
           <p:nvPr>
-            <p:ph idx="1" type="body"/>
+            <p:ph type="body" idx="1"/>
           </p:nvPr>
         </p:nvSpPr>
         <p:spPr>
@@ -782,23 +805,20 @@
           </a:prstGeom>
         </p:spPr>
         <p:txBody>
-          <a:bodyPr anchorCtr="0" anchor="t" bIns="91425" lIns="91425" spcFirstLastPara="1" rIns="91425" wrap="square" tIns="91425">
+          <a:bodyPr spcFirstLastPara="1" wrap="square" lIns="91425" tIns="91425" rIns="91425" bIns="91425" anchor="t" anchorCtr="0">
             <a:noAutofit/>
           </a:bodyPr>
           <a:lstStyle/>
           <a:p>
-            <a:pPr indent="0" lvl="0" marL="0" rtl="0" algn="l">
-              <a:spcBef>
-                <a:spcPts val="0"/>
-              </a:spcBef>
-              <a:spcAft>
-                <a:spcPts val="0"/>
-              </a:spcAft>
-              <a:buNone/>
-            </a:pPr>
-            <a:r>
-              <a:t/>
-            </a:r>
+            <a:pPr marL="0" lvl="0" indent="0" algn="l" rtl="0">
+              <a:spcBef>
+                <a:spcPts val="0"/>
+              </a:spcBef>
+              <a:spcAft>
+                <a:spcPts val="0"/>
+              </a:spcAft>
+              <a:buNone/>
+            </a:pPr>
             <a:endParaRPr/>
           </a:p>
         </p:txBody>
@@ -812,11 +832,11 @@
 </file>
 
 <file path=ppt/notesSlides/notesSlide10.xml><?xml version="1.0" encoding="utf-8"?>
-<p:notes xmlns:a="http://schemas.openxmlformats.org/drawingml/2006/main" xmlns:r="http://schemas.openxmlformats.org/officeDocument/2006/relationships" xmlns:mc="http://schemas.openxmlformats.org/markup-compatibility/2006" xmlns:mv="urn:schemas-microsoft-com:mac:vml" xmlns:p="http://schemas.openxmlformats.org/presentationml/2006/main" xmlns:c="http://schemas.openxmlformats.org/drawingml/2006/chart" xmlns:dgm="http://schemas.openxmlformats.org/drawingml/2006/diagram" xmlns:o="urn:schemas-microsoft-com:office:office" xmlns:v="urn:schemas-microsoft-com:vml" xmlns:pvml="urn:schemas-microsoft-com:office:powerpoint" xmlns:com="http://schemas.openxmlformats.org/drawingml/2006/compatibility" xmlns:p14="http://schemas.microsoft.com/office/powerpoint/2010/main" xmlns:p15="http://schemas.microsoft.com/office/powerpoint/2012/main" showMasterPhAnim="0" showMasterSp="0">
+<p:notes xmlns:a="http://schemas.openxmlformats.org/drawingml/2006/main" xmlns:r="http://schemas.openxmlformats.org/officeDocument/2006/relationships" xmlns:p="http://schemas.openxmlformats.org/presentationml/2006/main" showMasterSp="0" showMasterPhAnim="0">
   <p:cSld>
     <p:spTree>
       <p:nvGrpSpPr>
-        <p:cNvPr id="175" name="Shape 175"/>
+        <p:cNvPr id="1" name="Shape 175"/>
         <p:cNvGrpSpPr/>
         <p:nvPr/>
       </p:nvGrpSpPr>
@@ -831,9 +851,11 @@
       <p:sp>
         <p:nvSpPr>
           <p:cNvPr id="176" name="Google Shape;176;g6f88395664_0_545:notes"/>
-          <p:cNvSpPr/>
+          <p:cNvSpPr>
+            <a:spLocks noGrp="1" noRot="1" noChangeAspect="1"/>
+          </p:cNvSpPr>
           <p:nvPr>
-            <p:ph idx="2" type="sldImg"/>
+            <p:ph type="sldImg" idx="2"/>
           </p:nvPr>
         </p:nvSpPr>
         <p:spPr>
@@ -842,9 +864,13 @@
             <a:ext cx="6096000" cy="3429000"/>
           </a:xfrm>
           <a:custGeom>
-            <a:rect b="b" l="l" r="r" t="t"/>
+            <a:avLst/>
+            <a:gdLst/>
+            <a:ahLst/>
+            <a:cxnLst/>
+            <a:rect l="l" t="t" r="r" b="b"/>
             <a:pathLst>
-              <a:path extrusionOk="0" h="120000" w="120000">
+              <a:path w="120000" h="120000" extrusionOk="0">
                 <a:moveTo>
                   <a:pt x="0" y="0"/>
                 </a:moveTo>
@@ -866,9 +892,11 @@
       <p:sp>
         <p:nvSpPr>
           <p:cNvPr id="177" name="Google Shape;177;g6f88395664_0_545:notes"/>
-          <p:cNvSpPr txBox="1"/>
+          <p:cNvSpPr txBox="1">
+            <a:spLocks noGrp="1"/>
+          </p:cNvSpPr>
           <p:nvPr>
-            <p:ph idx="1" type="body"/>
+            <p:ph type="body" idx="1"/>
           </p:nvPr>
         </p:nvSpPr>
         <p:spPr>
@@ -881,12 +909,12 @@
           </a:prstGeom>
         </p:spPr>
         <p:txBody>
-          <a:bodyPr anchorCtr="0" anchor="t" bIns="91425" lIns="91425" spcFirstLastPara="1" rIns="91425" wrap="square" tIns="91425">
+          <a:bodyPr spcFirstLastPara="1" wrap="square" lIns="91425" tIns="91425" rIns="91425" bIns="91425" anchor="t" anchorCtr="0">
             <a:noAutofit/>
           </a:bodyPr>
           <a:lstStyle/>
           <a:p>
-            <a:pPr indent="-304800" lvl="0" marL="457200" rtl="0" algn="l">
+            <a:pPr marL="457200" lvl="0" indent="-304800" algn="l" rtl="0">
               <a:lnSpc>
                 <a:spcPct val="115000"/>
               </a:lnSpc>
@@ -926,7 +954,7 @@
             </a:endParaRPr>
           </a:p>
           <a:p>
-            <a:pPr indent="0" lvl="0" marL="0" rtl="0" algn="l">
+            <a:pPr marL="0" lvl="0" indent="0" algn="l" rtl="0">
               <a:spcBef>
                 <a:spcPts val="1600"/>
               </a:spcBef>
@@ -935,9 +963,6 @@
               </a:spcAft>
               <a:buNone/>
             </a:pPr>
-            <a:r>
-              <a:t/>
-            </a:r>
             <a:endParaRPr/>
           </a:p>
         </p:txBody>
@@ -951,11 +976,11 @@
 </file>
 
 <file path=ppt/notesSlides/notesSlide11.xml><?xml version="1.0" encoding="utf-8"?>
-<p:notes xmlns:a="http://schemas.openxmlformats.org/drawingml/2006/main" xmlns:r="http://schemas.openxmlformats.org/officeDocument/2006/relationships" xmlns:mc="http://schemas.openxmlformats.org/markup-compatibility/2006" xmlns:mv="urn:schemas-microsoft-com:mac:vml" xmlns:p="http://schemas.openxmlformats.org/presentationml/2006/main" xmlns:c="http://schemas.openxmlformats.org/drawingml/2006/chart" xmlns:dgm="http://schemas.openxmlformats.org/drawingml/2006/diagram" xmlns:o="urn:schemas-microsoft-com:office:office" xmlns:v="urn:schemas-microsoft-com:vml" xmlns:pvml="urn:schemas-microsoft-com:office:powerpoint" xmlns:com="http://schemas.openxmlformats.org/drawingml/2006/compatibility" xmlns:p14="http://schemas.microsoft.com/office/powerpoint/2010/main" xmlns:p15="http://schemas.microsoft.com/office/powerpoint/2012/main" showMasterPhAnim="0" showMasterSp="0">
+<p:notes xmlns:a="http://schemas.openxmlformats.org/drawingml/2006/main" xmlns:r="http://schemas.openxmlformats.org/officeDocument/2006/relationships" xmlns:p="http://schemas.openxmlformats.org/presentationml/2006/main" showMasterSp="0" showMasterPhAnim="0">
   <p:cSld>
     <p:spTree>
       <p:nvGrpSpPr>
-        <p:cNvPr id="182" name="Shape 182"/>
+        <p:cNvPr id="1" name="Shape 182"/>
         <p:cNvGrpSpPr/>
         <p:nvPr/>
       </p:nvGrpSpPr>
@@ -970,20 +995,26 @@
       <p:sp>
         <p:nvSpPr>
           <p:cNvPr id="183" name="Google Shape;183;g6f88395664_0_550:notes"/>
-          <p:cNvSpPr/>
+          <p:cNvSpPr>
+            <a:spLocks noGrp="1" noRot="1" noChangeAspect="1"/>
+          </p:cNvSpPr>
           <p:nvPr>
-            <p:ph idx="2" type="sldImg"/>
+            <p:ph type="sldImg" idx="2"/>
           </p:nvPr>
         </p:nvSpPr>
         <p:spPr>
           <a:xfrm>
-            <a:off x="381300" y="685800"/>
+            <a:off x="381000" y="685800"/>
             <a:ext cx="6096000" cy="3429000"/>
           </a:xfrm>
           <a:custGeom>
-            <a:rect b="b" l="l" r="r" t="t"/>
+            <a:avLst/>
+            <a:gdLst/>
+            <a:ahLst/>
+            <a:cxnLst/>
+            <a:rect l="l" t="t" r="r" b="b"/>
             <a:pathLst>
-              <a:path extrusionOk="0" h="120000" w="120000">
+              <a:path w="120000" h="120000" extrusionOk="0">
                 <a:moveTo>
                   <a:pt x="0" y="0"/>
                 </a:moveTo>
@@ -1005,9 +1036,11 @@
       <p:sp>
         <p:nvSpPr>
           <p:cNvPr id="184" name="Google Shape;184;g6f88395664_0_550:notes"/>
-          <p:cNvSpPr txBox="1"/>
+          <p:cNvSpPr txBox="1">
+            <a:spLocks noGrp="1"/>
+          </p:cNvSpPr>
           <p:nvPr>
-            <p:ph idx="1" type="body"/>
+            <p:ph type="body" idx="1"/>
           </p:nvPr>
         </p:nvSpPr>
         <p:spPr>
@@ -1020,23 +1053,20 @@
           </a:prstGeom>
         </p:spPr>
         <p:txBody>
-          <a:bodyPr anchorCtr="0" anchor="t" bIns="91425" lIns="91425" spcFirstLastPara="1" rIns="91425" wrap="square" tIns="91425">
+          <a:bodyPr spcFirstLastPara="1" wrap="square" lIns="91425" tIns="91425" rIns="91425" bIns="91425" anchor="t" anchorCtr="0">
             <a:noAutofit/>
           </a:bodyPr>
           <a:lstStyle/>
           <a:p>
-            <a:pPr indent="0" lvl="0" marL="0" rtl="0" algn="l">
-              <a:spcBef>
-                <a:spcPts val="0"/>
-              </a:spcBef>
-              <a:spcAft>
-                <a:spcPts val="0"/>
-              </a:spcAft>
-              <a:buNone/>
-            </a:pPr>
-            <a:r>
-              <a:t/>
-            </a:r>
+            <a:pPr marL="0" lvl="0" indent="0" algn="l" rtl="0">
+              <a:spcBef>
+                <a:spcPts val="0"/>
+              </a:spcBef>
+              <a:spcAft>
+                <a:spcPts val="0"/>
+              </a:spcAft>
+              <a:buNone/>
+            </a:pPr>
             <a:endParaRPr/>
           </a:p>
         </p:txBody>
@@ -1050,11 +1080,11 @@
 </file>
 
 <file path=ppt/notesSlides/notesSlide2.xml><?xml version="1.0" encoding="utf-8"?>
-<p:notes xmlns:a="http://schemas.openxmlformats.org/drawingml/2006/main" xmlns:r="http://schemas.openxmlformats.org/officeDocument/2006/relationships" xmlns:mc="http://schemas.openxmlformats.org/markup-compatibility/2006" xmlns:mv="urn:schemas-microsoft-com:mac:vml" xmlns:p="http://schemas.openxmlformats.org/presentationml/2006/main" xmlns:c="http://schemas.openxmlformats.org/drawingml/2006/chart" xmlns:dgm="http://schemas.openxmlformats.org/drawingml/2006/diagram" xmlns:o="urn:schemas-microsoft-com:office:office" xmlns:v="urn:schemas-microsoft-com:vml" xmlns:pvml="urn:schemas-microsoft-com:office:powerpoint" xmlns:com="http://schemas.openxmlformats.org/drawingml/2006/compatibility" xmlns:p14="http://schemas.microsoft.com/office/powerpoint/2010/main" xmlns:p15="http://schemas.microsoft.com/office/powerpoint/2012/main" showMasterPhAnim="0" showMasterSp="0">
+<p:notes xmlns:a="http://schemas.openxmlformats.org/drawingml/2006/main" xmlns:r="http://schemas.openxmlformats.org/officeDocument/2006/relationships" xmlns:p="http://schemas.openxmlformats.org/presentationml/2006/main" showMasterSp="0" showMasterPhAnim="0">
   <p:cSld>
     <p:spTree>
       <p:nvGrpSpPr>
-        <p:cNvPr id="88" name="Shape 88"/>
+        <p:cNvPr id="1" name="Shape 88"/>
         <p:cNvGrpSpPr/>
         <p:nvPr/>
       </p:nvGrpSpPr>
@@ -1069,9 +1099,11 @@
       <p:sp>
         <p:nvSpPr>
           <p:cNvPr id="89" name="Google Shape;89;g6f9b7144d8_0_0:notes"/>
-          <p:cNvSpPr/>
+          <p:cNvSpPr>
+            <a:spLocks noGrp="1" noRot="1" noChangeAspect="1"/>
+          </p:cNvSpPr>
           <p:nvPr>
-            <p:ph idx="2" type="sldImg"/>
+            <p:ph type="sldImg" idx="2"/>
           </p:nvPr>
         </p:nvSpPr>
         <p:spPr>
@@ -1080,9 +1112,13 @@
             <a:ext cx="6096000" cy="3429000"/>
           </a:xfrm>
           <a:custGeom>
-            <a:rect b="b" l="l" r="r" t="t"/>
+            <a:avLst/>
+            <a:gdLst/>
+            <a:ahLst/>
+            <a:cxnLst/>
+            <a:rect l="l" t="t" r="r" b="b"/>
             <a:pathLst>
-              <a:path extrusionOk="0" h="120000" w="120000">
+              <a:path w="120000" h="120000" extrusionOk="0">
                 <a:moveTo>
                   <a:pt x="0" y="0"/>
                 </a:moveTo>
@@ -1104,9 +1140,11 @@
       <p:sp>
         <p:nvSpPr>
           <p:cNvPr id="90" name="Google Shape;90;g6f9b7144d8_0_0:notes"/>
-          <p:cNvSpPr txBox="1"/>
+          <p:cNvSpPr txBox="1">
+            <a:spLocks noGrp="1"/>
+          </p:cNvSpPr>
           <p:nvPr>
-            <p:ph idx="1" type="body"/>
+            <p:ph type="body" idx="1"/>
           </p:nvPr>
         </p:nvSpPr>
         <p:spPr>
@@ -1119,27 +1157,24 @@
           </a:prstGeom>
         </p:spPr>
         <p:txBody>
-          <a:bodyPr anchorCtr="0" anchor="t" bIns="91425" lIns="91425" spcFirstLastPara="1" rIns="91425" wrap="square" tIns="91425">
+          <a:bodyPr spcFirstLastPara="1" wrap="square" lIns="91425" tIns="91425" rIns="91425" bIns="91425" anchor="t" anchorCtr="0">
             <a:noAutofit/>
           </a:bodyPr>
           <a:lstStyle/>
           <a:p>
-            <a:pPr indent="0" lvl="0" marL="0" rtl="0" algn="l">
-              <a:spcBef>
-                <a:spcPts val="0"/>
-              </a:spcBef>
-              <a:spcAft>
-                <a:spcPts val="0"/>
-              </a:spcAft>
-              <a:buNone/>
-            </a:pPr>
-            <a:r>
-              <a:t/>
-            </a:r>
+            <a:pPr marL="0" lvl="0" indent="0" algn="l" rtl="0">
+              <a:spcBef>
+                <a:spcPts val="0"/>
+              </a:spcBef>
+              <a:spcAft>
+                <a:spcPts val="0"/>
+              </a:spcAft>
+              <a:buNone/>
+            </a:pPr>
             <a:endParaRPr/>
           </a:p>
           <a:p>
-            <a:pPr indent="0" lvl="0" marL="0" rtl="0" algn="l">
+            <a:pPr marL="0" lvl="0" indent="0" algn="l" rtl="0">
               <a:spcBef>
                 <a:spcPts val="0"/>
               </a:spcBef>
@@ -1155,7 +1190,7 @@
             <a:endParaRPr/>
           </a:p>
           <a:p>
-            <a:pPr indent="-298450" lvl="0" marL="457200" rtl="0" algn="l">
+            <a:pPr marL="457200" lvl="0" indent="-298450" algn="l" rtl="0">
               <a:spcBef>
                 <a:spcPts val="0"/>
               </a:spcBef>
@@ -1172,7 +1207,7 @@
             <a:endParaRPr/>
           </a:p>
           <a:p>
-            <a:pPr indent="-298450" lvl="0" marL="457200" rtl="0" algn="l">
+            <a:pPr marL="457200" lvl="0" indent="-298450" algn="l" rtl="0">
               <a:spcBef>
                 <a:spcPts val="0"/>
               </a:spcBef>
@@ -1189,7 +1224,7 @@
             <a:endParaRPr/>
           </a:p>
           <a:p>
-            <a:pPr indent="-298450" lvl="0" marL="457200" rtl="0" algn="l">
+            <a:pPr marL="457200" lvl="0" indent="-298450" algn="l" rtl="0">
               <a:spcBef>
                 <a:spcPts val="0"/>
               </a:spcBef>
@@ -1206,7 +1241,7 @@
             <a:endParaRPr/>
           </a:p>
           <a:p>
-            <a:pPr indent="-298450" lvl="1" marL="914400" rtl="0" algn="l">
+            <a:pPr marL="914400" lvl="1" indent="-298450" algn="l" rtl="0">
               <a:spcBef>
                 <a:spcPts val="0"/>
               </a:spcBef>
@@ -1218,36 +1253,12 @@
             </a:pPr>
             <a:r>
               <a:rPr lang="en"/>
-              <a:t>(hierarchical- only charged with most serious crime an aggravated domestic battery offender </a:t>
-            </a:r>
-            <a:r>
-              <a:rPr lang="en"/>
-              <a:t>would</a:t>
-            </a:r>
-            <a:r>
-              <a:rPr lang="en"/>
-              <a:t> not also be charged with domestic and simple battery. </a:t>
-            </a:r>
-            <a:r>
-              <a:rPr lang="en"/>
-              <a:t>Additionally</a:t>
-            </a:r>
-            <a:r>
-              <a:rPr lang="en"/>
-              <a:t> if an offender committed a lesser offense in the </a:t>
-            </a:r>
-            <a:r>
-              <a:rPr lang="en"/>
-              <a:t>commission</a:t>
-            </a:r>
-            <a:r>
-              <a:rPr lang="en"/>
-              <a:t> of</a:t>
+              <a:t>(hierarchical- only charged with most serious crime an aggravated domestic battery offender would not also be charged with domestic and simple battery. Additionally if an offender committed a lesser offense in the commission of</a:t>
             </a:r>
             <a:endParaRPr/>
           </a:p>
           <a:p>
-            <a:pPr indent="-298450" lvl="1" marL="914400" rtl="0" algn="l">
+            <a:pPr marL="914400" lvl="1" indent="-298450" algn="l" rtl="0">
               <a:spcBef>
                 <a:spcPts val="0"/>
               </a:spcBef>
@@ -1264,7 +1275,7 @@
             <a:endParaRPr/>
           </a:p>
           <a:p>
-            <a:pPr indent="-298450" lvl="0" marL="457200" rtl="0" algn="l">
+            <a:pPr marL="457200" lvl="0" indent="-298450" algn="l" rtl="0">
               <a:spcBef>
                 <a:spcPts val="0"/>
               </a:spcBef>
@@ -1281,7 +1292,7 @@
             <a:endParaRPr/>
           </a:p>
           <a:p>
-            <a:pPr indent="-298450" lvl="0" marL="457200" rtl="0" algn="l">
+            <a:pPr marL="457200" lvl="0" indent="-298450" algn="l" rtl="0">
               <a:spcBef>
                 <a:spcPts val="0"/>
               </a:spcBef>
@@ -1298,7 +1309,7 @@
             <a:endParaRPr/>
           </a:p>
           <a:p>
-            <a:pPr indent="-298450" lvl="0" marL="457200" rtl="0" algn="l">
+            <a:pPr marL="457200" lvl="0" indent="-298450" algn="l" rtl="0">
               <a:spcBef>
                 <a:spcPts val="0"/>
               </a:spcBef>
@@ -1315,7 +1326,7 @@
             <a:endParaRPr/>
           </a:p>
           <a:p>
-            <a:pPr indent="-298450" lvl="0" marL="457200" rtl="0" algn="l">
+            <a:pPr marL="457200" lvl="0" indent="-298450" algn="l" rtl="0">
               <a:spcBef>
                 <a:spcPts val="0"/>
               </a:spcBef>
@@ -1332,7 +1343,7 @@
             <a:endParaRPr/>
           </a:p>
           <a:p>
-            <a:pPr indent="-298450" lvl="0" marL="457200" rtl="0" algn="l">
+            <a:pPr marL="457200" lvl="0" indent="-298450" algn="l" rtl="0">
               <a:spcBef>
                 <a:spcPts val="0"/>
               </a:spcBef>
@@ -1349,22 +1360,19 @@
             <a:endParaRPr/>
           </a:p>
           <a:p>
-            <a:pPr indent="0" lvl="0" marL="0" rtl="0" algn="l">
-              <a:spcBef>
-                <a:spcPts val="0"/>
-              </a:spcBef>
-              <a:spcAft>
-                <a:spcPts val="0"/>
-              </a:spcAft>
-              <a:buNone/>
-            </a:pPr>
-            <a:r>
-              <a:t/>
-            </a:r>
+            <a:pPr marL="0" lvl="0" indent="0" algn="l" rtl="0">
+              <a:spcBef>
+                <a:spcPts val="0"/>
+              </a:spcBef>
+              <a:spcAft>
+                <a:spcPts val="0"/>
+              </a:spcAft>
+              <a:buNone/>
+            </a:pPr>
             <a:endParaRPr/>
           </a:p>
           <a:p>
-            <a:pPr indent="0" lvl="0" marL="0" rtl="0" algn="l">
+            <a:pPr marL="0" lvl="0" indent="0" algn="l" rtl="0">
               <a:spcBef>
                 <a:spcPts val="0"/>
               </a:spcBef>
@@ -1380,7 +1388,7 @@
             <a:endParaRPr/>
           </a:p>
           <a:p>
-            <a:pPr indent="0" lvl="0" marL="0" rtl="0" algn="l">
+            <a:pPr marL="0" lvl="0" indent="0" algn="l" rtl="0">
               <a:spcBef>
                 <a:spcPts val="0"/>
               </a:spcBef>
@@ -1396,7 +1404,7 @@
             <a:endParaRPr/>
           </a:p>
           <a:p>
-            <a:pPr indent="0" lvl="0" marL="0" rtl="0" algn="l">
+            <a:pPr marL="0" lvl="0" indent="0" algn="l" rtl="0">
               <a:spcBef>
                 <a:spcPts val="0"/>
               </a:spcBef>
@@ -1412,7 +1420,7 @@
             <a:endParaRPr/>
           </a:p>
           <a:p>
-            <a:pPr indent="0" lvl="0" marL="0" rtl="0" algn="l">
+            <a:pPr marL="0" lvl="0" indent="0" algn="l" rtl="0">
               <a:spcBef>
                 <a:spcPts val="0"/>
               </a:spcBef>
@@ -1428,7 +1436,7 @@
             <a:endParaRPr/>
           </a:p>
           <a:p>
-            <a:pPr indent="0" lvl="0" marL="0" rtl="0" algn="l">
+            <a:pPr marL="0" lvl="0" indent="0" algn="l" rtl="0">
               <a:spcBef>
                 <a:spcPts val="0"/>
               </a:spcBef>
@@ -1444,7 +1452,7 @@
             <a:endParaRPr/>
           </a:p>
           <a:p>
-            <a:pPr indent="0" lvl="0" marL="0" rtl="0" algn="l">
+            <a:pPr marL="0" lvl="0" indent="0" algn="l" rtl="0">
               <a:spcBef>
                 <a:spcPts val="0"/>
               </a:spcBef>
@@ -1460,7 +1468,7 @@
             <a:endParaRPr/>
           </a:p>
           <a:p>
-            <a:pPr indent="0" lvl="0" marL="0" rtl="0" algn="l">
+            <a:pPr marL="0" lvl="0" indent="0" algn="l" rtl="0">
               <a:spcBef>
                 <a:spcPts val="0"/>
               </a:spcBef>
@@ -1476,7 +1484,7 @@
             <a:endParaRPr/>
           </a:p>
           <a:p>
-            <a:pPr indent="0" lvl="0" marL="0" rtl="0" algn="l">
+            <a:pPr marL="0" lvl="0" indent="0" algn="l" rtl="0">
               <a:spcBef>
                 <a:spcPts val="0"/>
               </a:spcBef>
@@ -1492,7 +1500,7 @@
             <a:endParaRPr/>
           </a:p>
           <a:p>
-            <a:pPr indent="0" lvl="0" marL="0" rtl="0" algn="l">
+            <a:pPr marL="0" lvl="0" indent="0" algn="l" rtl="0">
               <a:spcBef>
                 <a:spcPts val="0"/>
               </a:spcBef>
@@ -1508,7 +1516,7 @@
             <a:endParaRPr/>
           </a:p>
           <a:p>
-            <a:pPr indent="0" lvl="0" marL="0" rtl="0" algn="l">
+            <a:pPr marL="0" lvl="0" indent="0" algn="l" rtl="0">
               <a:spcBef>
                 <a:spcPts val="0"/>
               </a:spcBef>
@@ -1524,7 +1532,7 @@
             <a:endParaRPr/>
           </a:p>
           <a:p>
-            <a:pPr indent="0" lvl="0" marL="0" rtl="0" algn="l">
+            <a:pPr marL="0" lvl="0" indent="0" algn="l" rtl="0">
               <a:spcBef>
                 <a:spcPts val="0"/>
               </a:spcBef>
@@ -1540,48 +1548,39 @@
             <a:endParaRPr/>
           </a:p>
           <a:p>
-            <a:pPr indent="0" lvl="0" marL="0" rtl="0" algn="l">
-              <a:spcBef>
-                <a:spcPts val="0"/>
-              </a:spcBef>
-              <a:spcAft>
-                <a:spcPts val="0"/>
-              </a:spcAft>
-              <a:buNone/>
-            </a:pPr>
-            <a:r>
-              <a:t/>
-            </a:r>
+            <a:pPr marL="0" lvl="0" indent="0" algn="l" rtl="0">
+              <a:spcBef>
+                <a:spcPts val="0"/>
+              </a:spcBef>
+              <a:spcAft>
+                <a:spcPts val="0"/>
+              </a:spcAft>
+              <a:buNone/>
+            </a:pPr>
             <a:endParaRPr/>
           </a:p>
           <a:p>
-            <a:pPr indent="0" lvl="0" marL="0" rtl="0" algn="l">
-              <a:spcBef>
-                <a:spcPts val="0"/>
-              </a:spcBef>
-              <a:spcAft>
-                <a:spcPts val="0"/>
-              </a:spcAft>
-              <a:buNone/>
-            </a:pPr>
-            <a:r>
-              <a:t/>
-            </a:r>
+            <a:pPr marL="0" lvl="0" indent="0" algn="l" rtl="0">
+              <a:spcBef>
+                <a:spcPts val="0"/>
+              </a:spcBef>
+              <a:spcAft>
+                <a:spcPts val="0"/>
+              </a:spcAft>
+              <a:buNone/>
+            </a:pPr>
             <a:endParaRPr/>
           </a:p>
           <a:p>
-            <a:pPr indent="0" lvl="0" marL="0" rtl="0" algn="l">
-              <a:spcBef>
-                <a:spcPts val="0"/>
-              </a:spcBef>
-              <a:spcAft>
-                <a:spcPts val="0"/>
-              </a:spcAft>
-              <a:buNone/>
-            </a:pPr>
-            <a:r>
-              <a:t/>
-            </a:r>
+            <a:pPr marL="0" lvl="0" indent="0" algn="l" rtl="0">
+              <a:spcBef>
+                <a:spcPts val="0"/>
+              </a:spcBef>
+              <a:spcAft>
+                <a:spcPts val="0"/>
+              </a:spcAft>
+              <a:buNone/>
+            </a:pPr>
             <a:endParaRPr/>
           </a:p>
         </p:txBody>
@@ -1595,11 +1594,11 @@
 </file>
 
 <file path=ppt/notesSlides/notesSlide3.xml><?xml version="1.0" encoding="utf-8"?>
-<p:notes xmlns:a="http://schemas.openxmlformats.org/drawingml/2006/main" xmlns:r="http://schemas.openxmlformats.org/officeDocument/2006/relationships" xmlns:mc="http://schemas.openxmlformats.org/markup-compatibility/2006" xmlns:mv="urn:schemas-microsoft-com:mac:vml" xmlns:p="http://schemas.openxmlformats.org/presentationml/2006/main" xmlns:c="http://schemas.openxmlformats.org/drawingml/2006/chart" xmlns:dgm="http://schemas.openxmlformats.org/drawingml/2006/diagram" xmlns:o="urn:schemas-microsoft-com:office:office" xmlns:v="urn:schemas-microsoft-com:vml" xmlns:pvml="urn:schemas-microsoft-com:office:powerpoint" xmlns:com="http://schemas.openxmlformats.org/drawingml/2006/compatibility" xmlns:p14="http://schemas.microsoft.com/office/powerpoint/2010/main" xmlns:p15="http://schemas.microsoft.com/office/powerpoint/2012/main" showMasterPhAnim="0" showMasterSp="0">
+<p:notes xmlns:a="http://schemas.openxmlformats.org/drawingml/2006/main" xmlns:r="http://schemas.openxmlformats.org/officeDocument/2006/relationships" xmlns:p="http://schemas.openxmlformats.org/presentationml/2006/main" showMasterSp="0" showMasterPhAnim="0">
   <p:cSld>
     <p:spTree>
       <p:nvGrpSpPr>
-        <p:cNvPr id="95" name="Shape 95"/>
+        <p:cNvPr id="1" name="Shape 95"/>
         <p:cNvGrpSpPr/>
         <p:nvPr/>
       </p:nvGrpSpPr>
@@ -1614,9 +1613,11 @@
       <p:sp>
         <p:nvSpPr>
           <p:cNvPr id="96" name="Google Shape;96;g6f88395664_0_535:notes"/>
-          <p:cNvSpPr/>
+          <p:cNvSpPr>
+            <a:spLocks noGrp="1" noRot="1" noChangeAspect="1"/>
+          </p:cNvSpPr>
           <p:nvPr>
-            <p:ph idx="2" type="sldImg"/>
+            <p:ph type="sldImg" idx="2"/>
           </p:nvPr>
         </p:nvSpPr>
         <p:spPr>
@@ -1625,9 +1626,13 @@
             <a:ext cx="6096000" cy="3429000"/>
           </a:xfrm>
           <a:custGeom>
-            <a:rect b="b" l="l" r="r" t="t"/>
+            <a:avLst/>
+            <a:gdLst/>
+            <a:ahLst/>
+            <a:cxnLst/>
+            <a:rect l="l" t="t" r="r" b="b"/>
             <a:pathLst>
-              <a:path extrusionOk="0" h="120000" w="120000">
+              <a:path w="120000" h="120000" extrusionOk="0">
                 <a:moveTo>
                   <a:pt x="0" y="0"/>
                 </a:moveTo>
@@ -1649,9 +1654,11 @@
       <p:sp>
         <p:nvSpPr>
           <p:cNvPr id="97" name="Google Shape;97;g6f88395664_0_535:notes"/>
-          <p:cNvSpPr txBox="1"/>
+          <p:cNvSpPr txBox="1">
+            <a:spLocks noGrp="1"/>
+          </p:cNvSpPr>
           <p:nvPr>
-            <p:ph idx="1" type="body"/>
+            <p:ph type="body" idx="1"/>
           </p:nvPr>
         </p:nvSpPr>
         <p:spPr>
@@ -1664,12 +1671,12 @@
           </a:prstGeom>
         </p:spPr>
         <p:txBody>
-          <a:bodyPr anchorCtr="0" anchor="t" bIns="91425" lIns="91425" spcFirstLastPara="1" rIns="91425" wrap="square" tIns="91425">
+          <a:bodyPr spcFirstLastPara="1" wrap="square" lIns="91425" tIns="91425" rIns="91425" bIns="91425" anchor="t" anchorCtr="0">
             <a:noAutofit/>
           </a:bodyPr>
           <a:lstStyle/>
           <a:p>
-            <a:pPr indent="0" lvl="0" marL="0" rtl="0" algn="l">
+            <a:pPr marL="0" lvl="0" indent="0" algn="l" rtl="0">
               <a:spcBef>
                 <a:spcPts val="0"/>
               </a:spcBef>
@@ -1680,16 +1687,12 @@
             </a:pPr>
             <a:r>
               <a:rPr lang="en"/>
-              <a:t>Battery Ranges from Simple Battery (a </a:t>
-            </a:r>
-            <a:r>
-              <a:rPr lang="en"/>
-              <a:t>misdemeanor) to more serious charges like Aggravated Batttery Hand gun (explain various upgraded charges) </a:t>
+              <a:t>Battery Ranges from Simple Battery (a misdemeanor) to more serious charges like Aggravated Batttery Hand gun (explain various upgraded charges) </a:t>
             </a:r>
             <a:endParaRPr/>
           </a:p>
           <a:p>
-            <a:pPr indent="0" lvl="0" marL="0" rtl="0" algn="l">
+            <a:pPr marL="0" lvl="0" indent="0" algn="l" rtl="0">
               <a:spcBef>
                 <a:spcPts val="0"/>
               </a:spcBef>
@@ -1715,11 +1718,11 @@
 </file>
 
 <file path=ppt/notesSlides/notesSlide4.xml><?xml version="1.0" encoding="utf-8"?>
-<p:notes xmlns:a="http://schemas.openxmlformats.org/drawingml/2006/main" xmlns:r="http://schemas.openxmlformats.org/officeDocument/2006/relationships" xmlns:mc="http://schemas.openxmlformats.org/markup-compatibility/2006" xmlns:mv="urn:schemas-microsoft-com:mac:vml" xmlns:p="http://schemas.openxmlformats.org/presentationml/2006/main" xmlns:c="http://schemas.openxmlformats.org/drawingml/2006/chart" xmlns:dgm="http://schemas.openxmlformats.org/drawingml/2006/diagram" xmlns:o="urn:schemas-microsoft-com:office:office" xmlns:v="urn:schemas-microsoft-com:vml" xmlns:pvml="urn:schemas-microsoft-com:office:powerpoint" xmlns:com="http://schemas.openxmlformats.org/drawingml/2006/compatibility" xmlns:p14="http://schemas.microsoft.com/office/powerpoint/2010/main" xmlns:p15="http://schemas.microsoft.com/office/powerpoint/2012/main" showMasterPhAnim="0" showMasterSp="0">
+<p:notes xmlns:a="http://schemas.openxmlformats.org/drawingml/2006/main" xmlns:r="http://schemas.openxmlformats.org/officeDocument/2006/relationships" xmlns:p="http://schemas.openxmlformats.org/presentationml/2006/main" showMasterSp="0" showMasterPhAnim="0">
   <p:cSld>
     <p:spTree>
       <p:nvGrpSpPr>
-        <p:cNvPr id="102" name="Shape 102"/>
+        <p:cNvPr id="1" name="Shape 102"/>
         <p:cNvGrpSpPr/>
         <p:nvPr/>
       </p:nvGrpSpPr>
@@ -1734,9 +1737,11 @@
       <p:sp>
         <p:nvSpPr>
           <p:cNvPr id="103" name="Google Shape;103;g6f88395664_0_530:notes"/>
-          <p:cNvSpPr/>
+          <p:cNvSpPr>
+            <a:spLocks noGrp="1" noRot="1" noChangeAspect="1"/>
+          </p:cNvSpPr>
           <p:nvPr>
-            <p:ph idx="2" type="sldImg"/>
+            <p:ph type="sldImg" idx="2"/>
           </p:nvPr>
         </p:nvSpPr>
         <p:spPr>
@@ -1745,9 +1750,13 @@
             <a:ext cx="6096000" cy="3429000"/>
           </a:xfrm>
           <a:custGeom>
-            <a:rect b="b" l="l" r="r" t="t"/>
+            <a:avLst/>
+            <a:gdLst/>
+            <a:ahLst/>
+            <a:cxnLst/>
+            <a:rect l="l" t="t" r="r" b="b"/>
             <a:pathLst>
-              <a:path extrusionOk="0" h="120000" w="120000">
+              <a:path w="120000" h="120000" extrusionOk="0">
                 <a:moveTo>
                   <a:pt x="0" y="0"/>
                 </a:moveTo>
@@ -1769,9 +1778,11 @@
       <p:sp>
         <p:nvSpPr>
           <p:cNvPr id="104" name="Google Shape;104;g6f88395664_0_530:notes"/>
-          <p:cNvSpPr txBox="1"/>
+          <p:cNvSpPr txBox="1">
+            <a:spLocks noGrp="1"/>
+          </p:cNvSpPr>
           <p:nvPr>
-            <p:ph idx="1" type="body"/>
+            <p:ph type="body" idx="1"/>
           </p:nvPr>
         </p:nvSpPr>
         <p:spPr>
@@ -1784,23 +1795,20 @@
           </a:prstGeom>
         </p:spPr>
         <p:txBody>
-          <a:bodyPr anchorCtr="0" anchor="t" bIns="91425" lIns="91425" spcFirstLastPara="1" rIns="91425" wrap="square" tIns="91425">
+          <a:bodyPr spcFirstLastPara="1" wrap="square" lIns="91425" tIns="91425" rIns="91425" bIns="91425" anchor="t" anchorCtr="0">
             <a:noAutofit/>
           </a:bodyPr>
           <a:lstStyle/>
           <a:p>
-            <a:pPr indent="0" lvl="0" marL="0" rtl="0" algn="l">
-              <a:spcBef>
-                <a:spcPts val="0"/>
-              </a:spcBef>
-              <a:spcAft>
-                <a:spcPts val="0"/>
-              </a:spcAft>
-              <a:buNone/>
-            </a:pPr>
-            <a:r>
-              <a:t/>
-            </a:r>
+            <a:pPr marL="0" lvl="0" indent="0" algn="l" rtl="0">
+              <a:spcBef>
+                <a:spcPts val="0"/>
+              </a:spcBef>
+              <a:spcAft>
+                <a:spcPts val="0"/>
+              </a:spcAft>
+              <a:buNone/>
+            </a:pPr>
             <a:endParaRPr/>
           </a:p>
         </p:txBody>
@@ -1814,11 +1822,11 @@
 </file>
 
 <file path=ppt/notesSlides/notesSlide5.xml><?xml version="1.0" encoding="utf-8"?>
-<p:notes xmlns:a="http://schemas.openxmlformats.org/drawingml/2006/main" xmlns:r="http://schemas.openxmlformats.org/officeDocument/2006/relationships" xmlns:mc="http://schemas.openxmlformats.org/markup-compatibility/2006" xmlns:mv="urn:schemas-microsoft-com:mac:vml" xmlns:p="http://schemas.openxmlformats.org/presentationml/2006/main" xmlns:c="http://schemas.openxmlformats.org/drawingml/2006/chart" xmlns:dgm="http://schemas.openxmlformats.org/drawingml/2006/diagram" xmlns:o="urn:schemas-microsoft-com:office:office" xmlns:v="urn:schemas-microsoft-com:vml" xmlns:pvml="urn:schemas-microsoft-com:office:powerpoint" xmlns:com="http://schemas.openxmlformats.org/drawingml/2006/compatibility" xmlns:p14="http://schemas.microsoft.com/office/powerpoint/2010/main" xmlns:p15="http://schemas.microsoft.com/office/powerpoint/2012/main" showMasterPhAnim="0" showMasterSp="0">
+<p:notes xmlns:a="http://schemas.openxmlformats.org/drawingml/2006/main" xmlns:r="http://schemas.openxmlformats.org/officeDocument/2006/relationships" xmlns:p="http://schemas.openxmlformats.org/presentationml/2006/main" showMasterSp="0" showMasterPhAnim="0">
   <p:cSld>
     <p:spTree>
       <p:nvGrpSpPr>
-        <p:cNvPr id="136" name="Shape 136"/>
+        <p:cNvPr id="1" name="Shape 136"/>
         <p:cNvGrpSpPr/>
         <p:nvPr/>
       </p:nvGrpSpPr>
@@ -1833,9 +1841,11 @@
       <p:sp>
         <p:nvSpPr>
           <p:cNvPr id="137" name="Google Shape;137;g6f88395664_0_555:notes"/>
-          <p:cNvSpPr/>
+          <p:cNvSpPr>
+            <a:spLocks noGrp="1" noRot="1" noChangeAspect="1"/>
+          </p:cNvSpPr>
           <p:nvPr>
-            <p:ph idx="2" type="sldImg"/>
+            <p:ph type="sldImg" idx="2"/>
           </p:nvPr>
         </p:nvSpPr>
         <p:spPr>
@@ -1844,9 +1854,13 @@
             <a:ext cx="6096000" cy="3429000"/>
           </a:xfrm>
           <a:custGeom>
-            <a:rect b="b" l="l" r="r" t="t"/>
+            <a:avLst/>
+            <a:gdLst/>
+            <a:ahLst/>
+            <a:cxnLst/>
+            <a:rect l="l" t="t" r="r" b="b"/>
             <a:pathLst>
-              <a:path extrusionOk="0" h="120000" w="120000">
+              <a:path w="120000" h="120000" extrusionOk="0">
                 <a:moveTo>
                   <a:pt x="0" y="0"/>
                 </a:moveTo>
@@ -1868,9 +1882,11 @@
       <p:sp>
         <p:nvSpPr>
           <p:cNvPr id="138" name="Google Shape;138;g6f88395664_0_555:notes"/>
-          <p:cNvSpPr txBox="1"/>
+          <p:cNvSpPr txBox="1">
+            <a:spLocks noGrp="1"/>
+          </p:cNvSpPr>
           <p:nvPr>
-            <p:ph idx="1" type="body"/>
+            <p:ph type="body" idx="1"/>
           </p:nvPr>
         </p:nvSpPr>
         <p:spPr>
@@ -1883,23 +1899,20 @@
           </a:prstGeom>
         </p:spPr>
         <p:txBody>
-          <a:bodyPr anchorCtr="0" anchor="t" bIns="91425" lIns="91425" spcFirstLastPara="1" rIns="91425" wrap="square" tIns="91425">
+          <a:bodyPr spcFirstLastPara="1" wrap="square" lIns="91425" tIns="91425" rIns="91425" bIns="91425" anchor="t" anchorCtr="0">
             <a:noAutofit/>
           </a:bodyPr>
           <a:lstStyle/>
           <a:p>
-            <a:pPr indent="0" lvl="0" marL="0" rtl="0" algn="l">
-              <a:spcBef>
-                <a:spcPts val="0"/>
-              </a:spcBef>
-              <a:spcAft>
-                <a:spcPts val="0"/>
-              </a:spcAft>
-              <a:buNone/>
-            </a:pPr>
-            <a:r>
-              <a:t/>
-            </a:r>
+            <a:pPr marL="0" lvl="0" indent="0" algn="l" rtl="0">
+              <a:spcBef>
+                <a:spcPts val="0"/>
+              </a:spcBef>
+              <a:spcAft>
+                <a:spcPts val="0"/>
+              </a:spcAft>
+              <a:buNone/>
+            </a:pPr>
             <a:endParaRPr/>
           </a:p>
         </p:txBody>
@@ -1913,11 +1926,11 @@
 </file>
 
 <file path=ppt/notesSlides/notesSlide6.xml><?xml version="1.0" encoding="utf-8"?>
-<p:notes xmlns:a="http://schemas.openxmlformats.org/drawingml/2006/main" xmlns:r="http://schemas.openxmlformats.org/officeDocument/2006/relationships" xmlns:mc="http://schemas.openxmlformats.org/markup-compatibility/2006" xmlns:mv="urn:schemas-microsoft-com:mac:vml" xmlns:p="http://schemas.openxmlformats.org/presentationml/2006/main" xmlns:c="http://schemas.openxmlformats.org/drawingml/2006/chart" xmlns:dgm="http://schemas.openxmlformats.org/drawingml/2006/diagram" xmlns:o="urn:schemas-microsoft-com:office:office" xmlns:v="urn:schemas-microsoft-com:vml" xmlns:pvml="urn:schemas-microsoft-com:office:powerpoint" xmlns:com="http://schemas.openxmlformats.org/drawingml/2006/compatibility" xmlns:p14="http://schemas.microsoft.com/office/powerpoint/2010/main" xmlns:p15="http://schemas.microsoft.com/office/powerpoint/2012/main" showMasterPhAnim="0" showMasterSp="0">
+<p:notes xmlns:a="http://schemas.openxmlformats.org/drawingml/2006/main" xmlns:r="http://schemas.openxmlformats.org/officeDocument/2006/relationships" xmlns:p="http://schemas.openxmlformats.org/presentationml/2006/main" showMasterSp="0" showMasterPhAnim="0">
   <p:cSld>
     <p:spTree>
       <p:nvGrpSpPr>
-        <p:cNvPr id="147" name="Shape 147"/>
+        <p:cNvPr id="1" name="Shape 147"/>
         <p:cNvGrpSpPr/>
         <p:nvPr/>
       </p:nvGrpSpPr>
@@ -1932,9 +1945,11 @@
       <p:sp>
         <p:nvSpPr>
           <p:cNvPr id="148" name="Google Shape;148;g6fb5fcdec5_3_0:notes"/>
-          <p:cNvSpPr/>
+          <p:cNvSpPr>
+            <a:spLocks noGrp="1" noRot="1" noChangeAspect="1"/>
+          </p:cNvSpPr>
           <p:nvPr>
-            <p:ph idx="2" type="sldImg"/>
+            <p:ph type="sldImg" idx="2"/>
           </p:nvPr>
         </p:nvSpPr>
         <p:spPr>
@@ -1943,9 +1958,13 @@
             <a:ext cx="6096000" cy="3429000"/>
           </a:xfrm>
           <a:custGeom>
-            <a:rect b="b" l="l" r="r" t="t"/>
+            <a:avLst/>
+            <a:gdLst/>
+            <a:ahLst/>
+            <a:cxnLst/>
+            <a:rect l="l" t="t" r="r" b="b"/>
             <a:pathLst>
-              <a:path extrusionOk="0" h="120000" w="120000">
+              <a:path w="120000" h="120000" extrusionOk="0">
                 <a:moveTo>
                   <a:pt x="0" y="0"/>
                 </a:moveTo>
@@ -1967,9 +1986,11 @@
       <p:sp>
         <p:nvSpPr>
           <p:cNvPr id="149" name="Google Shape;149;g6fb5fcdec5_3_0:notes"/>
-          <p:cNvSpPr txBox="1"/>
+          <p:cNvSpPr txBox="1">
+            <a:spLocks noGrp="1"/>
+          </p:cNvSpPr>
           <p:nvPr>
-            <p:ph idx="1" type="body"/>
+            <p:ph type="body" idx="1"/>
           </p:nvPr>
         </p:nvSpPr>
         <p:spPr>
@@ -1982,12 +2003,12 @@
           </a:prstGeom>
         </p:spPr>
         <p:txBody>
-          <a:bodyPr anchorCtr="0" anchor="t" bIns="91425" lIns="91425" spcFirstLastPara="1" rIns="91425" wrap="square" tIns="91425">
+          <a:bodyPr spcFirstLastPara="1" wrap="square" lIns="91425" tIns="91425" rIns="91425" bIns="91425" anchor="t" anchorCtr="0">
             <a:noAutofit/>
           </a:bodyPr>
           <a:lstStyle/>
           <a:p>
-            <a:pPr indent="0" lvl="0" marL="0" rtl="0" algn="l">
+            <a:pPr marL="0" lvl="0" indent="0" algn="l" rtl="0">
               <a:spcBef>
                 <a:spcPts val="0"/>
               </a:spcBef>
@@ -2013,11 +2034,11 @@
 </file>
 
 <file path=ppt/notesSlides/notesSlide7.xml><?xml version="1.0" encoding="utf-8"?>
-<p:notes xmlns:a="http://schemas.openxmlformats.org/drawingml/2006/main" xmlns:r="http://schemas.openxmlformats.org/officeDocument/2006/relationships" xmlns:mc="http://schemas.openxmlformats.org/markup-compatibility/2006" xmlns:mv="urn:schemas-microsoft-com:mac:vml" xmlns:p="http://schemas.openxmlformats.org/presentationml/2006/main" xmlns:c="http://schemas.openxmlformats.org/drawingml/2006/chart" xmlns:dgm="http://schemas.openxmlformats.org/drawingml/2006/diagram" xmlns:o="urn:schemas-microsoft-com:office:office" xmlns:v="urn:schemas-microsoft-com:vml" xmlns:pvml="urn:schemas-microsoft-com:office:powerpoint" xmlns:com="http://schemas.openxmlformats.org/drawingml/2006/compatibility" xmlns:p14="http://schemas.microsoft.com/office/powerpoint/2010/main" xmlns:p15="http://schemas.microsoft.com/office/powerpoint/2012/main" showMasterPhAnim="0" showMasterSp="0">
+<p:notes xmlns:a="http://schemas.openxmlformats.org/drawingml/2006/main" xmlns:r="http://schemas.openxmlformats.org/officeDocument/2006/relationships" xmlns:p="http://schemas.openxmlformats.org/presentationml/2006/main" showMasterSp="0" showMasterPhAnim="0">
   <p:cSld>
     <p:spTree>
       <p:nvGrpSpPr>
-        <p:cNvPr id="154" name="Shape 154"/>
+        <p:cNvPr id="1" name="Shape 154"/>
         <p:cNvGrpSpPr/>
         <p:nvPr/>
       </p:nvGrpSpPr>
@@ -2032,9 +2053,11 @@
       <p:sp>
         <p:nvSpPr>
           <p:cNvPr id="155" name="Google Shape;155;g6fa2153db5_2_15:notes"/>
-          <p:cNvSpPr/>
+          <p:cNvSpPr>
+            <a:spLocks noGrp="1" noRot="1" noChangeAspect="1"/>
+          </p:cNvSpPr>
           <p:nvPr>
-            <p:ph idx="2" type="sldImg"/>
+            <p:ph type="sldImg" idx="2"/>
           </p:nvPr>
         </p:nvSpPr>
         <p:spPr>
@@ -2043,9 +2066,13 @@
             <a:ext cx="6096000" cy="3429000"/>
           </a:xfrm>
           <a:custGeom>
-            <a:rect b="b" l="l" r="r" t="t"/>
+            <a:avLst/>
+            <a:gdLst/>
+            <a:ahLst/>
+            <a:cxnLst/>
+            <a:rect l="l" t="t" r="r" b="b"/>
             <a:pathLst>
-              <a:path extrusionOk="0" h="120000" w="120000">
+              <a:path w="120000" h="120000" extrusionOk="0">
                 <a:moveTo>
                   <a:pt x="0" y="0"/>
                 </a:moveTo>
@@ -2067,9 +2094,11 @@
       <p:sp>
         <p:nvSpPr>
           <p:cNvPr id="156" name="Google Shape;156;g6fa2153db5_2_15:notes"/>
-          <p:cNvSpPr txBox="1"/>
+          <p:cNvSpPr txBox="1">
+            <a:spLocks noGrp="1"/>
+          </p:cNvSpPr>
           <p:nvPr>
-            <p:ph idx="1" type="body"/>
+            <p:ph type="body" idx="1"/>
           </p:nvPr>
         </p:nvSpPr>
         <p:spPr>
@@ -2082,23 +2111,20 @@
           </a:prstGeom>
         </p:spPr>
         <p:txBody>
-          <a:bodyPr anchorCtr="0" anchor="t" bIns="91425" lIns="91425" spcFirstLastPara="1" rIns="91425" wrap="square" tIns="91425">
+          <a:bodyPr spcFirstLastPara="1" wrap="square" lIns="91425" tIns="91425" rIns="91425" bIns="91425" anchor="t" anchorCtr="0">
             <a:noAutofit/>
           </a:bodyPr>
           <a:lstStyle/>
           <a:p>
-            <a:pPr indent="0" lvl="0" marL="0" rtl="0" algn="l">
-              <a:spcBef>
-                <a:spcPts val="0"/>
-              </a:spcBef>
-              <a:spcAft>
-                <a:spcPts val="0"/>
-              </a:spcAft>
-              <a:buNone/>
-            </a:pPr>
-            <a:r>
-              <a:t/>
-            </a:r>
+            <a:pPr marL="0" lvl="0" indent="0" algn="l" rtl="0">
+              <a:spcBef>
+                <a:spcPts val="0"/>
+              </a:spcBef>
+              <a:spcAft>
+                <a:spcPts val="0"/>
+              </a:spcAft>
+              <a:buNone/>
+            </a:pPr>
             <a:endParaRPr/>
           </a:p>
         </p:txBody>
@@ -2112,11 +2138,11 @@
 </file>
 
 <file path=ppt/notesSlides/notesSlide8.xml><?xml version="1.0" encoding="utf-8"?>
-<p:notes xmlns:a="http://schemas.openxmlformats.org/drawingml/2006/main" xmlns:r="http://schemas.openxmlformats.org/officeDocument/2006/relationships" xmlns:mc="http://schemas.openxmlformats.org/markup-compatibility/2006" xmlns:mv="urn:schemas-microsoft-com:mac:vml" xmlns:p="http://schemas.openxmlformats.org/presentationml/2006/main" xmlns:c="http://schemas.openxmlformats.org/drawingml/2006/chart" xmlns:dgm="http://schemas.openxmlformats.org/drawingml/2006/diagram" xmlns:o="urn:schemas-microsoft-com:office:office" xmlns:v="urn:schemas-microsoft-com:vml" xmlns:pvml="urn:schemas-microsoft-com:office:powerpoint" xmlns:com="http://schemas.openxmlformats.org/drawingml/2006/compatibility" xmlns:p14="http://schemas.microsoft.com/office/powerpoint/2010/main" xmlns:p15="http://schemas.microsoft.com/office/powerpoint/2012/main" showMasterPhAnim="0" showMasterSp="0">
+<p:notes xmlns:a="http://schemas.openxmlformats.org/drawingml/2006/main" xmlns:r="http://schemas.openxmlformats.org/officeDocument/2006/relationships" xmlns:p="http://schemas.openxmlformats.org/presentationml/2006/main" showMasterSp="0" showMasterPhAnim="0">
   <p:cSld>
     <p:spTree>
       <p:nvGrpSpPr>
-        <p:cNvPr id="161" name="Shape 161"/>
+        <p:cNvPr id="1" name="Shape 161"/>
         <p:cNvGrpSpPr/>
         <p:nvPr/>
       </p:nvGrpSpPr>
@@ -2131,9 +2157,11 @@
       <p:sp>
         <p:nvSpPr>
           <p:cNvPr id="162" name="Google Shape;162;g6fb1f87174_0_0:notes"/>
-          <p:cNvSpPr/>
+          <p:cNvSpPr>
+            <a:spLocks noGrp="1" noRot="1" noChangeAspect="1"/>
+          </p:cNvSpPr>
           <p:nvPr>
-            <p:ph idx="2" type="sldImg"/>
+            <p:ph type="sldImg" idx="2"/>
           </p:nvPr>
         </p:nvSpPr>
         <p:spPr>
@@ -2142,9 +2170,13 @@
             <a:ext cx="6096000" cy="3429000"/>
           </a:xfrm>
           <a:custGeom>
-            <a:rect b="b" l="l" r="r" t="t"/>
+            <a:avLst/>
+            <a:gdLst/>
+            <a:ahLst/>
+            <a:cxnLst/>
+            <a:rect l="l" t="t" r="r" b="b"/>
             <a:pathLst>
-              <a:path extrusionOk="0" h="120000" w="120000">
+              <a:path w="120000" h="120000" extrusionOk="0">
                 <a:moveTo>
                   <a:pt x="0" y="0"/>
                 </a:moveTo>
@@ -2166,9 +2198,11 @@
       <p:sp>
         <p:nvSpPr>
           <p:cNvPr id="163" name="Google Shape;163;g6fb1f87174_0_0:notes"/>
-          <p:cNvSpPr txBox="1"/>
+          <p:cNvSpPr txBox="1">
+            <a:spLocks noGrp="1"/>
+          </p:cNvSpPr>
           <p:nvPr>
-            <p:ph idx="1" type="body"/>
+            <p:ph type="body" idx="1"/>
           </p:nvPr>
         </p:nvSpPr>
         <p:spPr>
@@ -2181,23 +2215,20 @@
           </a:prstGeom>
         </p:spPr>
         <p:txBody>
-          <a:bodyPr anchorCtr="0" anchor="t" bIns="91425" lIns="91425" spcFirstLastPara="1" rIns="91425" wrap="square" tIns="91425">
+          <a:bodyPr spcFirstLastPara="1" wrap="square" lIns="91425" tIns="91425" rIns="91425" bIns="91425" anchor="t" anchorCtr="0">
             <a:noAutofit/>
           </a:bodyPr>
           <a:lstStyle/>
           <a:p>
-            <a:pPr indent="0" lvl="0" marL="0" rtl="0" algn="l">
-              <a:spcBef>
-                <a:spcPts val="0"/>
-              </a:spcBef>
-              <a:spcAft>
-                <a:spcPts val="0"/>
-              </a:spcAft>
-              <a:buNone/>
-            </a:pPr>
-            <a:r>
-              <a:t/>
-            </a:r>
+            <a:pPr marL="0" lvl="0" indent="0" algn="l" rtl="0">
+              <a:spcBef>
+                <a:spcPts val="0"/>
+              </a:spcBef>
+              <a:spcAft>
+                <a:spcPts val="0"/>
+              </a:spcAft>
+              <a:buNone/>
+            </a:pPr>
             <a:endParaRPr/>
           </a:p>
         </p:txBody>
@@ -2211,11 +2242,11 @@
 </file>
 
 <file path=ppt/notesSlides/notesSlide9.xml><?xml version="1.0" encoding="utf-8"?>
-<p:notes xmlns:a="http://schemas.openxmlformats.org/drawingml/2006/main" xmlns:r="http://schemas.openxmlformats.org/officeDocument/2006/relationships" xmlns:mc="http://schemas.openxmlformats.org/markup-compatibility/2006" xmlns:mv="urn:schemas-microsoft-com:mac:vml" xmlns:p="http://schemas.openxmlformats.org/presentationml/2006/main" xmlns:c="http://schemas.openxmlformats.org/drawingml/2006/chart" xmlns:dgm="http://schemas.openxmlformats.org/drawingml/2006/diagram" xmlns:o="urn:schemas-microsoft-com:office:office" xmlns:v="urn:schemas-microsoft-com:vml" xmlns:pvml="urn:schemas-microsoft-com:office:powerpoint" xmlns:com="http://schemas.openxmlformats.org/drawingml/2006/compatibility" xmlns:p14="http://schemas.microsoft.com/office/powerpoint/2010/main" xmlns:p15="http://schemas.microsoft.com/office/powerpoint/2012/main" showMasterPhAnim="0" showMasterSp="0">
+<p:notes xmlns:a="http://schemas.openxmlformats.org/drawingml/2006/main" xmlns:r="http://schemas.openxmlformats.org/officeDocument/2006/relationships" xmlns:p="http://schemas.openxmlformats.org/presentationml/2006/main" showMasterSp="0" showMasterPhAnim="0">
   <p:cSld>
     <p:spTree>
       <p:nvGrpSpPr>
-        <p:cNvPr id="168" name="Shape 168"/>
+        <p:cNvPr id="1" name="Shape 168"/>
         <p:cNvGrpSpPr/>
         <p:nvPr/>
       </p:nvGrpSpPr>
@@ -2230,9 +2261,11 @@
       <p:sp>
         <p:nvSpPr>
           <p:cNvPr id="169" name="Google Shape;169;g6f88395664_0_540:notes"/>
-          <p:cNvSpPr/>
+          <p:cNvSpPr>
+            <a:spLocks noGrp="1" noRot="1" noChangeAspect="1"/>
+          </p:cNvSpPr>
           <p:nvPr>
-            <p:ph idx="2" type="sldImg"/>
+            <p:ph type="sldImg" idx="2"/>
           </p:nvPr>
         </p:nvSpPr>
         <p:spPr>
@@ -2241,9 +2274,13 @@
             <a:ext cx="6096000" cy="3429000"/>
           </a:xfrm>
           <a:custGeom>
-            <a:rect b="b" l="l" r="r" t="t"/>
+            <a:avLst/>
+            <a:gdLst/>
+            <a:ahLst/>
+            <a:cxnLst/>
+            <a:rect l="l" t="t" r="r" b="b"/>
             <a:pathLst>
-              <a:path extrusionOk="0" h="120000" w="120000">
+              <a:path w="120000" h="120000" extrusionOk="0">
                 <a:moveTo>
                   <a:pt x="0" y="0"/>
                 </a:moveTo>
@@ -2265,9 +2302,11 @@
       <p:sp>
         <p:nvSpPr>
           <p:cNvPr id="170" name="Google Shape;170;g6f88395664_0_540:notes"/>
-          <p:cNvSpPr txBox="1"/>
+          <p:cNvSpPr txBox="1">
+            <a:spLocks noGrp="1"/>
+          </p:cNvSpPr>
           <p:nvPr>
-            <p:ph idx="1" type="body"/>
+            <p:ph type="body" idx="1"/>
           </p:nvPr>
         </p:nvSpPr>
         <p:spPr>
@@ -2280,12 +2319,12 @@
           </a:prstGeom>
         </p:spPr>
         <p:txBody>
-          <a:bodyPr anchorCtr="0" anchor="t" bIns="91425" lIns="91425" spcFirstLastPara="1" rIns="91425" wrap="square" tIns="91425">
+          <a:bodyPr spcFirstLastPara="1" wrap="square" lIns="91425" tIns="91425" rIns="91425" bIns="91425" anchor="t" anchorCtr="0">
             <a:noAutofit/>
           </a:bodyPr>
           <a:lstStyle/>
           <a:p>
-            <a:pPr indent="-311150" lvl="0" marL="457200" rtl="0" algn="l">
+            <a:pPr marL="457200" lvl="0" indent="-311150" algn="l" rtl="0">
               <a:lnSpc>
                 <a:spcPct val="115000"/>
               </a:lnSpc>
@@ -2303,7 +2342,7 @@
               <a:buChar char="●"/>
             </a:pPr>
             <a:r>
-              <a:rPr lang="en" sz="1300">
+              <a:rPr lang="en" sz="1300" dirty="0">
                 <a:solidFill>
                   <a:srgbClr val="3D85C6"/>
                 </a:solidFill>
@@ -2314,7 +2353,7 @@
               </a:rPr>
               <a:t>Remove crimes (identity theft and credit card fraud)</a:t>
             </a:r>
-            <a:endParaRPr sz="1300">
+            <a:endParaRPr sz="1300" dirty="0">
               <a:solidFill>
                 <a:srgbClr val="3D85C6"/>
               </a:solidFill>
@@ -2325,7 +2364,7 @@
             </a:endParaRPr>
           </a:p>
           <a:p>
-            <a:pPr indent="-311150" lvl="0" marL="457200" rtl="0" algn="l">
+            <a:pPr marL="457200" lvl="0" indent="-311150" algn="l" rtl="0">
               <a:lnSpc>
                 <a:spcPct val="115000"/>
               </a:lnSpc>
@@ -2343,7 +2382,7 @@
               <a:buChar char="●"/>
             </a:pPr>
             <a:r>
-              <a:rPr lang="en" sz="1300">
+              <a:rPr lang="en" sz="1300" dirty="0">
                 <a:solidFill>
                   <a:srgbClr val="3D85C6"/>
                 </a:solidFill>
@@ -2352,33 +2391,9 @@
                 <a:cs typeface="Lato"/>
                 <a:sym typeface="Lato"/>
               </a:rPr>
-              <a:t>Remove fields like historical area, zip codes, map </a:t>
+              <a:t>Remove fields like historical area, zip codes, map coordinates.</a:t>
             </a:r>
-            <a:r>
-              <a:rPr lang="en" sz="1300">
-                <a:solidFill>
-                  <a:srgbClr val="3D85C6"/>
-                </a:solidFill>
-                <a:latin typeface="Lato"/>
-                <a:ea typeface="Lato"/>
-                <a:cs typeface="Lato"/>
-                <a:sym typeface="Lato"/>
-              </a:rPr>
-              <a:t>coordinates</a:t>
-            </a:r>
-            <a:r>
-              <a:rPr lang="en" sz="1300">
-                <a:solidFill>
-                  <a:srgbClr val="3D85C6"/>
-                </a:solidFill>
-                <a:latin typeface="Lato"/>
-                <a:ea typeface="Lato"/>
-                <a:cs typeface="Lato"/>
-                <a:sym typeface="Lato"/>
-              </a:rPr>
-              <a:t>.</a:t>
-            </a:r>
-            <a:endParaRPr sz="1300">
+            <a:endParaRPr sz="1300" dirty="0">
               <a:solidFill>
                 <a:srgbClr val="3D85C6"/>
               </a:solidFill>
@@ -2389,7 +2404,7 @@
             </a:endParaRPr>
           </a:p>
           <a:p>
-            <a:pPr indent="-311150" lvl="0" marL="457200" rtl="0" algn="l">
+            <a:pPr marL="457200" lvl="0" indent="-311150" algn="l" rtl="0">
               <a:spcBef>
                 <a:spcPts val="0"/>
               </a:spcBef>
@@ -2404,7 +2419,7 @@
               <a:buChar char="●"/>
             </a:pPr>
             <a:r>
-              <a:rPr lang="en" sz="1300">
+              <a:rPr lang="en" sz="1300" dirty="0">
                 <a:solidFill>
                   <a:srgbClr val="3D85C6"/>
                 </a:solidFill>
@@ -2415,7 +2430,7 @@
               </a:rPr>
               <a:t>All felony charges except controlled substance charges need to be approved by states attorneys. This meets there maybe have been instances that have occurred that may have met criteria for felony charges, but were not charged as such. </a:t>
             </a:r>
-            <a:endParaRPr sz="1300">
+            <a:endParaRPr sz="1300" dirty="0">
               <a:solidFill>
                 <a:srgbClr val="3D85C6"/>
               </a:solidFill>
@@ -2426,19 +2441,16 @@
             </a:endParaRPr>
           </a:p>
           <a:p>
-            <a:pPr indent="0" lvl="0" marL="0" rtl="0" algn="l">
-              <a:spcBef>
-                <a:spcPts val="0"/>
-              </a:spcBef>
-              <a:spcAft>
-                <a:spcPts val="0"/>
-              </a:spcAft>
-              <a:buNone/>
-            </a:pPr>
-            <a:r>
-              <a:t/>
-            </a:r>
-            <a:endParaRPr sz="1300">
+            <a:pPr marL="0" lvl="0" indent="0" algn="l" rtl="0">
+              <a:spcBef>
+                <a:spcPts val="0"/>
+              </a:spcBef>
+              <a:spcAft>
+                <a:spcPts val="0"/>
+              </a:spcAft>
+              <a:buNone/>
+            </a:pPr>
+            <a:endParaRPr sz="1300" dirty="0">
               <a:solidFill>
                 <a:srgbClr val="3D85C6"/>
               </a:solidFill>
@@ -2449,7 +2461,7 @@
             </a:endParaRPr>
           </a:p>
           <a:p>
-            <a:pPr indent="0" lvl="0" marL="0" rtl="0" algn="l">
+            <a:pPr marL="0" lvl="0" indent="0" algn="l" rtl="0">
               <a:lnSpc>
                 <a:spcPct val="115000"/>
               </a:lnSpc>
@@ -2462,7 +2474,7 @@
               <a:buNone/>
             </a:pPr>
             <a:r>
-              <a:rPr lang="en" sz="1600">
+              <a:rPr lang="en" sz="1600" dirty="0">
                 <a:solidFill>
                   <a:schemeClr val="accent1"/>
                 </a:solidFill>
@@ -2473,7 +2485,7 @@
               </a:rPr>
               <a:t>Felony charges* require State’s Attorney Approval (crimes may have occurred but not charged) </a:t>
             </a:r>
-            <a:endParaRPr sz="1600">
+            <a:endParaRPr sz="1600" dirty="0">
               <a:solidFill>
                 <a:schemeClr val="accent1"/>
               </a:solidFill>
@@ -2484,7 +2496,7 @@
             </a:endParaRPr>
           </a:p>
           <a:p>
-            <a:pPr indent="0" lvl="0" marL="0" rtl="0" algn="l">
+            <a:pPr marL="0" lvl="0" indent="0" algn="l" rtl="0">
               <a:lnSpc>
                 <a:spcPct val="115000"/>
               </a:lnSpc>
@@ -2497,7 +2509,7 @@
               <a:buNone/>
             </a:pPr>
             <a:r>
-              <a:rPr lang="en" sz="1000">
+              <a:rPr lang="en" sz="1000" dirty="0">
                 <a:solidFill>
                   <a:schemeClr val="accent1"/>
                 </a:solidFill>
@@ -2508,7 +2520,7 @@
               </a:rPr>
               <a:t>*For all crimes OTHER than charges relating to a controlled substance</a:t>
             </a:r>
-            <a:endParaRPr sz="1300">
+            <a:endParaRPr sz="1300" dirty="0">
               <a:solidFill>
                 <a:srgbClr val="3D85C6"/>
               </a:solidFill>
@@ -2519,7 +2531,7 @@
             </a:endParaRPr>
           </a:p>
           <a:p>
-            <a:pPr indent="0" lvl="0" marL="0" rtl="0" algn="l">
+            <a:pPr marL="0" lvl="0" indent="0" algn="l" rtl="0">
               <a:spcBef>
                 <a:spcPts val="1600"/>
               </a:spcBef>
@@ -2528,10 +2540,7 @@
               </a:spcAft>
               <a:buNone/>
             </a:pPr>
-            <a:r>
-              <a:t/>
-            </a:r>
-            <a:endParaRPr/>
+            <a:endParaRPr dirty="0"/>
           </a:p>
         </p:txBody>
       </p:sp>
@@ -2544,18 +2553,19 @@
 </file>
 
 <file path=ppt/slideLayouts/slideLayout1.xml><?xml version="1.0" encoding="utf-8"?>
-<p:sldLayout xmlns:a="http://schemas.openxmlformats.org/drawingml/2006/main" xmlns:r="http://schemas.openxmlformats.org/officeDocument/2006/relationships" xmlns:mc="http://schemas.openxmlformats.org/markup-compatibility/2006" xmlns:mv="urn:schemas-microsoft-com:mac:vml" xmlns:p="http://schemas.openxmlformats.org/presentationml/2006/main" xmlns:c="http://schemas.openxmlformats.org/drawingml/2006/chart" xmlns:dgm="http://schemas.openxmlformats.org/drawingml/2006/diagram" xmlns:o="urn:schemas-microsoft-com:office:office" xmlns:v="urn:schemas-microsoft-com:vml" xmlns:pvml="urn:schemas-microsoft-com:office:powerpoint" xmlns:com="http://schemas.openxmlformats.org/drawingml/2006/compatibility" xmlns:p14="http://schemas.microsoft.com/office/powerpoint/2010/main" xmlns:p15="http://schemas.microsoft.com/office/powerpoint/2012/main" matchingName="Title slide" type="title">
+<p:sldLayout xmlns:a="http://schemas.openxmlformats.org/drawingml/2006/main" xmlns:r="http://schemas.openxmlformats.org/officeDocument/2006/relationships" xmlns:p="http://schemas.openxmlformats.org/presentationml/2006/main" matchingName="Title slide" type="title">
   <p:cSld name="TITLE">
     <p:bg>
       <p:bgPr>
         <a:solidFill>
           <a:schemeClr val="lt2"/>
         </a:solidFill>
+        <a:effectLst/>
       </p:bgPr>
     </p:bg>
     <p:spTree>
       <p:nvGrpSpPr>
-        <p:cNvPr id="9" name="Shape 9"/>
+        <p:cNvPr id="1" name="Shape 9"/>
         <p:cNvGrpSpPr/>
         <p:nvPr/>
       </p:nvGrpSpPr>
@@ -2589,23 +2599,20 @@
           </a:ln>
         </p:spPr>
         <p:txBody>
-          <a:bodyPr anchorCtr="0" anchor="ctr" bIns="91425" lIns="91425" spcFirstLastPara="1" rIns="91425" wrap="square" tIns="91425">
+          <a:bodyPr spcFirstLastPara="1" wrap="square" lIns="91425" tIns="91425" rIns="91425" bIns="91425" anchor="ctr" anchorCtr="0">
             <a:noAutofit/>
           </a:bodyPr>
           <a:lstStyle/>
           <a:p>
-            <a:pPr indent="0" lvl="0" marL="0" rtl="0" algn="l">
-              <a:spcBef>
-                <a:spcPts val="0"/>
-              </a:spcBef>
-              <a:spcAft>
-                <a:spcPts val="0"/>
-              </a:spcAft>
-              <a:buNone/>
-            </a:pPr>
-            <a:r>
-              <a:t/>
-            </a:r>
+            <a:pPr marL="0" lvl="0" indent="0" algn="l" rtl="0">
+              <a:spcBef>
+                <a:spcPts val="0"/>
+              </a:spcBef>
+              <a:spcAft>
+                <a:spcPts val="0"/>
+              </a:spcAft>
+              <a:buNone/>
+            </a:pPr>
             <a:endParaRPr/>
           </a:p>
         </p:txBody>
@@ -2646,12 +2653,12 @@
             </a:ln>
           </p:spPr>
           <p:txBody>
-            <a:bodyPr anchorCtr="0" anchor="ctr" bIns="91425" lIns="91425" spcFirstLastPara="1" rIns="91425" wrap="square" tIns="91425">
+            <a:bodyPr spcFirstLastPara="1" wrap="square" lIns="91425" tIns="91425" rIns="91425" bIns="91425" anchor="ctr" anchorCtr="0">
               <a:noAutofit/>
             </a:bodyPr>
             <a:lstStyle/>
             <a:p>
-              <a:pPr indent="0" lvl="0" marL="0" rtl="0" algn="l">
+              <a:pPr marL="0" lvl="0" indent="0" algn="l" rtl="0">
                 <a:spcBef>
                   <a:spcPts val="0"/>
                 </a:spcBef>
@@ -2660,9 +2667,6 @@
                 </a:spcAft>
                 <a:buNone/>
               </a:pPr>
-              <a:r>
-                <a:t/>
-              </a:r>
               <a:endParaRPr/>
             </a:p>
           </p:txBody>
@@ -2689,12 +2693,12 @@
             </a:ln>
           </p:spPr>
           <p:txBody>
-            <a:bodyPr anchorCtr="0" anchor="ctr" bIns="91425" lIns="91425" spcFirstLastPara="1" rIns="91425" wrap="square" tIns="91425">
+            <a:bodyPr spcFirstLastPara="1" wrap="square" lIns="91425" tIns="91425" rIns="91425" bIns="91425" anchor="ctr" anchorCtr="0">
               <a:noAutofit/>
             </a:bodyPr>
             <a:lstStyle/>
             <a:p>
-              <a:pPr indent="0" lvl="0" marL="0" rtl="0" algn="l">
+              <a:pPr marL="0" lvl="0" indent="0" algn="l" rtl="0">
                 <a:spcBef>
                   <a:spcPts val="0"/>
                 </a:spcBef>
@@ -2703,9 +2707,6 @@
                 </a:spcAft>
                 <a:buNone/>
               </a:pPr>
-              <a:r>
-                <a:t/>
-              </a:r>
               <a:endParaRPr/>
             </a:p>
           </p:txBody>
@@ -2714,7 +2715,9 @@
       <p:sp>
         <p:nvSpPr>
           <p:cNvPr id="14" name="Google Shape;14;p2"/>
-          <p:cNvSpPr txBox="1"/>
+          <p:cNvSpPr txBox="1">
+            <a:spLocks noGrp="1"/>
+          </p:cNvSpPr>
           <p:nvPr>
             <p:ph type="ctrTitle"/>
           </p:nvPr>
@@ -2729,7 +2732,7 @@
           </a:prstGeom>
         </p:spPr>
         <p:txBody>
-          <a:bodyPr anchorCtr="0" anchor="t" bIns="91425" lIns="91425" spcFirstLastPara="1" rIns="91425" wrap="square" tIns="91425">
+          <a:bodyPr spcFirstLastPara="1" wrap="square" lIns="91425" tIns="91425" rIns="91425" bIns="91425" anchor="t" anchorCtr="0">
             <a:noAutofit/>
           </a:bodyPr>
           <a:lstStyle>
@@ -2896,15 +2899,19 @@
               </a:defRPr>
             </a:lvl9pPr>
           </a:lstStyle>
-          <a:p/>
+          <a:p>
+            <a:endParaRPr/>
+          </a:p>
         </p:txBody>
       </p:sp>
       <p:sp>
         <p:nvSpPr>
           <p:cNvPr id="15" name="Google Shape;15;p2"/>
-          <p:cNvSpPr txBox="1"/>
+          <p:cNvSpPr txBox="1">
+            <a:spLocks noGrp="1"/>
+          </p:cNvSpPr>
           <p:nvPr>
-            <p:ph idx="1" type="subTitle"/>
+            <p:ph type="subTitle" idx="1"/>
           </p:nvPr>
         </p:nvSpPr>
         <p:spPr>
@@ -2917,7 +2924,7 @@
           </a:prstGeom>
         </p:spPr>
         <p:txBody>
-          <a:bodyPr anchorCtr="0" anchor="t" bIns="91425" lIns="91425" spcFirstLastPara="1" rIns="91425" wrap="square" tIns="91425">
+          <a:bodyPr spcFirstLastPara="1" wrap="square" lIns="91425" tIns="91425" rIns="91425" bIns="91425" anchor="t" anchorCtr="0">
             <a:noAutofit/>
           </a:bodyPr>
           <a:lstStyle>
@@ -3048,15 +3055,19 @@
               <a:defRPr sz="1600"/>
             </a:lvl9pPr>
           </a:lstStyle>
-          <a:p/>
+          <a:p>
+            <a:endParaRPr/>
+          </a:p>
         </p:txBody>
       </p:sp>
       <p:sp>
         <p:nvSpPr>
           <p:cNvPr id="16" name="Google Shape;16;p2"/>
-          <p:cNvSpPr txBox="1"/>
+          <p:cNvSpPr txBox="1">
+            <a:spLocks noGrp="1"/>
+          </p:cNvSpPr>
           <p:nvPr>
-            <p:ph idx="12" type="sldNum"/>
+            <p:ph type="sldNum" idx="12"/>
           </p:nvPr>
         </p:nvSpPr>
         <p:spPr>
@@ -3069,7 +3080,7 @@
           </a:prstGeom>
         </p:spPr>
         <p:txBody>
-          <a:bodyPr anchorCtr="0" anchor="ctr" bIns="91425" lIns="91425" spcFirstLastPara="1" rIns="91425" wrap="square" tIns="91425">
+          <a:bodyPr spcFirstLastPara="1" wrap="square" lIns="91425" tIns="91425" rIns="91425" bIns="91425" anchor="ctr" anchorCtr="0">
             <a:noAutofit/>
           </a:bodyPr>
           <a:lstStyle>
@@ -3111,7 +3122,7 @@
             </a:lvl9pPr>
           </a:lstStyle>
           <a:p>
-            <a:pPr indent="0" lvl="0" marL="0" rtl="0" algn="r">
+            <a:pPr marL="0" lvl="0" indent="0" algn="r" rtl="0">
               <a:spcBef>
                 <a:spcPts val="0"/>
               </a:spcBef>
@@ -3137,18 +3148,19 @@
 </file>
 
 <file path=ppt/slideLayouts/slideLayout10.xml><?xml version="1.0" encoding="utf-8"?>
-<p:sldLayout xmlns:a="http://schemas.openxmlformats.org/drawingml/2006/main" xmlns:r="http://schemas.openxmlformats.org/officeDocument/2006/relationships" xmlns:mc="http://schemas.openxmlformats.org/markup-compatibility/2006" xmlns:mv="urn:schemas-microsoft-com:mac:vml" xmlns:p="http://schemas.openxmlformats.org/presentationml/2006/main" xmlns:c="http://schemas.openxmlformats.org/drawingml/2006/chart" xmlns:dgm="http://schemas.openxmlformats.org/drawingml/2006/diagram" xmlns:o="urn:schemas-microsoft-com:office:office" xmlns:v="urn:schemas-microsoft-com:vml" xmlns:pvml="urn:schemas-microsoft-com:office:powerpoint" xmlns:com="http://schemas.openxmlformats.org/drawingml/2006/compatibility" xmlns:p14="http://schemas.microsoft.com/office/powerpoint/2010/main" xmlns:p15="http://schemas.microsoft.com/office/powerpoint/2012/main" matchingName="Big number">
+<p:sldLayout xmlns:a="http://schemas.openxmlformats.org/drawingml/2006/main" xmlns:r="http://schemas.openxmlformats.org/officeDocument/2006/relationships" xmlns:p="http://schemas.openxmlformats.org/presentationml/2006/main" matchingName="Big number">
   <p:cSld name="BIG_NUMBER">
     <p:bg>
       <p:bgPr>
         <a:solidFill>
           <a:schemeClr val="dk1"/>
         </a:solidFill>
+        <a:effectLst/>
       </p:bgPr>
     </p:bg>
     <p:spTree>
       <p:nvGrpSpPr>
-        <p:cNvPr id="73" name="Shape 73"/>
+        <p:cNvPr id="1" name="Shape 73"/>
         <p:cNvGrpSpPr/>
         <p:nvPr/>
       </p:nvGrpSpPr>
@@ -3196,12 +3208,12 @@
             </a:ln>
           </p:spPr>
           <p:txBody>
-            <a:bodyPr anchorCtr="0" anchor="ctr" bIns="91425" lIns="91425" spcFirstLastPara="1" rIns="91425" wrap="square" tIns="91425">
+            <a:bodyPr spcFirstLastPara="1" wrap="square" lIns="91425" tIns="91425" rIns="91425" bIns="91425" anchor="ctr" anchorCtr="0">
               <a:noAutofit/>
             </a:bodyPr>
             <a:lstStyle/>
             <a:p>
-              <a:pPr indent="0" lvl="0" marL="0" rtl="0" algn="l">
+              <a:pPr marL="0" lvl="0" indent="0" algn="l" rtl="0">
                 <a:spcBef>
                   <a:spcPts val="0"/>
                 </a:spcBef>
@@ -3210,9 +3222,6 @@
                 </a:spcAft>
                 <a:buNone/>
               </a:pPr>
-              <a:r>
-                <a:t/>
-              </a:r>
               <a:endParaRPr/>
             </a:p>
           </p:txBody>
@@ -3239,12 +3248,12 @@
             </a:ln>
           </p:spPr>
           <p:txBody>
-            <a:bodyPr anchorCtr="0" anchor="ctr" bIns="91425" lIns="91425" spcFirstLastPara="1" rIns="91425" wrap="square" tIns="91425">
+            <a:bodyPr spcFirstLastPara="1" wrap="square" lIns="91425" tIns="91425" rIns="91425" bIns="91425" anchor="ctr" anchorCtr="0">
               <a:noAutofit/>
             </a:bodyPr>
             <a:lstStyle/>
             <a:p>
-              <a:pPr indent="0" lvl="0" marL="0" rtl="0" algn="l">
+              <a:pPr marL="0" lvl="0" indent="0" algn="l" rtl="0">
                 <a:spcBef>
                   <a:spcPts val="0"/>
                 </a:spcBef>
@@ -3253,9 +3262,6 @@
                 </a:spcAft>
                 <a:buNone/>
               </a:pPr>
-              <a:r>
-                <a:t/>
-              </a:r>
               <a:endParaRPr/>
             </a:p>
           </p:txBody>
@@ -3264,9 +3270,11 @@
       <p:sp>
         <p:nvSpPr>
           <p:cNvPr id="77" name="Google Shape;77;p11"/>
-          <p:cNvSpPr txBox="1"/>
+          <p:cNvSpPr txBox="1">
+            <a:spLocks noGrp="1"/>
+          </p:cNvSpPr>
           <p:nvPr>
-            <p:ph hasCustomPrompt="1" type="title"/>
+            <p:ph type="title" hasCustomPrompt="1"/>
           </p:nvPr>
         </p:nvSpPr>
         <p:spPr>
@@ -3279,7 +3287,7 @@
           </a:prstGeom>
         </p:spPr>
         <p:txBody>
-          <a:bodyPr anchorCtr="0" anchor="t" bIns="91425" lIns="91425" spcFirstLastPara="1" rIns="91425" wrap="square" tIns="91425">
+          <a:bodyPr spcFirstLastPara="1" wrap="square" lIns="91425" tIns="91425" rIns="91425" bIns="91425" anchor="t" anchorCtr="0">
             <a:noAutofit/>
           </a:bodyPr>
           <a:lstStyle>
@@ -3456,9 +3464,11 @@
       <p:sp>
         <p:nvSpPr>
           <p:cNvPr id="78" name="Google Shape;78;p11"/>
-          <p:cNvSpPr txBox="1"/>
+          <p:cNvSpPr txBox="1">
+            <a:spLocks noGrp="1"/>
+          </p:cNvSpPr>
           <p:nvPr>
-            <p:ph idx="1" type="body"/>
+            <p:ph type="body" idx="1"/>
           </p:nvPr>
         </p:nvSpPr>
         <p:spPr>
@@ -3471,11 +3481,11 @@
           </a:prstGeom>
         </p:spPr>
         <p:txBody>
-          <a:bodyPr anchorCtr="0" anchor="t" bIns="91425" lIns="91425" spcFirstLastPara="1" rIns="91425" wrap="square" tIns="91425">
+          <a:bodyPr spcFirstLastPara="1" wrap="square" lIns="91425" tIns="91425" rIns="91425" bIns="91425" anchor="t" anchorCtr="0">
             <a:noAutofit/>
           </a:bodyPr>
           <a:lstStyle>
-            <a:lvl1pPr indent="-311150" lvl="0" marL="457200">
+            <a:lvl1pPr marL="457200" lvl="0" indent="-311150">
               <a:spcBef>
                 <a:spcPts val="0"/>
               </a:spcBef>
@@ -3493,7 +3503,7 @@
                 </a:solidFill>
               </a:defRPr>
             </a:lvl1pPr>
-            <a:lvl2pPr indent="-298450" lvl="1" marL="914400">
+            <a:lvl2pPr marL="914400" lvl="1" indent="-298450">
               <a:spcBef>
                 <a:spcPts val="1600"/>
               </a:spcBef>
@@ -3511,7 +3521,7 @@
                 </a:solidFill>
               </a:defRPr>
             </a:lvl2pPr>
-            <a:lvl3pPr indent="-298450" lvl="2" marL="1371600">
+            <a:lvl3pPr marL="1371600" lvl="2" indent="-298450">
               <a:spcBef>
                 <a:spcPts val="1600"/>
               </a:spcBef>
@@ -3529,7 +3539,7 @@
                 </a:solidFill>
               </a:defRPr>
             </a:lvl3pPr>
-            <a:lvl4pPr indent="-298450" lvl="3" marL="1828800">
+            <a:lvl4pPr marL="1828800" lvl="3" indent="-298450">
               <a:spcBef>
                 <a:spcPts val="1600"/>
               </a:spcBef>
@@ -3547,7 +3557,7 @@
                 </a:solidFill>
               </a:defRPr>
             </a:lvl4pPr>
-            <a:lvl5pPr indent="-298450" lvl="4" marL="2286000">
+            <a:lvl5pPr marL="2286000" lvl="4" indent="-298450">
               <a:spcBef>
                 <a:spcPts val="1600"/>
               </a:spcBef>
@@ -3565,7 +3575,7 @@
                 </a:solidFill>
               </a:defRPr>
             </a:lvl5pPr>
-            <a:lvl6pPr indent="-298450" lvl="5" marL="2743200">
+            <a:lvl6pPr marL="2743200" lvl="5" indent="-298450">
               <a:spcBef>
                 <a:spcPts val="1600"/>
               </a:spcBef>
@@ -3583,7 +3593,7 @@
                 </a:solidFill>
               </a:defRPr>
             </a:lvl6pPr>
-            <a:lvl7pPr indent="-298450" lvl="6" marL="3200400">
+            <a:lvl7pPr marL="3200400" lvl="6" indent="-298450">
               <a:spcBef>
                 <a:spcPts val="1600"/>
               </a:spcBef>
@@ -3601,7 +3611,7 @@
                 </a:solidFill>
               </a:defRPr>
             </a:lvl7pPr>
-            <a:lvl8pPr indent="-298450" lvl="7" marL="3657600">
+            <a:lvl8pPr marL="3657600" lvl="7" indent="-298450">
               <a:spcBef>
                 <a:spcPts val="1600"/>
               </a:spcBef>
@@ -3619,7 +3629,7 @@
                 </a:solidFill>
               </a:defRPr>
             </a:lvl8pPr>
-            <a:lvl9pPr indent="-298450" lvl="8" marL="4114800">
+            <a:lvl9pPr marL="4114800" lvl="8" indent="-298450">
               <a:spcBef>
                 <a:spcPts val="1600"/>
               </a:spcBef>
@@ -3638,15 +3648,19 @@
               </a:defRPr>
             </a:lvl9pPr>
           </a:lstStyle>
-          <a:p/>
+          <a:p>
+            <a:endParaRPr/>
+          </a:p>
         </p:txBody>
       </p:sp>
       <p:sp>
         <p:nvSpPr>
           <p:cNvPr id="79" name="Google Shape;79;p11"/>
-          <p:cNvSpPr txBox="1"/>
+          <p:cNvSpPr txBox="1">
+            <a:spLocks noGrp="1"/>
+          </p:cNvSpPr>
           <p:nvPr>
-            <p:ph idx="12" type="sldNum"/>
+            <p:ph type="sldNum" idx="12"/>
           </p:nvPr>
         </p:nvSpPr>
         <p:spPr>
@@ -3659,7 +3673,7 @@
           </a:prstGeom>
         </p:spPr>
         <p:txBody>
-          <a:bodyPr anchorCtr="0" anchor="ctr" bIns="91425" lIns="91425" spcFirstLastPara="1" rIns="91425" wrap="square" tIns="91425">
+          <a:bodyPr spcFirstLastPara="1" wrap="square" lIns="91425" tIns="91425" rIns="91425" bIns="91425" anchor="ctr" anchorCtr="0">
             <a:noAutofit/>
           </a:bodyPr>
           <a:lstStyle>
@@ -3737,7 +3751,7 @@
             </a:lvl9pPr>
           </a:lstStyle>
           <a:p>
-            <a:pPr indent="0" lvl="0" marL="0" rtl="0" algn="r">
+            <a:pPr marL="0" lvl="0" indent="0" algn="r" rtl="0">
               <a:spcBef>
                 <a:spcPts val="0"/>
               </a:spcBef>
@@ -3763,11 +3777,11 @@
 </file>
 
 <file path=ppt/slideLayouts/slideLayout11.xml><?xml version="1.0" encoding="utf-8"?>
-<p:sldLayout xmlns:a="http://schemas.openxmlformats.org/drawingml/2006/main" xmlns:r="http://schemas.openxmlformats.org/officeDocument/2006/relationships" xmlns:mc="http://schemas.openxmlformats.org/markup-compatibility/2006" xmlns:mv="urn:schemas-microsoft-com:mac:vml" xmlns:p="http://schemas.openxmlformats.org/presentationml/2006/main" xmlns:c="http://schemas.openxmlformats.org/drawingml/2006/chart" xmlns:dgm="http://schemas.openxmlformats.org/drawingml/2006/diagram" xmlns:o="urn:schemas-microsoft-com:office:office" xmlns:v="urn:schemas-microsoft-com:vml" xmlns:pvml="urn:schemas-microsoft-com:office:powerpoint" xmlns:com="http://schemas.openxmlformats.org/drawingml/2006/compatibility" xmlns:p14="http://schemas.microsoft.com/office/powerpoint/2010/main" xmlns:p15="http://schemas.microsoft.com/office/powerpoint/2012/main" matchingName="Blank" type="blank">
+<p:sldLayout xmlns:a="http://schemas.openxmlformats.org/drawingml/2006/main" xmlns:r="http://schemas.openxmlformats.org/officeDocument/2006/relationships" xmlns:p="http://schemas.openxmlformats.org/presentationml/2006/main" matchingName="Blank" type="blank">
   <p:cSld name="BLANK">
     <p:spTree>
       <p:nvGrpSpPr>
-        <p:cNvPr id="80" name="Shape 80"/>
+        <p:cNvPr id="1" name="Shape 80"/>
         <p:cNvGrpSpPr/>
         <p:nvPr/>
       </p:nvGrpSpPr>
@@ -3782,9 +3796,11 @@
       <p:sp>
         <p:nvSpPr>
           <p:cNvPr id="81" name="Google Shape;81;p12"/>
-          <p:cNvSpPr txBox="1"/>
+          <p:cNvSpPr txBox="1">
+            <a:spLocks noGrp="1"/>
+          </p:cNvSpPr>
           <p:nvPr>
-            <p:ph idx="12" type="sldNum"/>
+            <p:ph type="sldNum" idx="12"/>
           </p:nvPr>
         </p:nvSpPr>
         <p:spPr>
@@ -3797,7 +3813,7 @@
           </a:prstGeom>
         </p:spPr>
         <p:txBody>
-          <a:bodyPr anchorCtr="0" anchor="ctr" bIns="91425" lIns="91425" spcFirstLastPara="1" rIns="91425" wrap="square" tIns="91425">
+          <a:bodyPr spcFirstLastPara="1" wrap="square" lIns="91425" tIns="91425" rIns="91425" bIns="91425" anchor="ctr" anchorCtr="0">
             <a:noAutofit/>
           </a:bodyPr>
           <a:lstStyle>
@@ -3839,7 +3855,7 @@
             </a:lvl9pPr>
           </a:lstStyle>
           <a:p>
-            <a:pPr indent="0" lvl="0" marL="0" rtl="0" algn="r">
+            <a:pPr marL="0" lvl="0" indent="0" algn="r" rtl="0">
               <a:spcBef>
                 <a:spcPts val="0"/>
               </a:spcBef>
@@ -3865,18 +3881,19 @@
 </file>
 
 <file path=ppt/slideLayouts/slideLayout2.xml><?xml version="1.0" encoding="utf-8"?>
-<p:sldLayout xmlns:a="http://schemas.openxmlformats.org/drawingml/2006/main" xmlns:r="http://schemas.openxmlformats.org/officeDocument/2006/relationships" xmlns:mc="http://schemas.openxmlformats.org/markup-compatibility/2006" xmlns:mv="urn:schemas-microsoft-com:mac:vml" xmlns:p="http://schemas.openxmlformats.org/presentationml/2006/main" xmlns:c="http://schemas.openxmlformats.org/drawingml/2006/chart" xmlns:dgm="http://schemas.openxmlformats.org/drawingml/2006/diagram" xmlns:o="urn:schemas-microsoft-com:office:office" xmlns:v="urn:schemas-microsoft-com:vml" xmlns:pvml="urn:schemas-microsoft-com:office:powerpoint" xmlns:com="http://schemas.openxmlformats.org/drawingml/2006/compatibility" xmlns:p14="http://schemas.microsoft.com/office/powerpoint/2010/main" xmlns:p15="http://schemas.microsoft.com/office/powerpoint/2012/main" matchingName="Section header" type="secHead">
+<p:sldLayout xmlns:a="http://schemas.openxmlformats.org/drawingml/2006/main" xmlns:r="http://schemas.openxmlformats.org/officeDocument/2006/relationships" xmlns:p="http://schemas.openxmlformats.org/presentationml/2006/main" matchingName="Section header" type="secHead">
   <p:cSld name="SECTION_HEADER">
     <p:bg>
       <p:bgPr>
         <a:solidFill>
           <a:schemeClr val="dk1"/>
         </a:solidFill>
+        <a:effectLst/>
       </p:bgPr>
     </p:bg>
     <p:spTree>
       <p:nvGrpSpPr>
-        <p:cNvPr id="17" name="Shape 17"/>
+        <p:cNvPr id="1" name="Shape 17"/>
         <p:cNvGrpSpPr/>
         <p:nvPr/>
       </p:nvGrpSpPr>
@@ -3924,12 +3941,12 @@
             </a:ln>
           </p:spPr>
           <p:txBody>
-            <a:bodyPr anchorCtr="0" anchor="ctr" bIns="91425" lIns="91425" spcFirstLastPara="1" rIns="91425" wrap="square" tIns="91425">
+            <a:bodyPr spcFirstLastPara="1" wrap="square" lIns="91425" tIns="91425" rIns="91425" bIns="91425" anchor="ctr" anchorCtr="0">
               <a:noAutofit/>
             </a:bodyPr>
             <a:lstStyle/>
             <a:p>
-              <a:pPr indent="0" lvl="0" marL="0" rtl="0" algn="l">
+              <a:pPr marL="0" lvl="0" indent="0" algn="l" rtl="0">
                 <a:spcBef>
                   <a:spcPts val="0"/>
                 </a:spcBef>
@@ -3938,9 +3955,6 @@
                 </a:spcAft>
                 <a:buNone/>
               </a:pPr>
-              <a:r>
-                <a:t/>
-              </a:r>
               <a:endParaRPr/>
             </a:p>
           </p:txBody>
@@ -3967,12 +3981,12 @@
             </a:ln>
           </p:spPr>
           <p:txBody>
-            <a:bodyPr anchorCtr="0" anchor="ctr" bIns="91425" lIns="91425" spcFirstLastPara="1" rIns="91425" wrap="square" tIns="91425">
+            <a:bodyPr spcFirstLastPara="1" wrap="square" lIns="91425" tIns="91425" rIns="91425" bIns="91425" anchor="ctr" anchorCtr="0">
               <a:noAutofit/>
             </a:bodyPr>
             <a:lstStyle/>
             <a:p>
-              <a:pPr indent="0" lvl="0" marL="0" rtl="0" algn="l">
+              <a:pPr marL="0" lvl="0" indent="0" algn="l" rtl="0">
                 <a:spcBef>
                   <a:spcPts val="0"/>
                 </a:spcBef>
@@ -3981,9 +3995,6 @@
                 </a:spcAft>
                 <a:buNone/>
               </a:pPr>
-              <a:r>
-                <a:t/>
-              </a:r>
               <a:endParaRPr/>
             </a:p>
           </p:txBody>
@@ -3992,7 +4003,9 @@
       <p:sp>
         <p:nvSpPr>
           <p:cNvPr id="21" name="Google Shape;21;p3"/>
-          <p:cNvSpPr txBox="1"/>
+          <p:cNvSpPr txBox="1">
+            <a:spLocks noGrp="1"/>
+          </p:cNvSpPr>
           <p:nvPr>
             <p:ph type="title"/>
           </p:nvPr>
@@ -4007,7 +4020,7 @@
           </a:prstGeom>
         </p:spPr>
         <p:txBody>
-          <a:bodyPr anchorCtr="0" anchor="t" bIns="91425" lIns="91425" spcFirstLastPara="1" rIns="91425" wrap="square" tIns="91425">
+          <a:bodyPr spcFirstLastPara="1" wrap="square" lIns="91425" tIns="91425" rIns="91425" bIns="91425" anchor="t" anchorCtr="0">
             <a:noAutofit/>
           </a:bodyPr>
           <a:lstStyle>
@@ -4174,15 +4187,19 @@
               </a:defRPr>
             </a:lvl9pPr>
           </a:lstStyle>
-          <a:p/>
+          <a:p>
+            <a:endParaRPr/>
+          </a:p>
         </p:txBody>
       </p:sp>
       <p:sp>
         <p:nvSpPr>
           <p:cNvPr id="22" name="Google Shape;22;p3"/>
-          <p:cNvSpPr txBox="1"/>
+          <p:cNvSpPr txBox="1">
+            <a:spLocks noGrp="1"/>
+          </p:cNvSpPr>
           <p:nvPr>
-            <p:ph idx="12" type="sldNum"/>
+            <p:ph type="sldNum" idx="12"/>
           </p:nvPr>
         </p:nvSpPr>
         <p:spPr>
@@ -4195,7 +4212,7 @@
           </a:prstGeom>
         </p:spPr>
         <p:txBody>
-          <a:bodyPr anchorCtr="0" anchor="ctr" bIns="91425" lIns="91425" spcFirstLastPara="1" rIns="91425" wrap="square" tIns="91425">
+          <a:bodyPr spcFirstLastPara="1" wrap="square" lIns="91425" tIns="91425" rIns="91425" bIns="91425" anchor="ctr" anchorCtr="0">
             <a:noAutofit/>
           </a:bodyPr>
           <a:lstStyle>
@@ -4273,7 +4290,7 @@
             </a:lvl9pPr>
           </a:lstStyle>
           <a:p>
-            <a:pPr indent="0" lvl="0" marL="0" rtl="0" algn="r">
+            <a:pPr marL="0" lvl="0" indent="0" algn="r" rtl="0">
               <a:spcBef>
                 <a:spcPts val="0"/>
               </a:spcBef>
@@ -4299,11 +4316,11 @@
 </file>
 
 <file path=ppt/slideLayouts/slideLayout3.xml><?xml version="1.0" encoding="utf-8"?>
-<p:sldLayout xmlns:a="http://schemas.openxmlformats.org/drawingml/2006/main" xmlns:r="http://schemas.openxmlformats.org/officeDocument/2006/relationships" xmlns:mc="http://schemas.openxmlformats.org/markup-compatibility/2006" xmlns:mv="urn:schemas-microsoft-com:mac:vml" xmlns:p="http://schemas.openxmlformats.org/presentationml/2006/main" xmlns:c="http://schemas.openxmlformats.org/drawingml/2006/chart" xmlns:dgm="http://schemas.openxmlformats.org/drawingml/2006/diagram" xmlns:o="urn:schemas-microsoft-com:office:office" xmlns:v="urn:schemas-microsoft-com:vml" xmlns:pvml="urn:schemas-microsoft-com:office:powerpoint" xmlns:com="http://schemas.openxmlformats.org/drawingml/2006/compatibility" xmlns:p14="http://schemas.microsoft.com/office/powerpoint/2010/main" xmlns:p15="http://schemas.microsoft.com/office/powerpoint/2012/main" matchingName="Title and body" type="tx">
+<p:sldLayout xmlns:a="http://schemas.openxmlformats.org/drawingml/2006/main" xmlns:r="http://schemas.openxmlformats.org/officeDocument/2006/relationships" xmlns:p="http://schemas.openxmlformats.org/presentationml/2006/main" matchingName="Title and body" type="tx">
   <p:cSld name="TITLE_AND_BODY">
     <p:spTree>
       <p:nvGrpSpPr>
-        <p:cNvPr id="23" name="Shape 23"/>
+        <p:cNvPr id="1" name="Shape 23"/>
         <p:cNvGrpSpPr/>
         <p:nvPr/>
       </p:nvGrpSpPr>
@@ -4337,23 +4354,20 @@
           </a:ln>
         </p:spPr>
         <p:txBody>
-          <a:bodyPr anchorCtr="0" anchor="ctr" bIns="91425" lIns="91425" spcFirstLastPara="1" rIns="91425" wrap="square" tIns="91425">
+          <a:bodyPr spcFirstLastPara="1" wrap="square" lIns="91425" tIns="91425" rIns="91425" bIns="91425" anchor="ctr" anchorCtr="0">
             <a:noAutofit/>
           </a:bodyPr>
           <a:lstStyle/>
           <a:p>
-            <a:pPr indent="0" lvl="0" marL="0" rtl="0" algn="l">
-              <a:spcBef>
-                <a:spcPts val="0"/>
-              </a:spcBef>
-              <a:spcAft>
-                <a:spcPts val="0"/>
-              </a:spcAft>
-              <a:buNone/>
-            </a:pPr>
-            <a:r>
-              <a:t/>
-            </a:r>
+            <a:pPr marL="0" lvl="0" indent="0" algn="l" rtl="0">
+              <a:spcBef>
+                <a:spcPts val="0"/>
+              </a:spcBef>
+              <a:spcAft>
+                <a:spcPts val="0"/>
+              </a:spcAft>
+              <a:buNone/>
+            </a:pPr>
             <a:endParaRPr/>
           </a:p>
         </p:txBody>
@@ -4394,12 +4408,12 @@
             </a:ln>
           </p:spPr>
           <p:txBody>
-            <a:bodyPr anchorCtr="0" anchor="ctr" bIns="91425" lIns="91425" spcFirstLastPara="1" rIns="91425" wrap="square" tIns="91425">
+            <a:bodyPr spcFirstLastPara="1" wrap="square" lIns="91425" tIns="91425" rIns="91425" bIns="91425" anchor="ctr" anchorCtr="0">
               <a:noAutofit/>
             </a:bodyPr>
             <a:lstStyle/>
             <a:p>
-              <a:pPr indent="0" lvl="0" marL="0" rtl="0" algn="l">
+              <a:pPr marL="0" lvl="0" indent="0" algn="l" rtl="0">
                 <a:spcBef>
                   <a:spcPts val="0"/>
                 </a:spcBef>
@@ -4408,9 +4422,6 @@
                 </a:spcAft>
                 <a:buNone/>
               </a:pPr>
-              <a:r>
-                <a:t/>
-              </a:r>
               <a:endParaRPr/>
             </a:p>
           </p:txBody>
@@ -4437,12 +4448,12 @@
             </a:ln>
           </p:spPr>
           <p:txBody>
-            <a:bodyPr anchorCtr="0" anchor="ctr" bIns="91425" lIns="91425" spcFirstLastPara="1" rIns="91425" wrap="square" tIns="91425">
+            <a:bodyPr spcFirstLastPara="1" wrap="square" lIns="91425" tIns="91425" rIns="91425" bIns="91425" anchor="ctr" anchorCtr="0">
               <a:noAutofit/>
             </a:bodyPr>
             <a:lstStyle/>
             <a:p>
-              <a:pPr indent="0" lvl="0" marL="0" rtl="0" algn="l">
+              <a:pPr marL="0" lvl="0" indent="0" algn="l" rtl="0">
                 <a:spcBef>
                   <a:spcPts val="0"/>
                 </a:spcBef>
@@ -4451,9 +4462,6 @@
                 </a:spcAft>
                 <a:buNone/>
               </a:pPr>
-              <a:r>
-                <a:t/>
-              </a:r>
               <a:endParaRPr/>
             </a:p>
           </p:txBody>
@@ -4462,7 +4470,9 @@
       <p:sp>
         <p:nvSpPr>
           <p:cNvPr id="28" name="Google Shape;28;p4"/>
-          <p:cNvSpPr txBox="1"/>
+          <p:cNvSpPr txBox="1">
+            <a:spLocks noGrp="1"/>
+          </p:cNvSpPr>
           <p:nvPr>
             <p:ph type="title"/>
           </p:nvPr>
@@ -4477,7 +4487,7 @@
           </a:prstGeom>
         </p:spPr>
         <p:txBody>
-          <a:bodyPr anchorCtr="0" anchor="t" bIns="91425" lIns="91425" spcFirstLastPara="1" rIns="91425" wrap="square" tIns="91425">
+          <a:bodyPr spcFirstLastPara="1" wrap="square" lIns="91425" tIns="91425" rIns="91425" bIns="91425" anchor="t" anchorCtr="0">
             <a:noAutofit/>
           </a:bodyPr>
           <a:lstStyle>
@@ -4644,15 +4654,19 @@
               </a:defRPr>
             </a:lvl9pPr>
           </a:lstStyle>
-          <a:p/>
+          <a:p>
+            <a:endParaRPr/>
+          </a:p>
         </p:txBody>
       </p:sp>
       <p:sp>
         <p:nvSpPr>
           <p:cNvPr id="29" name="Google Shape;29;p4"/>
-          <p:cNvSpPr txBox="1"/>
+          <p:cNvSpPr txBox="1">
+            <a:spLocks noGrp="1"/>
+          </p:cNvSpPr>
           <p:nvPr>
-            <p:ph idx="1" type="body"/>
+            <p:ph type="body" idx="1"/>
           </p:nvPr>
         </p:nvSpPr>
         <p:spPr>
@@ -4665,11 +4679,11 @@
           </a:prstGeom>
         </p:spPr>
         <p:txBody>
-          <a:bodyPr anchorCtr="0" anchor="t" bIns="91425" lIns="91425" spcFirstLastPara="1" rIns="91425" wrap="square" tIns="91425">
+          <a:bodyPr spcFirstLastPara="1" wrap="square" lIns="91425" tIns="91425" rIns="91425" bIns="91425" anchor="t" anchorCtr="0">
             <a:noAutofit/>
           </a:bodyPr>
           <a:lstStyle>
-            <a:lvl1pPr indent="-311150" lvl="0" marL="457200">
+            <a:lvl1pPr marL="457200" lvl="0" indent="-311150">
               <a:spcBef>
                 <a:spcPts val="0"/>
               </a:spcBef>
@@ -4680,7 +4694,7 @@
               <a:buChar char="●"/>
               <a:defRPr/>
             </a:lvl1pPr>
-            <a:lvl2pPr indent="-298450" lvl="1" marL="914400">
+            <a:lvl2pPr marL="914400" lvl="1" indent="-298450">
               <a:spcBef>
                 <a:spcPts val="1600"/>
               </a:spcBef>
@@ -4691,7 +4705,7 @@
               <a:buChar char="○"/>
               <a:defRPr/>
             </a:lvl2pPr>
-            <a:lvl3pPr indent="-298450" lvl="2" marL="1371600">
+            <a:lvl3pPr marL="1371600" lvl="2" indent="-298450">
               <a:spcBef>
                 <a:spcPts val="1600"/>
               </a:spcBef>
@@ -4702,7 +4716,7 @@
               <a:buChar char="■"/>
               <a:defRPr/>
             </a:lvl3pPr>
-            <a:lvl4pPr indent="-298450" lvl="3" marL="1828800">
+            <a:lvl4pPr marL="1828800" lvl="3" indent="-298450">
               <a:spcBef>
                 <a:spcPts val="1600"/>
               </a:spcBef>
@@ -4713,7 +4727,7 @@
               <a:buChar char="●"/>
               <a:defRPr/>
             </a:lvl4pPr>
-            <a:lvl5pPr indent="-298450" lvl="4" marL="2286000">
+            <a:lvl5pPr marL="2286000" lvl="4" indent="-298450">
               <a:spcBef>
                 <a:spcPts val="1600"/>
               </a:spcBef>
@@ -4724,7 +4738,7 @@
               <a:buChar char="○"/>
               <a:defRPr/>
             </a:lvl5pPr>
-            <a:lvl6pPr indent="-298450" lvl="5" marL="2743200">
+            <a:lvl6pPr marL="2743200" lvl="5" indent="-298450">
               <a:spcBef>
                 <a:spcPts val="1600"/>
               </a:spcBef>
@@ -4735,7 +4749,7 @@
               <a:buChar char="■"/>
               <a:defRPr/>
             </a:lvl6pPr>
-            <a:lvl7pPr indent="-298450" lvl="6" marL="3200400">
+            <a:lvl7pPr marL="3200400" lvl="6" indent="-298450">
               <a:spcBef>
                 <a:spcPts val="1600"/>
               </a:spcBef>
@@ -4746,7 +4760,7 @@
               <a:buChar char="●"/>
               <a:defRPr/>
             </a:lvl7pPr>
-            <a:lvl8pPr indent="-298450" lvl="7" marL="3657600">
+            <a:lvl8pPr marL="3657600" lvl="7" indent="-298450">
               <a:spcBef>
                 <a:spcPts val="1600"/>
               </a:spcBef>
@@ -4757,7 +4771,7 @@
               <a:buChar char="○"/>
               <a:defRPr/>
             </a:lvl8pPr>
-            <a:lvl9pPr indent="-298450" lvl="8" marL="4114800">
+            <a:lvl9pPr marL="4114800" lvl="8" indent="-298450">
               <a:spcBef>
                 <a:spcPts val="1600"/>
               </a:spcBef>
@@ -4769,15 +4783,19 @@
               <a:defRPr/>
             </a:lvl9pPr>
           </a:lstStyle>
-          <a:p/>
+          <a:p>
+            <a:endParaRPr/>
+          </a:p>
         </p:txBody>
       </p:sp>
       <p:sp>
         <p:nvSpPr>
           <p:cNvPr id="30" name="Google Shape;30;p4"/>
-          <p:cNvSpPr txBox="1"/>
+          <p:cNvSpPr txBox="1">
+            <a:spLocks noGrp="1"/>
+          </p:cNvSpPr>
           <p:nvPr>
-            <p:ph idx="12" type="sldNum"/>
+            <p:ph type="sldNum" idx="12"/>
           </p:nvPr>
         </p:nvSpPr>
         <p:spPr>
@@ -4790,7 +4808,7 @@
           </a:prstGeom>
         </p:spPr>
         <p:txBody>
-          <a:bodyPr anchorCtr="0" anchor="ctr" bIns="91425" lIns="91425" spcFirstLastPara="1" rIns="91425" wrap="square" tIns="91425">
+          <a:bodyPr spcFirstLastPara="1" wrap="square" lIns="91425" tIns="91425" rIns="91425" bIns="91425" anchor="ctr" anchorCtr="0">
             <a:noAutofit/>
           </a:bodyPr>
           <a:lstStyle>
@@ -4832,7 +4850,7 @@
             </a:lvl9pPr>
           </a:lstStyle>
           <a:p>
-            <a:pPr indent="0" lvl="0" marL="0" rtl="0" algn="r">
+            <a:pPr marL="0" lvl="0" indent="0" algn="r" rtl="0">
               <a:spcBef>
                 <a:spcPts val="0"/>
               </a:spcBef>
@@ -4858,11 +4876,11 @@
 </file>
 
 <file path=ppt/slideLayouts/slideLayout4.xml><?xml version="1.0" encoding="utf-8"?>
-<p:sldLayout xmlns:a="http://schemas.openxmlformats.org/drawingml/2006/main" xmlns:r="http://schemas.openxmlformats.org/officeDocument/2006/relationships" xmlns:mc="http://schemas.openxmlformats.org/markup-compatibility/2006" xmlns:mv="urn:schemas-microsoft-com:mac:vml" xmlns:p="http://schemas.openxmlformats.org/presentationml/2006/main" xmlns:c="http://schemas.openxmlformats.org/drawingml/2006/chart" xmlns:dgm="http://schemas.openxmlformats.org/drawingml/2006/diagram" xmlns:o="urn:schemas-microsoft-com:office:office" xmlns:v="urn:schemas-microsoft-com:vml" xmlns:pvml="urn:schemas-microsoft-com:office:powerpoint" xmlns:com="http://schemas.openxmlformats.org/drawingml/2006/compatibility" xmlns:p14="http://schemas.microsoft.com/office/powerpoint/2010/main" xmlns:p15="http://schemas.microsoft.com/office/powerpoint/2012/main" matchingName="Title and two columns" type="twoColTx">
+<p:sldLayout xmlns:a="http://schemas.openxmlformats.org/drawingml/2006/main" xmlns:r="http://schemas.openxmlformats.org/officeDocument/2006/relationships" xmlns:p="http://schemas.openxmlformats.org/presentationml/2006/main" matchingName="Title and two columns" type="twoColTx">
   <p:cSld name="TITLE_AND_TWO_COLUMNS">
     <p:spTree>
       <p:nvGrpSpPr>
-        <p:cNvPr id="31" name="Shape 31"/>
+        <p:cNvPr id="1" name="Shape 31"/>
         <p:cNvGrpSpPr/>
         <p:nvPr/>
       </p:nvGrpSpPr>
@@ -4896,23 +4914,20 @@
           </a:ln>
         </p:spPr>
         <p:txBody>
-          <a:bodyPr anchorCtr="0" anchor="ctr" bIns="91425" lIns="91425" spcFirstLastPara="1" rIns="91425" wrap="square" tIns="91425">
+          <a:bodyPr spcFirstLastPara="1" wrap="square" lIns="91425" tIns="91425" rIns="91425" bIns="91425" anchor="ctr" anchorCtr="0">
             <a:noAutofit/>
           </a:bodyPr>
           <a:lstStyle/>
           <a:p>
-            <a:pPr indent="0" lvl="0" marL="0" rtl="0" algn="l">
-              <a:spcBef>
-                <a:spcPts val="0"/>
-              </a:spcBef>
-              <a:spcAft>
-                <a:spcPts val="0"/>
-              </a:spcAft>
-              <a:buNone/>
-            </a:pPr>
-            <a:r>
-              <a:t/>
-            </a:r>
+            <a:pPr marL="0" lvl="0" indent="0" algn="l" rtl="0">
+              <a:spcBef>
+                <a:spcPts val="0"/>
+              </a:spcBef>
+              <a:spcAft>
+                <a:spcPts val="0"/>
+              </a:spcAft>
+              <a:buNone/>
+            </a:pPr>
             <a:endParaRPr/>
           </a:p>
         </p:txBody>
@@ -4953,12 +4968,12 @@
             </a:ln>
           </p:spPr>
           <p:txBody>
-            <a:bodyPr anchorCtr="0" anchor="ctr" bIns="91425" lIns="91425" spcFirstLastPara="1" rIns="91425" wrap="square" tIns="91425">
+            <a:bodyPr spcFirstLastPara="1" wrap="square" lIns="91425" tIns="91425" rIns="91425" bIns="91425" anchor="ctr" anchorCtr="0">
               <a:noAutofit/>
             </a:bodyPr>
             <a:lstStyle/>
             <a:p>
-              <a:pPr indent="0" lvl="0" marL="0" rtl="0" algn="l">
+              <a:pPr marL="0" lvl="0" indent="0" algn="l" rtl="0">
                 <a:spcBef>
                   <a:spcPts val="0"/>
                 </a:spcBef>
@@ -4967,9 +4982,6 @@
                 </a:spcAft>
                 <a:buNone/>
               </a:pPr>
-              <a:r>
-                <a:t/>
-              </a:r>
               <a:endParaRPr/>
             </a:p>
           </p:txBody>
@@ -4996,12 +5008,12 @@
             </a:ln>
           </p:spPr>
           <p:txBody>
-            <a:bodyPr anchorCtr="0" anchor="ctr" bIns="91425" lIns="91425" spcFirstLastPara="1" rIns="91425" wrap="square" tIns="91425">
+            <a:bodyPr spcFirstLastPara="1" wrap="square" lIns="91425" tIns="91425" rIns="91425" bIns="91425" anchor="ctr" anchorCtr="0">
               <a:noAutofit/>
             </a:bodyPr>
             <a:lstStyle/>
             <a:p>
-              <a:pPr indent="0" lvl="0" marL="0" rtl="0" algn="l">
+              <a:pPr marL="0" lvl="0" indent="0" algn="l" rtl="0">
                 <a:spcBef>
                   <a:spcPts val="0"/>
                 </a:spcBef>
@@ -5010,9 +5022,6 @@
                 </a:spcAft>
                 <a:buNone/>
               </a:pPr>
-              <a:r>
-                <a:t/>
-              </a:r>
               <a:endParaRPr/>
             </a:p>
           </p:txBody>
@@ -5021,7 +5030,9 @@
       <p:sp>
         <p:nvSpPr>
           <p:cNvPr id="36" name="Google Shape;36;p5"/>
-          <p:cNvSpPr txBox="1"/>
+          <p:cNvSpPr txBox="1">
+            <a:spLocks noGrp="1"/>
+          </p:cNvSpPr>
           <p:nvPr>
             <p:ph type="title"/>
           </p:nvPr>
@@ -5036,7 +5047,7 @@
           </a:prstGeom>
         </p:spPr>
         <p:txBody>
-          <a:bodyPr anchorCtr="0" anchor="t" bIns="91425" lIns="91425" spcFirstLastPara="1" rIns="91425" wrap="square" tIns="91425">
+          <a:bodyPr spcFirstLastPara="1" wrap="square" lIns="91425" tIns="91425" rIns="91425" bIns="91425" anchor="t" anchorCtr="0">
             <a:noAutofit/>
           </a:bodyPr>
           <a:lstStyle>
@@ -5203,15 +5214,19 @@
               </a:defRPr>
             </a:lvl9pPr>
           </a:lstStyle>
-          <a:p/>
+          <a:p>
+            <a:endParaRPr/>
+          </a:p>
         </p:txBody>
       </p:sp>
       <p:sp>
         <p:nvSpPr>
           <p:cNvPr id="37" name="Google Shape;37;p5"/>
-          <p:cNvSpPr txBox="1"/>
+          <p:cNvSpPr txBox="1">
+            <a:spLocks noGrp="1"/>
+          </p:cNvSpPr>
           <p:nvPr>
-            <p:ph idx="1" type="body"/>
+            <p:ph type="body" idx="1"/>
           </p:nvPr>
         </p:nvSpPr>
         <p:spPr>
@@ -5224,11 +5239,11 @@
           </a:prstGeom>
         </p:spPr>
         <p:txBody>
-          <a:bodyPr anchorCtr="0" anchor="t" bIns="91425" lIns="91425" spcFirstLastPara="1" rIns="91425" wrap="square" tIns="91425">
+          <a:bodyPr spcFirstLastPara="1" wrap="square" lIns="91425" tIns="91425" rIns="91425" bIns="91425" anchor="t" anchorCtr="0">
             <a:noAutofit/>
           </a:bodyPr>
           <a:lstStyle>
-            <a:lvl1pPr indent="-311150" lvl="0" marL="457200">
+            <a:lvl1pPr marL="457200" lvl="0" indent="-311150">
               <a:spcBef>
                 <a:spcPts val="0"/>
               </a:spcBef>
@@ -5239,7 +5254,7 @@
               <a:buChar char="●"/>
               <a:defRPr/>
             </a:lvl1pPr>
-            <a:lvl2pPr indent="-298450" lvl="1" marL="914400">
+            <a:lvl2pPr marL="914400" lvl="1" indent="-298450">
               <a:spcBef>
                 <a:spcPts val="1600"/>
               </a:spcBef>
@@ -5250,7 +5265,7 @@
               <a:buChar char="○"/>
               <a:defRPr/>
             </a:lvl2pPr>
-            <a:lvl3pPr indent="-298450" lvl="2" marL="1371600">
+            <a:lvl3pPr marL="1371600" lvl="2" indent="-298450">
               <a:spcBef>
                 <a:spcPts val="1600"/>
               </a:spcBef>
@@ -5261,7 +5276,7 @@
               <a:buChar char="■"/>
               <a:defRPr/>
             </a:lvl3pPr>
-            <a:lvl4pPr indent="-298450" lvl="3" marL="1828800">
+            <a:lvl4pPr marL="1828800" lvl="3" indent="-298450">
               <a:spcBef>
                 <a:spcPts val="1600"/>
               </a:spcBef>
@@ -5272,7 +5287,7 @@
               <a:buChar char="●"/>
               <a:defRPr/>
             </a:lvl4pPr>
-            <a:lvl5pPr indent="-298450" lvl="4" marL="2286000">
+            <a:lvl5pPr marL="2286000" lvl="4" indent="-298450">
               <a:spcBef>
                 <a:spcPts val="1600"/>
               </a:spcBef>
@@ -5283,7 +5298,7 @@
               <a:buChar char="○"/>
               <a:defRPr/>
             </a:lvl5pPr>
-            <a:lvl6pPr indent="-298450" lvl="5" marL="2743200">
+            <a:lvl6pPr marL="2743200" lvl="5" indent="-298450">
               <a:spcBef>
                 <a:spcPts val="1600"/>
               </a:spcBef>
@@ -5294,7 +5309,7 @@
               <a:buChar char="■"/>
               <a:defRPr/>
             </a:lvl6pPr>
-            <a:lvl7pPr indent="-298450" lvl="6" marL="3200400">
+            <a:lvl7pPr marL="3200400" lvl="6" indent="-298450">
               <a:spcBef>
                 <a:spcPts val="1600"/>
               </a:spcBef>
@@ -5305,7 +5320,7 @@
               <a:buChar char="●"/>
               <a:defRPr/>
             </a:lvl7pPr>
-            <a:lvl8pPr indent="-298450" lvl="7" marL="3657600">
+            <a:lvl8pPr marL="3657600" lvl="7" indent="-298450">
               <a:spcBef>
                 <a:spcPts val="1600"/>
               </a:spcBef>
@@ -5316,7 +5331,7 @@
               <a:buChar char="○"/>
               <a:defRPr/>
             </a:lvl8pPr>
-            <a:lvl9pPr indent="-298450" lvl="8" marL="4114800">
+            <a:lvl9pPr marL="4114800" lvl="8" indent="-298450">
               <a:spcBef>
                 <a:spcPts val="1600"/>
               </a:spcBef>
@@ -5328,15 +5343,19 @@
               <a:defRPr/>
             </a:lvl9pPr>
           </a:lstStyle>
-          <a:p/>
+          <a:p>
+            <a:endParaRPr/>
+          </a:p>
         </p:txBody>
       </p:sp>
       <p:sp>
         <p:nvSpPr>
           <p:cNvPr id="38" name="Google Shape;38;p5"/>
-          <p:cNvSpPr txBox="1"/>
+          <p:cNvSpPr txBox="1">
+            <a:spLocks noGrp="1"/>
+          </p:cNvSpPr>
           <p:nvPr>
-            <p:ph idx="2" type="body"/>
+            <p:ph type="body" idx="2"/>
           </p:nvPr>
         </p:nvSpPr>
         <p:spPr>
@@ -5349,11 +5368,11 @@
           </a:prstGeom>
         </p:spPr>
         <p:txBody>
-          <a:bodyPr anchorCtr="0" anchor="t" bIns="91425" lIns="91425" spcFirstLastPara="1" rIns="91425" wrap="square" tIns="91425">
+          <a:bodyPr spcFirstLastPara="1" wrap="square" lIns="91425" tIns="91425" rIns="91425" bIns="91425" anchor="t" anchorCtr="0">
             <a:noAutofit/>
           </a:bodyPr>
           <a:lstStyle>
-            <a:lvl1pPr indent="-311150" lvl="0" marL="457200">
+            <a:lvl1pPr marL="457200" lvl="0" indent="-311150">
               <a:spcBef>
                 <a:spcPts val="0"/>
               </a:spcBef>
@@ -5364,7 +5383,7 @@
               <a:buChar char="●"/>
               <a:defRPr/>
             </a:lvl1pPr>
-            <a:lvl2pPr indent="-298450" lvl="1" marL="914400">
+            <a:lvl2pPr marL="914400" lvl="1" indent="-298450">
               <a:spcBef>
                 <a:spcPts val="1600"/>
               </a:spcBef>
@@ -5375,7 +5394,7 @@
               <a:buChar char="○"/>
               <a:defRPr/>
             </a:lvl2pPr>
-            <a:lvl3pPr indent="-298450" lvl="2" marL="1371600">
+            <a:lvl3pPr marL="1371600" lvl="2" indent="-298450">
               <a:spcBef>
                 <a:spcPts val="1600"/>
               </a:spcBef>
@@ -5386,7 +5405,7 @@
               <a:buChar char="■"/>
               <a:defRPr/>
             </a:lvl3pPr>
-            <a:lvl4pPr indent="-298450" lvl="3" marL="1828800">
+            <a:lvl4pPr marL="1828800" lvl="3" indent="-298450">
               <a:spcBef>
                 <a:spcPts val="1600"/>
               </a:spcBef>
@@ -5397,7 +5416,7 @@
               <a:buChar char="●"/>
               <a:defRPr/>
             </a:lvl4pPr>
-            <a:lvl5pPr indent="-298450" lvl="4" marL="2286000">
+            <a:lvl5pPr marL="2286000" lvl="4" indent="-298450">
               <a:spcBef>
                 <a:spcPts val="1600"/>
               </a:spcBef>
@@ -5408,7 +5427,7 @@
               <a:buChar char="○"/>
               <a:defRPr/>
             </a:lvl5pPr>
-            <a:lvl6pPr indent="-298450" lvl="5" marL="2743200">
+            <a:lvl6pPr marL="2743200" lvl="5" indent="-298450">
               <a:spcBef>
                 <a:spcPts val="1600"/>
               </a:spcBef>
@@ -5419,7 +5438,7 @@
               <a:buChar char="■"/>
               <a:defRPr/>
             </a:lvl6pPr>
-            <a:lvl7pPr indent="-298450" lvl="6" marL="3200400">
+            <a:lvl7pPr marL="3200400" lvl="6" indent="-298450">
               <a:spcBef>
                 <a:spcPts val="1600"/>
               </a:spcBef>
@@ -5430,7 +5449,7 @@
               <a:buChar char="●"/>
               <a:defRPr/>
             </a:lvl7pPr>
-            <a:lvl8pPr indent="-298450" lvl="7" marL="3657600">
+            <a:lvl8pPr marL="3657600" lvl="7" indent="-298450">
               <a:spcBef>
                 <a:spcPts val="1600"/>
               </a:spcBef>
@@ -5441,7 +5460,7 @@
               <a:buChar char="○"/>
               <a:defRPr/>
             </a:lvl8pPr>
-            <a:lvl9pPr indent="-298450" lvl="8" marL="4114800">
+            <a:lvl9pPr marL="4114800" lvl="8" indent="-298450">
               <a:spcBef>
                 <a:spcPts val="1600"/>
               </a:spcBef>
@@ -5453,15 +5472,19 @@
               <a:defRPr/>
             </a:lvl9pPr>
           </a:lstStyle>
-          <a:p/>
+          <a:p>
+            <a:endParaRPr/>
+          </a:p>
         </p:txBody>
       </p:sp>
       <p:sp>
         <p:nvSpPr>
           <p:cNvPr id="39" name="Google Shape;39;p5"/>
-          <p:cNvSpPr txBox="1"/>
+          <p:cNvSpPr txBox="1">
+            <a:spLocks noGrp="1"/>
+          </p:cNvSpPr>
           <p:nvPr>
-            <p:ph idx="12" type="sldNum"/>
+            <p:ph type="sldNum" idx="12"/>
           </p:nvPr>
         </p:nvSpPr>
         <p:spPr>
@@ -5474,7 +5497,7 @@
           </a:prstGeom>
         </p:spPr>
         <p:txBody>
-          <a:bodyPr anchorCtr="0" anchor="ctr" bIns="91425" lIns="91425" spcFirstLastPara="1" rIns="91425" wrap="square" tIns="91425">
+          <a:bodyPr spcFirstLastPara="1" wrap="square" lIns="91425" tIns="91425" rIns="91425" bIns="91425" anchor="ctr" anchorCtr="0">
             <a:noAutofit/>
           </a:bodyPr>
           <a:lstStyle>
@@ -5516,7 +5539,7 @@
             </a:lvl9pPr>
           </a:lstStyle>
           <a:p>
-            <a:pPr indent="0" lvl="0" marL="0" rtl="0" algn="r">
+            <a:pPr marL="0" lvl="0" indent="0" algn="r" rtl="0">
               <a:spcBef>
                 <a:spcPts val="0"/>
               </a:spcBef>
@@ -5542,11 +5565,11 @@
 </file>
 
 <file path=ppt/slideLayouts/slideLayout5.xml><?xml version="1.0" encoding="utf-8"?>
-<p:sldLayout xmlns:a="http://schemas.openxmlformats.org/drawingml/2006/main" xmlns:r="http://schemas.openxmlformats.org/officeDocument/2006/relationships" xmlns:mc="http://schemas.openxmlformats.org/markup-compatibility/2006" xmlns:mv="urn:schemas-microsoft-com:mac:vml" xmlns:p="http://schemas.openxmlformats.org/presentationml/2006/main" xmlns:c="http://schemas.openxmlformats.org/drawingml/2006/chart" xmlns:dgm="http://schemas.openxmlformats.org/drawingml/2006/diagram" xmlns:o="urn:schemas-microsoft-com:office:office" xmlns:v="urn:schemas-microsoft-com:vml" xmlns:pvml="urn:schemas-microsoft-com:office:powerpoint" xmlns:com="http://schemas.openxmlformats.org/drawingml/2006/compatibility" xmlns:p14="http://schemas.microsoft.com/office/powerpoint/2010/main" xmlns:p15="http://schemas.microsoft.com/office/powerpoint/2012/main" matchingName="Title only" type="titleOnly">
+<p:sldLayout xmlns:a="http://schemas.openxmlformats.org/drawingml/2006/main" xmlns:r="http://schemas.openxmlformats.org/officeDocument/2006/relationships" xmlns:p="http://schemas.openxmlformats.org/presentationml/2006/main" matchingName="Title only" type="titleOnly">
   <p:cSld name="TITLE_ONLY">
     <p:spTree>
       <p:nvGrpSpPr>
-        <p:cNvPr id="40" name="Shape 40"/>
+        <p:cNvPr id="1" name="Shape 40"/>
         <p:cNvGrpSpPr/>
         <p:nvPr/>
       </p:nvGrpSpPr>
@@ -5580,23 +5603,20 @@
           </a:ln>
         </p:spPr>
         <p:txBody>
-          <a:bodyPr anchorCtr="0" anchor="ctr" bIns="91425" lIns="91425" spcFirstLastPara="1" rIns="91425" wrap="square" tIns="91425">
+          <a:bodyPr spcFirstLastPara="1" wrap="square" lIns="91425" tIns="91425" rIns="91425" bIns="91425" anchor="ctr" anchorCtr="0">
             <a:noAutofit/>
           </a:bodyPr>
           <a:lstStyle/>
           <a:p>
-            <a:pPr indent="0" lvl="0" marL="0" rtl="0" algn="l">
-              <a:spcBef>
-                <a:spcPts val="0"/>
-              </a:spcBef>
-              <a:spcAft>
-                <a:spcPts val="0"/>
-              </a:spcAft>
-              <a:buNone/>
-            </a:pPr>
-            <a:r>
-              <a:t/>
-            </a:r>
+            <a:pPr marL="0" lvl="0" indent="0" algn="l" rtl="0">
+              <a:spcBef>
+                <a:spcPts val="0"/>
+              </a:spcBef>
+              <a:spcAft>
+                <a:spcPts val="0"/>
+              </a:spcAft>
+              <a:buNone/>
+            </a:pPr>
             <a:endParaRPr/>
           </a:p>
         </p:txBody>
@@ -5637,12 +5657,12 @@
             </a:ln>
           </p:spPr>
           <p:txBody>
-            <a:bodyPr anchorCtr="0" anchor="ctr" bIns="91425" lIns="91425" spcFirstLastPara="1" rIns="91425" wrap="square" tIns="91425">
+            <a:bodyPr spcFirstLastPara="1" wrap="square" lIns="91425" tIns="91425" rIns="91425" bIns="91425" anchor="ctr" anchorCtr="0">
               <a:noAutofit/>
             </a:bodyPr>
             <a:lstStyle/>
             <a:p>
-              <a:pPr indent="0" lvl="0" marL="0" rtl="0" algn="l">
+              <a:pPr marL="0" lvl="0" indent="0" algn="l" rtl="0">
                 <a:spcBef>
                   <a:spcPts val="0"/>
                 </a:spcBef>
@@ -5651,9 +5671,6 @@
                 </a:spcAft>
                 <a:buNone/>
               </a:pPr>
-              <a:r>
-                <a:t/>
-              </a:r>
               <a:endParaRPr/>
             </a:p>
           </p:txBody>
@@ -5680,12 +5697,12 @@
             </a:ln>
           </p:spPr>
           <p:txBody>
-            <a:bodyPr anchorCtr="0" anchor="ctr" bIns="91425" lIns="91425" spcFirstLastPara="1" rIns="91425" wrap="square" tIns="91425">
+            <a:bodyPr spcFirstLastPara="1" wrap="square" lIns="91425" tIns="91425" rIns="91425" bIns="91425" anchor="ctr" anchorCtr="0">
               <a:noAutofit/>
             </a:bodyPr>
             <a:lstStyle/>
             <a:p>
-              <a:pPr indent="0" lvl="0" marL="0" rtl="0" algn="l">
+              <a:pPr marL="0" lvl="0" indent="0" algn="l" rtl="0">
                 <a:spcBef>
                   <a:spcPts val="0"/>
                 </a:spcBef>
@@ -5694,9 +5711,6 @@
                 </a:spcAft>
                 <a:buNone/>
               </a:pPr>
-              <a:r>
-                <a:t/>
-              </a:r>
               <a:endParaRPr/>
             </a:p>
           </p:txBody>
@@ -5705,7 +5719,9 @@
       <p:sp>
         <p:nvSpPr>
           <p:cNvPr id="45" name="Google Shape;45;p6"/>
-          <p:cNvSpPr txBox="1"/>
+          <p:cNvSpPr txBox="1">
+            <a:spLocks noGrp="1"/>
+          </p:cNvSpPr>
           <p:nvPr>
             <p:ph type="title"/>
           </p:nvPr>
@@ -5720,7 +5736,7 @@
           </a:prstGeom>
         </p:spPr>
         <p:txBody>
-          <a:bodyPr anchorCtr="0" anchor="t" bIns="91425" lIns="91425" spcFirstLastPara="1" rIns="91425" wrap="square" tIns="91425">
+          <a:bodyPr spcFirstLastPara="1" wrap="square" lIns="91425" tIns="91425" rIns="91425" bIns="91425" anchor="t" anchorCtr="0">
             <a:noAutofit/>
           </a:bodyPr>
           <a:lstStyle>
@@ -5887,15 +5903,19 @@
               </a:defRPr>
             </a:lvl9pPr>
           </a:lstStyle>
-          <a:p/>
+          <a:p>
+            <a:endParaRPr/>
+          </a:p>
         </p:txBody>
       </p:sp>
       <p:sp>
         <p:nvSpPr>
           <p:cNvPr id="46" name="Google Shape;46;p6"/>
-          <p:cNvSpPr txBox="1"/>
+          <p:cNvSpPr txBox="1">
+            <a:spLocks noGrp="1"/>
+          </p:cNvSpPr>
           <p:nvPr>
-            <p:ph idx="12" type="sldNum"/>
+            <p:ph type="sldNum" idx="12"/>
           </p:nvPr>
         </p:nvSpPr>
         <p:spPr>
@@ -5908,7 +5928,7 @@
           </a:prstGeom>
         </p:spPr>
         <p:txBody>
-          <a:bodyPr anchorCtr="0" anchor="ctr" bIns="91425" lIns="91425" spcFirstLastPara="1" rIns="91425" wrap="square" tIns="91425">
+          <a:bodyPr spcFirstLastPara="1" wrap="square" lIns="91425" tIns="91425" rIns="91425" bIns="91425" anchor="ctr" anchorCtr="0">
             <a:noAutofit/>
           </a:bodyPr>
           <a:lstStyle>
@@ -5950,7 +5970,7 @@
             </a:lvl9pPr>
           </a:lstStyle>
           <a:p>
-            <a:pPr indent="0" lvl="0" marL="0" rtl="0" algn="r">
+            <a:pPr marL="0" lvl="0" indent="0" algn="r" rtl="0">
               <a:spcBef>
                 <a:spcPts val="0"/>
               </a:spcBef>
@@ -5976,11 +5996,11 @@
 </file>
 
 <file path=ppt/slideLayouts/slideLayout6.xml><?xml version="1.0" encoding="utf-8"?>
-<p:sldLayout xmlns:a="http://schemas.openxmlformats.org/drawingml/2006/main" xmlns:r="http://schemas.openxmlformats.org/officeDocument/2006/relationships" xmlns:mc="http://schemas.openxmlformats.org/markup-compatibility/2006" xmlns:mv="urn:schemas-microsoft-com:mac:vml" xmlns:p="http://schemas.openxmlformats.org/presentationml/2006/main" xmlns:c="http://schemas.openxmlformats.org/drawingml/2006/chart" xmlns:dgm="http://schemas.openxmlformats.org/drawingml/2006/diagram" xmlns:o="urn:schemas-microsoft-com:office:office" xmlns:v="urn:schemas-microsoft-com:vml" xmlns:pvml="urn:schemas-microsoft-com:office:powerpoint" xmlns:com="http://schemas.openxmlformats.org/drawingml/2006/compatibility" xmlns:p14="http://schemas.microsoft.com/office/powerpoint/2010/main" xmlns:p15="http://schemas.microsoft.com/office/powerpoint/2012/main" matchingName="One column text">
+<p:sldLayout xmlns:a="http://schemas.openxmlformats.org/drawingml/2006/main" xmlns:r="http://schemas.openxmlformats.org/officeDocument/2006/relationships" xmlns:p="http://schemas.openxmlformats.org/presentationml/2006/main" matchingName="One column text">
   <p:cSld name="ONE_COLUMN_TEXT">
     <p:spTree>
       <p:nvGrpSpPr>
-        <p:cNvPr id="47" name="Shape 47"/>
+        <p:cNvPr id="1" name="Shape 47"/>
         <p:cNvGrpSpPr/>
         <p:nvPr/>
       </p:nvGrpSpPr>
@@ -6014,23 +6034,20 @@
           </a:ln>
         </p:spPr>
         <p:txBody>
-          <a:bodyPr anchorCtr="0" anchor="ctr" bIns="91425" lIns="91425" spcFirstLastPara="1" rIns="91425" wrap="square" tIns="91425">
+          <a:bodyPr spcFirstLastPara="1" wrap="square" lIns="91425" tIns="91425" rIns="91425" bIns="91425" anchor="ctr" anchorCtr="0">
             <a:noAutofit/>
           </a:bodyPr>
           <a:lstStyle/>
           <a:p>
-            <a:pPr indent="0" lvl="0" marL="0" rtl="0" algn="l">
-              <a:spcBef>
-                <a:spcPts val="0"/>
-              </a:spcBef>
-              <a:spcAft>
-                <a:spcPts val="0"/>
-              </a:spcAft>
-              <a:buNone/>
-            </a:pPr>
-            <a:r>
-              <a:t/>
-            </a:r>
+            <a:pPr marL="0" lvl="0" indent="0" algn="l" rtl="0">
+              <a:spcBef>
+                <a:spcPts val="0"/>
+              </a:spcBef>
+              <a:spcAft>
+                <a:spcPts val="0"/>
+              </a:spcAft>
+              <a:buNone/>
+            </a:pPr>
             <a:endParaRPr/>
           </a:p>
         </p:txBody>
@@ -6071,12 +6088,12 @@
             </a:ln>
           </p:spPr>
           <p:txBody>
-            <a:bodyPr anchorCtr="0" anchor="ctr" bIns="91425" lIns="91425" spcFirstLastPara="1" rIns="91425" wrap="square" tIns="91425">
+            <a:bodyPr spcFirstLastPara="1" wrap="square" lIns="91425" tIns="91425" rIns="91425" bIns="91425" anchor="ctr" anchorCtr="0">
               <a:noAutofit/>
             </a:bodyPr>
             <a:lstStyle/>
             <a:p>
-              <a:pPr indent="0" lvl="0" marL="0" rtl="0" algn="l">
+              <a:pPr marL="0" lvl="0" indent="0" algn="l" rtl="0">
                 <a:spcBef>
                   <a:spcPts val="0"/>
                 </a:spcBef>
@@ -6085,9 +6102,6 @@
                 </a:spcAft>
                 <a:buNone/>
               </a:pPr>
-              <a:r>
-                <a:t/>
-              </a:r>
               <a:endParaRPr/>
             </a:p>
           </p:txBody>
@@ -6114,12 +6128,12 @@
             </a:ln>
           </p:spPr>
           <p:txBody>
-            <a:bodyPr anchorCtr="0" anchor="ctr" bIns="91425" lIns="91425" spcFirstLastPara="1" rIns="91425" wrap="square" tIns="91425">
+            <a:bodyPr spcFirstLastPara="1" wrap="square" lIns="91425" tIns="91425" rIns="91425" bIns="91425" anchor="ctr" anchorCtr="0">
               <a:noAutofit/>
             </a:bodyPr>
             <a:lstStyle/>
             <a:p>
-              <a:pPr indent="0" lvl="0" marL="0" rtl="0" algn="l">
+              <a:pPr marL="0" lvl="0" indent="0" algn="l" rtl="0">
                 <a:spcBef>
                   <a:spcPts val="0"/>
                 </a:spcBef>
@@ -6128,9 +6142,6 @@
                 </a:spcAft>
                 <a:buNone/>
               </a:pPr>
-              <a:r>
-                <a:t/>
-              </a:r>
               <a:endParaRPr/>
             </a:p>
           </p:txBody>
@@ -6139,7 +6150,9 @@
       <p:sp>
         <p:nvSpPr>
           <p:cNvPr id="52" name="Google Shape;52;p7"/>
-          <p:cNvSpPr txBox="1"/>
+          <p:cNvSpPr txBox="1">
+            <a:spLocks noGrp="1"/>
+          </p:cNvSpPr>
           <p:nvPr>
             <p:ph type="title"/>
           </p:nvPr>
@@ -6154,7 +6167,7 @@
           </a:prstGeom>
         </p:spPr>
         <p:txBody>
-          <a:bodyPr anchorCtr="0" anchor="t" bIns="91425" lIns="91425" spcFirstLastPara="1" rIns="91425" wrap="square" tIns="91425">
+          <a:bodyPr spcFirstLastPara="1" wrap="square" lIns="91425" tIns="91425" rIns="91425" bIns="91425" anchor="t" anchorCtr="0">
             <a:noAutofit/>
           </a:bodyPr>
           <a:lstStyle>
@@ -6321,15 +6334,19 @@
               </a:defRPr>
             </a:lvl9pPr>
           </a:lstStyle>
-          <a:p/>
+          <a:p>
+            <a:endParaRPr/>
+          </a:p>
         </p:txBody>
       </p:sp>
       <p:sp>
         <p:nvSpPr>
           <p:cNvPr id="53" name="Google Shape;53;p7"/>
-          <p:cNvSpPr txBox="1"/>
+          <p:cNvSpPr txBox="1">
+            <a:spLocks noGrp="1"/>
+          </p:cNvSpPr>
           <p:nvPr>
-            <p:ph idx="1" type="body"/>
+            <p:ph type="body" idx="1"/>
           </p:nvPr>
         </p:nvSpPr>
         <p:spPr>
@@ -6342,11 +6359,11 @@
           </a:prstGeom>
         </p:spPr>
         <p:txBody>
-          <a:bodyPr anchorCtr="0" anchor="t" bIns="91425" lIns="91425" spcFirstLastPara="1" rIns="91425" wrap="square" tIns="91425">
+          <a:bodyPr spcFirstLastPara="1" wrap="square" lIns="91425" tIns="91425" rIns="91425" bIns="91425" anchor="t" anchorCtr="0">
             <a:noAutofit/>
           </a:bodyPr>
           <a:lstStyle>
-            <a:lvl1pPr indent="-311150" lvl="0" marL="457200">
+            <a:lvl1pPr marL="457200" lvl="0" indent="-311150">
               <a:spcBef>
                 <a:spcPts val="0"/>
               </a:spcBef>
@@ -6357,7 +6374,7 @@
               <a:buChar char="●"/>
               <a:defRPr/>
             </a:lvl1pPr>
-            <a:lvl2pPr indent="-298450" lvl="1" marL="914400">
+            <a:lvl2pPr marL="914400" lvl="1" indent="-298450">
               <a:spcBef>
                 <a:spcPts val="1600"/>
               </a:spcBef>
@@ -6368,7 +6385,7 @@
               <a:buChar char="○"/>
               <a:defRPr/>
             </a:lvl2pPr>
-            <a:lvl3pPr indent="-298450" lvl="2" marL="1371600">
+            <a:lvl3pPr marL="1371600" lvl="2" indent="-298450">
               <a:spcBef>
                 <a:spcPts val="1600"/>
               </a:spcBef>
@@ -6379,7 +6396,7 @@
               <a:buChar char="■"/>
               <a:defRPr/>
             </a:lvl3pPr>
-            <a:lvl4pPr indent="-298450" lvl="3" marL="1828800">
+            <a:lvl4pPr marL="1828800" lvl="3" indent="-298450">
               <a:spcBef>
                 <a:spcPts val="1600"/>
               </a:spcBef>
@@ -6390,7 +6407,7 @@
               <a:buChar char="●"/>
               <a:defRPr/>
             </a:lvl4pPr>
-            <a:lvl5pPr indent="-298450" lvl="4" marL="2286000">
+            <a:lvl5pPr marL="2286000" lvl="4" indent="-298450">
               <a:spcBef>
                 <a:spcPts val="1600"/>
               </a:spcBef>
@@ -6401,7 +6418,7 @@
               <a:buChar char="○"/>
               <a:defRPr/>
             </a:lvl5pPr>
-            <a:lvl6pPr indent="-298450" lvl="5" marL="2743200">
+            <a:lvl6pPr marL="2743200" lvl="5" indent="-298450">
               <a:spcBef>
                 <a:spcPts val="1600"/>
               </a:spcBef>
@@ -6412,7 +6429,7 @@
               <a:buChar char="■"/>
               <a:defRPr/>
             </a:lvl6pPr>
-            <a:lvl7pPr indent="-298450" lvl="6" marL="3200400">
+            <a:lvl7pPr marL="3200400" lvl="6" indent="-298450">
               <a:spcBef>
                 <a:spcPts val="1600"/>
               </a:spcBef>
@@ -6423,7 +6440,7 @@
               <a:buChar char="●"/>
               <a:defRPr/>
             </a:lvl7pPr>
-            <a:lvl8pPr indent="-298450" lvl="7" marL="3657600">
+            <a:lvl8pPr marL="3657600" lvl="7" indent="-298450">
               <a:spcBef>
                 <a:spcPts val="1600"/>
               </a:spcBef>
@@ -6434,7 +6451,7 @@
               <a:buChar char="○"/>
               <a:defRPr/>
             </a:lvl8pPr>
-            <a:lvl9pPr indent="-298450" lvl="8" marL="4114800">
+            <a:lvl9pPr marL="4114800" lvl="8" indent="-298450">
               <a:spcBef>
                 <a:spcPts val="1600"/>
               </a:spcBef>
@@ -6446,15 +6463,19 @@
               <a:defRPr/>
             </a:lvl9pPr>
           </a:lstStyle>
-          <a:p/>
+          <a:p>
+            <a:endParaRPr/>
+          </a:p>
         </p:txBody>
       </p:sp>
       <p:sp>
         <p:nvSpPr>
           <p:cNvPr id="54" name="Google Shape;54;p7"/>
-          <p:cNvSpPr txBox="1"/>
+          <p:cNvSpPr txBox="1">
+            <a:spLocks noGrp="1"/>
+          </p:cNvSpPr>
           <p:nvPr>
-            <p:ph idx="12" type="sldNum"/>
+            <p:ph type="sldNum" idx="12"/>
           </p:nvPr>
         </p:nvSpPr>
         <p:spPr>
@@ -6467,7 +6488,7 @@
           </a:prstGeom>
         </p:spPr>
         <p:txBody>
-          <a:bodyPr anchorCtr="0" anchor="ctr" bIns="91425" lIns="91425" spcFirstLastPara="1" rIns="91425" wrap="square" tIns="91425">
+          <a:bodyPr spcFirstLastPara="1" wrap="square" lIns="91425" tIns="91425" rIns="91425" bIns="91425" anchor="ctr" anchorCtr="0">
             <a:noAutofit/>
           </a:bodyPr>
           <a:lstStyle>
@@ -6509,7 +6530,7 @@
             </a:lvl9pPr>
           </a:lstStyle>
           <a:p>
-            <a:pPr indent="0" lvl="0" marL="0" rtl="0" algn="r">
+            <a:pPr marL="0" lvl="0" indent="0" algn="r" rtl="0">
               <a:spcBef>
                 <a:spcPts val="0"/>
               </a:spcBef>
@@ -6535,18 +6556,19 @@
 </file>
 
 <file path=ppt/slideLayouts/slideLayout7.xml><?xml version="1.0" encoding="utf-8"?>
-<p:sldLayout xmlns:a="http://schemas.openxmlformats.org/drawingml/2006/main" xmlns:r="http://schemas.openxmlformats.org/officeDocument/2006/relationships" xmlns:mc="http://schemas.openxmlformats.org/markup-compatibility/2006" xmlns:mv="urn:schemas-microsoft-com:mac:vml" xmlns:p="http://schemas.openxmlformats.org/presentationml/2006/main" xmlns:c="http://schemas.openxmlformats.org/drawingml/2006/chart" xmlns:dgm="http://schemas.openxmlformats.org/drawingml/2006/diagram" xmlns:o="urn:schemas-microsoft-com:office:office" xmlns:v="urn:schemas-microsoft-com:vml" xmlns:pvml="urn:schemas-microsoft-com:office:powerpoint" xmlns:com="http://schemas.openxmlformats.org/drawingml/2006/compatibility" xmlns:p14="http://schemas.microsoft.com/office/powerpoint/2010/main" xmlns:p15="http://schemas.microsoft.com/office/powerpoint/2012/main" matchingName="Main point">
+<p:sldLayout xmlns:a="http://schemas.openxmlformats.org/drawingml/2006/main" xmlns:r="http://schemas.openxmlformats.org/officeDocument/2006/relationships" xmlns:p="http://schemas.openxmlformats.org/presentationml/2006/main" matchingName="Main point">
   <p:cSld name="MAIN_POINT">
     <p:bg>
       <p:bgPr>
         <a:solidFill>
           <a:schemeClr val="accent3"/>
         </a:solidFill>
+        <a:effectLst/>
       </p:bgPr>
     </p:bg>
     <p:spTree>
       <p:nvGrpSpPr>
-        <p:cNvPr id="55" name="Shape 55"/>
+        <p:cNvPr id="1" name="Shape 55"/>
         <p:cNvGrpSpPr/>
         <p:nvPr/>
       </p:nvGrpSpPr>
@@ -6594,12 +6616,12 @@
             </a:ln>
           </p:spPr>
           <p:txBody>
-            <a:bodyPr anchorCtr="0" anchor="ctr" bIns="91425" lIns="91425" spcFirstLastPara="1" rIns="91425" wrap="square" tIns="91425">
+            <a:bodyPr spcFirstLastPara="1" wrap="square" lIns="91425" tIns="91425" rIns="91425" bIns="91425" anchor="ctr" anchorCtr="0">
               <a:noAutofit/>
             </a:bodyPr>
             <a:lstStyle/>
             <a:p>
-              <a:pPr indent="0" lvl="0" marL="0" rtl="0" algn="l">
+              <a:pPr marL="0" lvl="0" indent="0" algn="l" rtl="0">
                 <a:spcBef>
                   <a:spcPts val="0"/>
                 </a:spcBef>
@@ -6608,9 +6630,6 @@
                 </a:spcAft>
                 <a:buNone/>
               </a:pPr>
-              <a:r>
-                <a:t/>
-              </a:r>
               <a:endParaRPr/>
             </a:p>
           </p:txBody>
@@ -6637,12 +6656,12 @@
             </a:ln>
           </p:spPr>
           <p:txBody>
-            <a:bodyPr anchorCtr="0" anchor="ctr" bIns="91425" lIns="91425" spcFirstLastPara="1" rIns="91425" wrap="square" tIns="91425">
+            <a:bodyPr spcFirstLastPara="1" wrap="square" lIns="91425" tIns="91425" rIns="91425" bIns="91425" anchor="ctr" anchorCtr="0">
               <a:noAutofit/>
             </a:bodyPr>
             <a:lstStyle/>
             <a:p>
-              <a:pPr indent="0" lvl="0" marL="0" rtl="0" algn="l">
+              <a:pPr marL="0" lvl="0" indent="0" algn="l" rtl="0">
                 <a:spcBef>
                   <a:spcPts val="0"/>
                 </a:spcBef>
@@ -6651,9 +6670,6 @@
                 </a:spcAft>
                 <a:buNone/>
               </a:pPr>
-              <a:r>
-                <a:t/>
-              </a:r>
               <a:endParaRPr/>
             </a:p>
           </p:txBody>
@@ -6662,7 +6678,9 @@
       <p:sp>
         <p:nvSpPr>
           <p:cNvPr id="59" name="Google Shape;59;p8"/>
-          <p:cNvSpPr txBox="1"/>
+          <p:cNvSpPr txBox="1">
+            <a:spLocks noGrp="1"/>
+          </p:cNvSpPr>
           <p:nvPr>
             <p:ph type="title"/>
           </p:nvPr>
@@ -6677,7 +6695,7 @@
           </a:prstGeom>
         </p:spPr>
         <p:txBody>
-          <a:bodyPr anchorCtr="0" anchor="ctr" bIns="91425" lIns="91425" spcFirstLastPara="1" rIns="91425" wrap="square" tIns="91425">
+          <a:bodyPr spcFirstLastPara="1" wrap="square" lIns="91425" tIns="91425" rIns="91425" bIns="91425" anchor="ctr" anchorCtr="0">
             <a:noAutofit/>
           </a:bodyPr>
           <a:lstStyle>
@@ -6844,15 +6862,19 @@
               </a:defRPr>
             </a:lvl9pPr>
           </a:lstStyle>
-          <a:p/>
+          <a:p>
+            <a:endParaRPr/>
+          </a:p>
         </p:txBody>
       </p:sp>
       <p:sp>
         <p:nvSpPr>
           <p:cNvPr id="60" name="Google Shape;60;p8"/>
-          <p:cNvSpPr txBox="1"/>
+          <p:cNvSpPr txBox="1">
+            <a:spLocks noGrp="1"/>
+          </p:cNvSpPr>
           <p:nvPr>
-            <p:ph idx="12" type="sldNum"/>
+            <p:ph type="sldNum" idx="12"/>
           </p:nvPr>
         </p:nvSpPr>
         <p:spPr>
@@ -6865,7 +6887,7 @@
           </a:prstGeom>
         </p:spPr>
         <p:txBody>
-          <a:bodyPr anchorCtr="0" anchor="ctr" bIns="91425" lIns="91425" spcFirstLastPara="1" rIns="91425" wrap="square" tIns="91425">
+          <a:bodyPr spcFirstLastPara="1" wrap="square" lIns="91425" tIns="91425" rIns="91425" bIns="91425" anchor="ctr" anchorCtr="0">
             <a:noAutofit/>
           </a:bodyPr>
           <a:lstStyle>
@@ -6943,7 +6965,7 @@
             </a:lvl9pPr>
           </a:lstStyle>
           <a:p>
-            <a:pPr indent="0" lvl="0" marL="0" rtl="0" algn="r">
+            <a:pPr marL="0" lvl="0" indent="0" algn="r" rtl="0">
               <a:spcBef>
                 <a:spcPts val="0"/>
               </a:spcBef>
@@ -6969,11 +6991,11 @@
 </file>
 
 <file path=ppt/slideLayouts/slideLayout8.xml><?xml version="1.0" encoding="utf-8"?>
-<p:sldLayout xmlns:a="http://schemas.openxmlformats.org/drawingml/2006/main" xmlns:r="http://schemas.openxmlformats.org/officeDocument/2006/relationships" xmlns:mc="http://schemas.openxmlformats.org/markup-compatibility/2006" xmlns:mv="urn:schemas-microsoft-com:mac:vml" xmlns:p="http://schemas.openxmlformats.org/presentationml/2006/main" xmlns:c="http://schemas.openxmlformats.org/drawingml/2006/chart" xmlns:dgm="http://schemas.openxmlformats.org/drawingml/2006/diagram" xmlns:o="urn:schemas-microsoft-com:office:office" xmlns:v="urn:schemas-microsoft-com:vml" xmlns:pvml="urn:schemas-microsoft-com:office:powerpoint" xmlns:com="http://schemas.openxmlformats.org/drawingml/2006/compatibility" xmlns:p14="http://schemas.microsoft.com/office/powerpoint/2010/main" xmlns:p15="http://schemas.microsoft.com/office/powerpoint/2012/main" matchingName="Section title and description">
+<p:sldLayout xmlns:a="http://schemas.openxmlformats.org/drawingml/2006/main" xmlns:r="http://schemas.openxmlformats.org/officeDocument/2006/relationships" xmlns:p="http://schemas.openxmlformats.org/presentationml/2006/main" matchingName="Section title and description">
   <p:cSld name="SECTION_TITLE_AND_DESCRIPTION">
     <p:spTree>
       <p:nvGrpSpPr>
-        <p:cNvPr id="61" name="Shape 61"/>
+        <p:cNvPr id="1" name="Shape 61"/>
         <p:cNvGrpSpPr/>
         <p:nvPr/>
       </p:nvGrpSpPr>
@@ -7007,23 +7029,20 @@
           </a:ln>
         </p:spPr>
         <p:txBody>
-          <a:bodyPr anchorCtr="0" anchor="ctr" bIns="91425" lIns="91425" spcFirstLastPara="1" rIns="91425" wrap="square" tIns="91425">
+          <a:bodyPr spcFirstLastPara="1" wrap="square" lIns="91425" tIns="91425" rIns="91425" bIns="91425" anchor="ctr" anchorCtr="0">
             <a:noAutofit/>
           </a:bodyPr>
           <a:lstStyle/>
           <a:p>
-            <a:pPr indent="0" lvl="0" marL="0" rtl="0" algn="l">
-              <a:spcBef>
-                <a:spcPts val="0"/>
-              </a:spcBef>
-              <a:spcAft>
-                <a:spcPts val="0"/>
-              </a:spcAft>
-              <a:buNone/>
-            </a:pPr>
-            <a:r>
-              <a:t/>
-            </a:r>
+            <a:pPr marL="0" lvl="0" indent="0" algn="l" rtl="0">
+              <a:spcBef>
+                <a:spcPts val="0"/>
+              </a:spcBef>
+              <a:spcAft>
+                <a:spcPts val="0"/>
+              </a:spcAft>
+              <a:buNone/>
+            </a:pPr>
             <a:endParaRPr/>
           </a:p>
         </p:txBody>
@@ -7064,12 +7083,12 @@
             </a:ln>
           </p:spPr>
           <p:txBody>
-            <a:bodyPr anchorCtr="0" anchor="ctr" bIns="91425" lIns="91425" spcFirstLastPara="1" rIns="91425" wrap="square" tIns="91425">
+            <a:bodyPr spcFirstLastPara="1" wrap="square" lIns="91425" tIns="91425" rIns="91425" bIns="91425" anchor="ctr" anchorCtr="0">
               <a:noAutofit/>
             </a:bodyPr>
             <a:lstStyle/>
             <a:p>
-              <a:pPr indent="0" lvl="0" marL="0" rtl="0" algn="l">
+              <a:pPr marL="0" lvl="0" indent="0" algn="l" rtl="0">
                 <a:spcBef>
                   <a:spcPts val="0"/>
                 </a:spcBef>
@@ -7078,9 +7097,6 @@
                 </a:spcAft>
                 <a:buNone/>
               </a:pPr>
-              <a:r>
-                <a:t/>
-              </a:r>
               <a:endParaRPr/>
             </a:p>
           </p:txBody>
@@ -7107,12 +7123,12 @@
             </a:ln>
           </p:spPr>
           <p:txBody>
-            <a:bodyPr anchorCtr="0" anchor="ctr" bIns="91425" lIns="91425" spcFirstLastPara="1" rIns="91425" wrap="square" tIns="91425">
+            <a:bodyPr spcFirstLastPara="1" wrap="square" lIns="91425" tIns="91425" rIns="91425" bIns="91425" anchor="ctr" anchorCtr="0">
               <a:noAutofit/>
             </a:bodyPr>
             <a:lstStyle/>
             <a:p>
-              <a:pPr indent="0" lvl="0" marL="0" rtl="0" algn="l">
+              <a:pPr marL="0" lvl="0" indent="0" algn="l" rtl="0">
                 <a:spcBef>
                   <a:spcPts val="0"/>
                 </a:spcBef>
@@ -7121,9 +7137,6 @@
                 </a:spcAft>
                 <a:buNone/>
               </a:pPr>
-              <a:r>
-                <a:t/>
-              </a:r>
               <a:endParaRPr/>
             </a:p>
           </p:txBody>
@@ -7132,7 +7145,9 @@
       <p:sp>
         <p:nvSpPr>
           <p:cNvPr id="66" name="Google Shape;66;p9"/>
-          <p:cNvSpPr txBox="1"/>
+          <p:cNvSpPr txBox="1">
+            <a:spLocks noGrp="1"/>
+          </p:cNvSpPr>
           <p:nvPr>
             <p:ph type="title"/>
           </p:nvPr>
@@ -7147,7 +7162,7 @@
           </a:prstGeom>
         </p:spPr>
         <p:txBody>
-          <a:bodyPr anchorCtr="0" anchor="t" bIns="91425" lIns="91425" spcFirstLastPara="1" rIns="91425" wrap="square" tIns="91425">
+          <a:bodyPr spcFirstLastPara="1" wrap="square" lIns="91425" tIns="91425" rIns="91425" bIns="91425" anchor="t" anchorCtr="0">
             <a:noAutofit/>
           </a:bodyPr>
           <a:lstStyle>
@@ -7314,15 +7329,19 @@
               </a:defRPr>
             </a:lvl9pPr>
           </a:lstStyle>
-          <a:p/>
+          <a:p>
+            <a:endParaRPr/>
+          </a:p>
         </p:txBody>
       </p:sp>
       <p:sp>
         <p:nvSpPr>
           <p:cNvPr id="67" name="Google Shape;67;p9"/>
-          <p:cNvSpPr txBox="1"/>
+          <p:cNvSpPr txBox="1">
+            <a:spLocks noGrp="1"/>
+          </p:cNvSpPr>
           <p:nvPr>
-            <p:ph idx="1" type="subTitle"/>
+            <p:ph type="subTitle" idx="1"/>
           </p:nvPr>
         </p:nvSpPr>
         <p:spPr>
@@ -7335,7 +7354,7 @@
           </a:prstGeom>
         </p:spPr>
         <p:txBody>
-          <a:bodyPr anchorCtr="0" anchor="t" bIns="91425" lIns="91425" spcFirstLastPara="1" rIns="91425" wrap="square" tIns="91425">
+          <a:bodyPr spcFirstLastPara="1" wrap="square" lIns="91425" tIns="91425" rIns="91425" bIns="91425" anchor="t" anchorCtr="0">
             <a:noAutofit/>
           </a:bodyPr>
           <a:lstStyle>
@@ -7466,15 +7485,19 @@
               <a:defRPr sz="1600"/>
             </a:lvl9pPr>
           </a:lstStyle>
-          <a:p/>
+          <a:p>
+            <a:endParaRPr/>
+          </a:p>
         </p:txBody>
       </p:sp>
       <p:sp>
         <p:nvSpPr>
           <p:cNvPr id="68" name="Google Shape;68;p9"/>
-          <p:cNvSpPr txBox="1"/>
+          <p:cNvSpPr txBox="1">
+            <a:spLocks noGrp="1"/>
+          </p:cNvSpPr>
           <p:nvPr>
-            <p:ph idx="2" type="body"/>
+            <p:ph type="body" idx="2"/>
           </p:nvPr>
         </p:nvSpPr>
         <p:spPr>
@@ -7487,11 +7510,11 @@
           </a:prstGeom>
         </p:spPr>
         <p:txBody>
-          <a:bodyPr anchorCtr="0" anchor="t" bIns="91425" lIns="91425" spcFirstLastPara="1" rIns="91425" wrap="square" tIns="91425">
+          <a:bodyPr spcFirstLastPara="1" wrap="square" lIns="91425" tIns="91425" rIns="91425" bIns="91425" anchor="t" anchorCtr="0">
             <a:noAutofit/>
           </a:bodyPr>
           <a:lstStyle>
-            <a:lvl1pPr indent="-311150" lvl="0" marL="457200">
+            <a:lvl1pPr marL="457200" lvl="0" indent="-311150">
               <a:spcBef>
                 <a:spcPts val="0"/>
               </a:spcBef>
@@ -7502,7 +7525,7 @@
               <a:buChar char="●"/>
               <a:defRPr/>
             </a:lvl1pPr>
-            <a:lvl2pPr indent="-298450" lvl="1" marL="914400">
+            <a:lvl2pPr marL="914400" lvl="1" indent="-298450">
               <a:spcBef>
                 <a:spcPts val="1600"/>
               </a:spcBef>
@@ -7513,7 +7536,7 @@
               <a:buChar char="○"/>
               <a:defRPr/>
             </a:lvl2pPr>
-            <a:lvl3pPr indent="-298450" lvl="2" marL="1371600">
+            <a:lvl3pPr marL="1371600" lvl="2" indent="-298450">
               <a:spcBef>
                 <a:spcPts val="1600"/>
               </a:spcBef>
@@ -7524,7 +7547,7 @@
               <a:buChar char="■"/>
               <a:defRPr/>
             </a:lvl3pPr>
-            <a:lvl4pPr indent="-298450" lvl="3" marL="1828800">
+            <a:lvl4pPr marL="1828800" lvl="3" indent="-298450">
               <a:spcBef>
                 <a:spcPts val="1600"/>
               </a:spcBef>
@@ -7535,7 +7558,7 @@
               <a:buChar char="●"/>
               <a:defRPr/>
             </a:lvl4pPr>
-            <a:lvl5pPr indent="-298450" lvl="4" marL="2286000">
+            <a:lvl5pPr marL="2286000" lvl="4" indent="-298450">
               <a:spcBef>
                 <a:spcPts val="1600"/>
               </a:spcBef>
@@ -7546,7 +7569,7 @@
               <a:buChar char="○"/>
               <a:defRPr/>
             </a:lvl5pPr>
-            <a:lvl6pPr indent="-298450" lvl="5" marL="2743200">
+            <a:lvl6pPr marL="2743200" lvl="5" indent="-298450">
               <a:spcBef>
                 <a:spcPts val="1600"/>
               </a:spcBef>
@@ -7557,7 +7580,7 @@
               <a:buChar char="■"/>
               <a:defRPr/>
             </a:lvl6pPr>
-            <a:lvl7pPr indent="-298450" lvl="6" marL="3200400">
+            <a:lvl7pPr marL="3200400" lvl="6" indent="-298450">
               <a:spcBef>
                 <a:spcPts val="1600"/>
               </a:spcBef>
@@ -7568,7 +7591,7 @@
               <a:buChar char="●"/>
               <a:defRPr/>
             </a:lvl7pPr>
-            <a:lvl8pPr indent="-298450" lvl="7" marL="3657600">
+            <a:lvl8pPr marL="3657600" lvl="7" indent="-298450">
               <a:spcBef>
                 <a:spcPts val="1600"/>
               </a:spcBef>
@@ -7579,7 +7602,7 @@
               <a:buChar char="○"/>
               <a:defRPr/>
             </a:lvl8pPr>
-            <a:lvl9pPr indent="-298450" lvl="8" marL="4114800">
+            <a:lvl9pPr marL="4114800" lvl="8" indent="-298450">
               <a:spcBef>
                 <a:spcPts val="1600"/>
               </a:spcBef>
@@ -7591,15 +7614,19 @@
               <a:defRPr/>
             </a:lvl9pPr>
           </a:lstStyle>
-          <a:p/>
+          <a:p>
+            <a:endParaRPr/>
+          </a:p>
         </p:txBody>
       </p:sp>
       <p:sp>
         <p:nvSpPr>
           <p:cNvPr id="69" name="Google Shape;69;p9"/>
-          <p:cNvSpPr txBox="1"/>
+          <p:cNvSpPr txBox="1">
+            <a:spLocks noGrp="1"/>
+          </p:cNvSpPr>
           <p:nvPr>
-            <p:ph idx="12" type="sldNum"/>
+            <p:ph type="sldNum" idx="12"/>
           </p:nvPr>
         </p:nvSpPr>
         <p:spPr>
@@ -7612,7 +7639,7 @@
           </a:prstGeom>
         </p:spPr>
         <p:txBody>
-          <a:bodyPr anchorCtr="0" anchor="ctr" bIns="91425" lIns="91425" spcFirstLastPara="1" rIns="91425" wrap="square" tIns="91425">
+          <a:bodyPr spcFirstLastPara="1" wrap="square" lIns="91425" tIns="91425" rIns="91425" bIns="91425" anchor="ctr" anchorCtr="0">
             <a:noAutofit/>
           </a:bodyPr>
           <a:lstStyle>
@@ -7654,7 +7681,7 @@
             </a:lvl9pPr>
           </a:lstStyle>
           <a:p>
-            <a:pPr indent="0" lvl="0" marL="0" rtl="0" algn="r">
+            <a:pPr marL="0" lvl="0" indent="0" algn="r" rtl="0">
               <a:spcBef>
                 <a:spcPts val="0"/>
               </a:spcBef>
@@ -7680,11 +7707,11 @@
 </file>
 
 <file path=ppt/slideLayouts/slideLayout9.xml><?xml version="1.0" encoding="utf-8"?>
-<p:sldLayout xmlns:a="http://schemas.openxmlformats.org/drawingml/2006/main" xmlns:r="http://schemas.openxmlformats.org/officeDocument/2006/relationships" xmlns:mc="http://schemas.openxmlformats.org/markup-compatibility/2006" xmlns:mv="urn:schemas-microsoft-com:mac:vml" xmlns:p="http://schemas.openxmlformats.org/presentationml/2006/main" xmlns:c="http://schemas.openxmlformats.org/drawingml/2006/chart" xmlns:dgm="http://schemas.openxmlformats.org/drawingml/2006/diagram" xmlns:o="urn:schemas-microsoft-com:office:office" xmlns:v="urn:schemas-microsoft-com:vml" xmlns:pvml="urn:schemas-microsoft-com:office:powerpoint" xmlns:com="http://schemas.openxmlformats.org/drawingml/2006/compatibility" xmlns:p14="http://schemas.microsoft.com/office/powerpoint/2010/main" xmlns:p15="http://schemas.microsoft.com/office/powerpoint/2012/main" matchingName="Caption">
+<p:sldLayout xmlns:a="http://schemas.openxmlformats.org/drawingml/2006/main" xmlns:r="http://schemas.openxmlformats.org/officeDocument/2006/relationships" xmlns:p="http://schemas.openxmlformats.org/presentationml/2006/main" matchingName="Caption">
   <p:cSld name="CAPTION_ONLY">
     <p:spTree>
       <p:nvGrpSpPr>
-        <p:cNvPr id="70" name="Shape 70"/>
+        <p:cNvPr id="1" name="Shape 70"/>
         <p:cNvGrpSpPr/>
         <p:nvPr/>
       </p:nvGrpSpPr>
@@ -7699,9 +7726,11 @@
       <p:sp>
         <p:nvSpPr>
           <p:cNvPr id="71" name="Google Shape;71;p10"/>
-          <p:cNvSpPr txBox="1"/>
+          <p:cNvSpPr txBox="1">
+            <a:spLocks noGrp="1"/>
+          </p:cNvSpPr>
           <p:nvPr>
-            <p:ph idx="1" type="body"/>
+            <p:ph type="body" idx="1"/>
           </p:nvPr>
         </p:nvSpPr>
         <p:spPr>
@@ -7714,11 +7743,11 @@
           </a:prstGeom>
         </p:spPr>
         <p:txBody>
-          <a:bodyPr anchorCtr="0" anchor="ctr" bIns="91425" lIns="91425" spcFirstLastPara="1" rIns="91425" wrap="square" tIns="91425">
+          <a:bodyPr spcFirstLastPara="1" wrap="square" lIns="91425" tIns="91425" rIns="91425" bIns="91425" anchor="ctr" anchorCtr="0">
             <a:noAutofit/>
           </a:bodyPr>
           <a:lstStyle>
-            <a:lvl1pPr indent="-228600" lvl="0" marL="457200">
+            <a:lvl1pPr marL="457200" lvl="0" indent="-228600">
               <a:lnSpc>
                 <a:spcPct val="100000"/>
               </a:lnSpc>
@@ -7733,15 +7762,19 @@
               <a:defRPr/>
             </a:lvl1pPr>
           </a:lstStyle>
-          <a:p/>
+          <a:p>
+            <a:endParaRPr/>
+          </a:p>
         </p:txBody>
       </p:sp>
       <p:sp>
         <p:nvSpPr>
           <p:cNvPr id="72" name="Google Shape;72;p10"/>
-          <p:cNvSpPr txBox="1"/>
+          <p:cNvSpPr txBox="1">
+            <a:spLocks noGrp="1"/>
+          </p:cNvSpPr>
           <p:nvPr>
-            <p:ph idx="12" type="sldNum"/>
+            <p:ph type="sldNum" idx="12"/>
           </p:nvPr>
         </p:nvSpPr>
         <p:spPr>
@@ -7754,7 +7787,7 @@
           </a:prstGeom>
         </p:spPr>
         <p:txBody>
-          <a:bodyPr anchorCtr="0" anchor="ctr" bIns="91425" lIns="91425" spcFirstLastPara="1" rIns="91425" wrap="square" tIns="91425">
+          <a:bodyPr spcFirstLastPara="1" wrap="square" lIns="91425" tIns="91425" rIns="91425" bIns="91425" anchor="ctr" anchorCtr="0">
             <a:noAutofit/>
           </a:bodyPr>
           <a:lstStyle>
@@ -7796,7 +7829,7 @@
             </a:lvl9pPr>
           </a:lstStyle>
           <a:p>
-            <a:pPr indent="0" lvl="0" marL="0" rtl="0" algn="r">
+            <a:pPr marL="0" lvl="0" indent="0" algn="r" rtl="0">
               <a:spcBef>
                 <a:spcPts val="0"/>
               </a:spcBef>
@@ -7822,18 +7855,19 @@
 </file>
 
 <file path=ppt/slideMasters/slideMaster1.xml><?xml version="1.0" encoding="utf-8"?>
-<p:sldMaster xmlns:a="http://schemas.openxmlformats.org/drawingml/2006/main" xmlns:r="http://schemas.openxmlformats.org/officeDocument/2006/relationships" xmlns:mc="http://schemas.openxmlformats.org/markup-compatibility/2006" xmlns:mv="urn:schemas-microsoft-com:mac:vml" xmlns:p="http://schemas.openxmlformats.org/presentationml/2006/main" xmlns:c="http://schemas.openxmlformats.org/drawingml/2006/chart" xmlns:dgm="http://schemas.openxmlformats.org/drawingml/2006/diagram" xmlns:o="urn:schemas-microsoft-com:office:office" xmlns:v="urn:schemas-microsoft-com:vml" xmlns:pvml="urn:schemas-microsoft-com:office:powerpoint" xmlns:com="http://schemas.openxmlformats.org/drawingml/2006/compatibility" xmlns:p14="http://schemas.microsoft.com/office/powerpoint/2010/main" xmlns:p15="http://schemas.microsoft.com/office/powerpoint/2012/main">
+<p:sldMaster xmlns:a="http://schemas.openxmlformats.org/drawingml/2006/main" xmlns:r="http://schemas.openxmlformats.org/officeDocument/2006/relationships" xmlns:p="http://schemas.openxmlformats.org/presentationml/2006/main">
   <p:cSld name="streamline">
     <p:bg>
       <p:bgPr>
         <a:solidFill>
           <a:schemeClr val="lt1"/>
         </a:solidFill>
+        <a:effectLst/>
       </p:bgPr>
     </p:bg>
     <p:spTree>
       <p:nvGrpSpPr>
-        <p:cNvPr id="5" name="Shape 5"/>
+        <p:cNvPr id="1" name="Shape 5"/>
         <p:cNvGrpSpPr/>
         <p:nvPr/>
       </p:nvGrpSpPr>
@@ -7848,7 +7882,9 @@
       <p:sp>
         <p:nvSpPr>
           <p:cNvPr id="6" name="Google Shape;6;p1"/>
-          <p:cNvSpPr txBox="1"/>
+          <p:cNvSpPr txBox="1">
+            <a:spLocks noGrp="1"/>
+          </p:cNvSpPr>
           <p:nvPr>
             <p:ph type="title"/>
           </p:nvPr>
@@ -7867,7 +7903,7 @@
           </a:ln>
         </p:spPr>
         <p:txBody>
-          <a:bodyPr anchorCtr="0" anchor="t" bIns="91425" lIns="91425" spcFirstLastPara="1" rIns="91425" wrap="square" tIns="91425">
+          <a:bodyPr spcFirstLastPara="1" wrap="square" lIns="91425" tIns="91425" rIns="91425" bIns="91425" anchor="t" anchorCtr="0">
             <a:noAutofit/>
           </a:bodyPr>
           <a:lstStyle>
@@ -7881,7 +7917,7 @@
               <a:buSzPts val="2800"/>
               <a:buFont typeface="Raleway"/>
               <a:buNone/>
-              <a:defRPr b="1" sz="2800">
+              <a:defRPr sz="2800" b="1">
                 <a:latin typeface="Raleway"/>
                 <a:ea typeface="Raleway"/>
                 <a:cs typeface="Raleway"/>
@@ -7898,7 +7934,7 @@
               <a:buSzPts val="2800"/>
               <a:buFont typeface="Raleway"/>
               <a:buNone/>
-              <a:defRPr b="1" sz="2800">
+              <a:defRPr sz="2800" b="1">
                 <a:latin typeface="Raleway"/>
                 <a:ea typeface="Raleway"/>
                 <a:cs typeface="Raleway"/>
@@ -7915,7 +7951,7 @@
               <a:buSzPts val="2800"/>
               <a:buFont typeface="Raleway"/>
               <a:buNone/>
-              <a:defRPr b="1" sz="2800">
+              <a:defRPr sz="2800" b="1">
                 <a:latin typeface="Raleway"/>
                 <a:ea typeface="Raleway"/>
                 <a:cs typeface="Raleway"/>
@@ -7932,7 +7968,7 @@
               <a:buSzPts val="2800"/>
               <a:buFont typeface="Raleway"/>
               <a:buNone/>
-              <a:defRPr b="1" sz="2800">
+              <a:defRPr sz="2800" b="1">
                 <a:latin typeface="Raleway"/>
                 <a:ea typeface="Raleway"/>
                 <a:cs typeface="Raleway"/>
@@ -7949,7 +7985,7 @@
               <a:buSzPts val="2800"/>
               <a:buFont typeface="Raleway"/>
               <a:buNone/>
-              <a:defRPr b="1" sz="2800">
+              <a:defRPr sz="2800" b="1">
                 <a:latin typeface="Raleway"/>
                 <a:ea typeface="Raleway"/>
                 <a:cs typeface="Raleway"/>
@@ -7966,7 +8002,7 @@
               <a:buSzPts val="2800"/>
               <a:buFont typeface="Raleway"/>
               <a:buNone/>
-              <a:defRPr b="1" sz="2800">
+              <a:defRPr sz="2800" b="1">
                 <a:latin typeface="Raleway"/>
                 <a:ea typeface="Raleway"/>
                 <a:cs typeface="Raleway"/>
@@ -7983,7 +8019,7 @@
               <a:buSzPts val="2800"/>
               <a:buFont typeface="Raleway"/>
               <a:buNone/>
-              <a:defRPr b="1" sz="2800">
+              <a:defRPr sz="2800" b="1">
                 <a:latin typeface="Raleway"/>
                 <a:ea typeface="Raleway"/>
                 <a:cs typeface="Raleway"/>
@@ -8000,7 +8036,7 @@
               <a:buSzPts val="2800"/>
               <a:buFont typeface="Raleway"/>
               <a:buNone/>
-              <a:defRPr b="1" sz="2800">
+              <a:defRPr sz="2800" b="1">
                 <a:latin typeface="Raleway"/>
                 <a:ea typeface="Raleway"/>
                 <a:cs typeface="Raleway"/>
@@ -8017,7 +8053,7 @@
               <a:buSzPts val="2800"/>
               <a:buFont typeface="Raleway"/>
               <a:buNone/>
-              <a:defRPr b="1" sz="2800">
+              <a:defRPr sz="2800" b="1">
                 <a:latin typeface="Raleway"/>
                 <a:ea typeface="Raleway"/>
                 <a:cs typeface="Raleway"/>
@@ -8025,15 +8061,19 @@
               </a:defRPr>
             </a:lvl9pPr>
           </a:lstStyle>
-          <a:p/>
+          <a:p>
+            <a:endParaRPr/>
+          </a:p>
         </p:txBody>
       </p:sp>
       <p:sp>
         <p:nvSpPr>
           <p:cNvPr id="7" name="Google Shape;7;p1"/>
-          <p:cNvSpPr txBox="1"/>
+          <p:cNvSpPr txBox="1">
+            <a:spLocks noGrp="1"/>
+          </p:cNvSpPr>
           <p:nvPr>
-            <p:ph idx="1" type="body"/>
+            <p:ph type="body" idx="1"/>
           </p:nvPr>
         </p:nvSpPr>
         <p:spPr>
@@ -8050,11 +8090,11 @@
           </a:ln>
         </p:spPr>
         <p:txBody>
-          <a:bodyPr anchorCtr="0" anchor="t" bIns="91425" lIns="91425" spcFirstLastPara="1" rIns="91425" wrap="square" tIns="91425">
+          <a:bodyPr spcFirstLastPara="1" wrap="square" lIns="91425" tIns="91425" rIns="91425" bIns="91425" anchor="t" anchorCtr="0">
             <a:noAutofit/>
           </a:bodyPr>
           <a:lstStyle>
-            <a:lvl1pPr indent="-311150" lvl="0" marL="457200">
+            <a:lvl1pPr marL="457200" lvl="0" indent="-311150">
               <a:lnSpc>
                 <a:spcPct val="115000"/>
               </a:lnSpc>
@@ -8080,7 +8120,7 @@
                 <a:sym typeface="Lato"/>
               </a:defRPr>
             </a:lvl1pPr>
-            <a:lvl2pPr indent="-298450" lvl="1" marL="914400">
+            <a:lvl2pPr marL="914400" lvl="1" indent="-298450">
               <a:lnSpc>
                 <a:spcPct val="115000"/>
               </a:lnSpc>
@@ -8106,7 +8146,7 @@
                 <a:sym typeface="Lato"/>
               </a:defRPr>
             </a:lvl2pPr>
-            <a:lvl3pPr indent="-298450" lvl="2" marL="1371600">
+            <a:lvl3pPr marL="1371600" lvl="2" indent="-298450">
               <a:lnSpc>
                 <a:spcPct val="115000"/>
               </a:lnSpc>
@@ -8132,7 +8172,7 @@
                 <a:sym typeface="Lato"/>
               </a:defRPr>
             </a:lvl3pPr>
-            <a:lvl4pPr indent="-298450" lvl="3" marL="1828800">
+            <a:lvl4pPr marL="1828800" lvl="3" indent="-298450">
               <a:lnSpc>
                 <a:spcPct val="115000"/>
               </a:lnSpc>
@@ -8158,7 +8198,7 @@
                 <a:sym typeface="Lato"/>
               </a:defRPr>
             </a:lvl4pPr>
-            <a:lvl5pPr indent="-298450" lvl="4" marL="2286000">
+            <a:lvl5pPr marL="2286000" lvl="4" indent="-298450">
               <a:lnSpc>
                 <a:spcPct val="115000"/>
               </a:lnSpc>
@@ -8184,7 +8224,7 @@
                 <a:sym typeface="Lato"/>
               </a:defRPr>
             </a:lvl5pPr>
-            <a:lvl6pPr indent="-298450" lvl="5" marL="2743200">
+            <a:lvl6pPr marL="2743200" lvl="5" indent="-298450">
               <a:lnSpc>
                 <a:spcPct val="115000"/>
               </a:lnSpc>
@@ -8210,7 +8250,7 @@
                 <a:sym typeface="Lato"/>
               </a:defRPr>
             </a:lvl6pPr>
-            <a:lvl7pPr indent="-298450" lvl="6" marL="3200400">
+            <a:lvl7pPr marL="3200400" lvl="6" indent="-298450">
               <a:lnSpc>
                 <a:spcPct val="115000"/>
               </a:lnSpc>
@@ -8236,7 +8276,7 @@
                 <a:sym typeface="Lato"/>
               </a:defRPr>
             </a:lvl7pPr>
-            <a:lvl8pPr indent="-298450" lvl="7" marL="3657600">
+            <a:lvl8pPr marL="3657600" lvl="7" indent="-298450">
               <a:lnSpc>
                 <a:spcPct val="115000"/>
               </a:lnSpc>
@@ -8262,7 +8302,7 @@
                 <a:sym typeface="Lato"/>
               </a:defRPr>
             </a:lvl8pPr>
-            <a:lvl9pPr indent="-298450" lvl="8" marL="4114800">
+            <a:lvl9pPr marL="4114800" lvl="8" indent="-298450">
               <a:lnSpc>
                 <a:spcPct val="115000"/>
               </a:lnSpc>
@@ -8289,15 +8329,19 @@
               </a:defRPr>
             </a:lvl9pPr>
           </a:lstStyle>
-          <a:p/>
+          <a:p>
+            <a:endParaRPr/>
+          </a:p>
         </p:txBody>
       </p:sp>
       <p:sp>
         <p:nvSpPr>
           <p:cNvPr id="8" name="Google Shape;8;p1"/>
-          <p:cNvSpPr txBox="1"/>
+          <p:cNvSpPr txBox="1">
+            <a:spLocks noGrp="1"/>
+          </p:cNvSpPr>
           <p:nvPr>
-            <p:ph idx="12" type="sldNum"/>
+            <p:ph type="sldNum" idx="12"/>
           </p:nvPr>
         </p:nvSpPr>
         <p:spPr>
@@ -8314,7 +8358,7 @@
           </a:ln>
         </p:spPr>
         <p:txBody>
-          <a:bodyPr anchorCtr="0" anchor="ctr" bIns="91425" lIns="91425" spcFirstLastPara="1" rIns="91425" wrap="square" tIns="91425">
+          <a:bodyPr spcFirstLastPara="1" wrap="square" lIns="91425" tIns="91425" rIns="91425" bIns="91425" anchor="ctr" anchorCtr="0">
             <a:noAutofit/>
           </a:bodyPr>
           <a:lstStyle>
@@ -8428,7 +8472,7 @@
             </a:lvl9pPr>
           </a:lstStyle>
           <a:p>
-            <a:pPr indent="0" lvl="0" marL="0" rtl="0" algn="r">
+            <a:pPr marL="0" lvl="0" indent="0" algn="r" rtl="0">
               <a:spcBef>
                 <a:spcPts val="0"/>
               </a:spcBef>
@@ -8447,7 +8491,7 @@
       </p:sp>
     </p:spTree>
   </p:cSld>
-  <p:clrMap accent1="accent1" accent2="accent2" accent3="accent3" accent4="accent4" accent5="accent5" accent6="accent6" bg1="lt1" bg2="dk2" tx1="dk1" tx2="lt2" folHlink="folHlink" hlink="hlink"/>
+  <p:clrMap bg1="lt1" tx1="dk1" bg2="dk2" tx2="lt2" accent1="accent1" accent2="accent2" accent3="accent3" accent4="accent4" accent5="accent5" accent6="accent6" hlink="hlink" folHlink="folHlink"/>
   <p:sldLayoutIdLst>
     <p:sldLayoutId id="2147483648" r:id="rId1"/>
     <p:sldLayoutId id="2147483649" r:id="rId2"/>
@@ -8461,10 +8505,10 @@
     <p:sldLayoutId id="2147483657" r:id="rId10"/>
     <p:sldLayoutId id="2147483658" r:id="rId11"/>
   </p:sldLayoutIdLst>
-  <p:hf dt="0" ftr="0" hdr="0" sldNum="0"/>
+  <p:hf sldNum="0" hdr="0" ftr="0" dt="0"/>
   <p:txStyles>
     <p:titleStyle>
-      <a:defPPr lvl="0" marR="0" rtl="0" algn="l">
+      <a:defPPr marR="0" lvl="0" algn="l" rtl="0">
         <a:lnSpc>
           <a:spcPct val="100000"/>
         </a:lnSpc>
@@ -8475,7 +8519,7 @@
           <a:spcPts val="0"/>
         </a:spcAft>
       </a:defPPr>
-      <a:lvl1pPr lvl="0" marR="0" rtl="0" algn="l">
+      <a:lvl1pPr marR="0" lvl="0" algn="l" rtl="0">
         <a:lnSpc>
           <a:spcPct val="100000"/>
         </a:lnSpc>
@@ -8489,7 +8533,7 @@
           <a:srgbClr val="000000"/>
         </a:buClr>
         <a:buFont typeface="Arial"/>
-        <a:defRPr b="0" i="0" sz="1400" u="none" cap="none" strike="noStrike">
+        <a:defRPr sz="1400" b="0" i="0" u="none" strike="noStrike" cap="none">
           <a:solidFill>
             <a:srgbClr val="000000"/>
           </a:solidFill>
@@ -8499,7 +8543,7 @@
           <a:sym typeface="Arial"/>
         </a:defRPr>
       </a:lvl1pPr>
-      <a:lvl2pPr lvl="1" marR="0" rtl="0" algn="l">
+      <a:lvl2pPr marR="0" lvl="1" algn="l" rtl="0">
         <a:lnSpc>
           <a:spcPct val="100000"/>
         </a:lnSpc>
@@ -8513,7 +8557,7 @@
           <a:srgbClr val="000000"/>
         </a:buClr>
         <a:buFont typeface="Arial"/>
-        <a:defRPr b="0" i="0" sz="1400" u="none" cap="none" strike="noStrike">
+        <a:defRPr sz="1400" b="0" i="0" u="none" strike="noStrike" cap="none">
           <a:solidFill>
             <a:srgbClr val="000000"/>
           </a:solidFill>
@@ -8523,7 +8567,7 @@
           <a:sym typeface="Arial"/>
         </a:defRPr>
       </a:lvl2pPr>
-      <a:lvl3pPr lvl="2" marR="0" rtl="0" algn="l">
+      <a:lvl3pPr marR="0" lvl="2" algn="l" rtl="0">
         <a:lnSpc>
           <a:spcPct val="100000"/>
         </a:lnSpc>
@@ -8537,7 +8581,7 @@
           <a:srgbClr val="000000"/>
         </a:buClr>
         <a:buFont typeface="Arial"/>
-        <a:defRPr b="0" i="0" sz="1400" u="none" cap="none" strike="noStrike">
+        <a:defRPr sz="1400" b="0" i="0" u="none" strike="noStrike" cap="none">
           <a:solidFill>
             <a:srgbClr val="000000"/>
           </a:solidFill>
@@ -8547,7 +8591,7 @@
           <a:sym typeface="Arial"/>
         </a:defRPr>
       </a:lvl3pPr>
-      <a:lvl4pPr lvl="3" marR="0" rtl="0" algn="l">
+      <a:lvl4pPr marR="0" lvl="3" algn="l" rtl="0">
         <a:lnSpc>
           <a:spcPct val="100000"/>
         </a:lnSpc>
@@ -8561,7 +8605,7 @@
           <a:srgbClr val="000000"/>
         </a:buClr>
         <a:buFont typeface="Arial"/>
-        <a:defRPr b="0" i="0" sz="1400" u="none" cap="none" strike="noStrike">
+        <a:defRPr sz="1400" b="0" i="0" u="none" strike="noStrike" cap="none">
           <a:solidFill>
             <a:srgbClr val="000000"/>
           </a:solidFill>
@@ -8571,7 +8615,7 @@
           <a:sym typeface="Arial"/>
         </a:defRPr>
       </a:lvl4pPr>
-      <a:lvl5pPr lvl="4" marR="0" rtl="0" algn="l">
+      <a:lvl5pPr marR="0" lvl="4" algn="l" rtl="0">
         <a:lnSpc>
           <a:spcPct val="100000"/>
         </a:lnSpc>
@@ -8585,7 +8629,7 @@
           <a:srgbClr val="000000"/>
         </a:buClr>
         <a:buFont typeface="Arial"/>
-        <a:defRPr b="0" i="0" sz="1400" u="none" cap="none" strike="noStrike">
+        <a:defRPr sz="1400" b="0" i="0" u="none" strike="noStrike" cap="none">
           <a:solidFill>
             <a:srgbClr val="000000"/>
           </a:solidFill>
@@ -8595,7 +8639,7 @@
           <a:sym typeface="Arial"/>
         </a:defRPr>
       </a:lvl5pPr>
-      <a:lvl6pPr lvl="5" marR="0" rtl="0" algn="l">
+      <a:lvl6pPr marR="0" lvl="5" algn="l" rtl="0">
         <a:lnSpc>
           <a:spcPct val="100000"/>
         </a:lnSpc>
@@ -8609,7 +8653,7 @@
           <a:srgbClr val="000000"/>
         </a:buClr>
         <a:buFont typeface="Arial"/>
-        <a:defRPr b="0" i="0" sz="1400" u="none" cap="none" strike="noStrike">
+        <a:defRPr sz="1400" b="0" i="0" u="none" strike="noStrike" cap="none">
           <a:solidFill>
             <a:srgbClr val="000000"/>
           </a:solidFill>
@@ -8619,7 +8663,7 @@
           <a:sym typeface="Arial"/>
         </a:defRPr>
       </a:lvl6pPr>
-      <a:lvl7pPr lvl="6" marR="0" rtl="0" algn="l">
+      <a:lvl7pPr marR="0" lvl="6" algn="l" rtl="0">
         <a:lnSpc>
           <a:spcPct val="100000"/>
         </a:lnSpc>
@@ -8633,7 +8677,7 @@
           <a:srgbClr val="000000"/>
         </a:buClr>
         <a:buFont typeface="Arial"/>
-        <a:defRPr b="0" i="0" sz="1400" u="none" cap="none" strike="noStrike">
+        <a:defRPr sz="1400" b="0" i="0" u="none" strike="noStrike" cap="none">
           <a:solidFill>
             <a:srgbClr val="000000"/>
           </a:solidFill>
@@ -8643,7 +8687,7 @@
           <a:sym typeface="Arial"/>
         </a:defRPr>
       </a:lvl7pPr>
-      <a:lvl8pPr lvl="7" marR="0" rtl="0" algn="l">
+      <a:lvl8pPr marR="0" lvl="7" algn="l" rtl="0">
         <a:lnSpc>
           <a:spcPct val="100000"/>
         </a:lnSpc>
@@ -8657,7 +8701,7 @@
           <a:srgbClr val="000000"/>
         </a:buClr>
         <a:buFont typeface="Arial"/>
-        <a:defRPr b="0" i="0" sz="1400" u="none" cap="none" strike="noStrike">
+        <a:defRPr sz="1400" b="0" i="0" u="none" strike="noStrike" cap="none">
           <a:solidFill>
             <a:srgbClr val="000000"/>
           </a:solidFill>
@@ -8667,7 +8711,7 @@
           <a:sym typeface="Arial"/>
         </a:defRPr>
       </a:lvl8pPr>
-      <a:lvl9pPr lvl="8" marR="0" rtl="0" algn="l">
+      <a:lvl9pPr marR="0" lvl="8" algn="l" rtl="0">
         <a:lnSpc>
           <a:spcPct val="100000"/>
         </a:lnSpc>
@@ -8681,7 +8725,7 @@
           <a:srgbClr val="000000"/>
         </a:buClr>
         <a:buFont typeface="Arial"/>
-        <a:defRPr b="0" i="0" sz="1400" u="none" cap="none" strike="noStrike">
+        <a:defRPr sz="1400" b="0" i="0" u="none" strike="noStrike" cap="none">
           <a:solidFill>
             <a:srgbClr val="000000"/>
           </a:solidFill>
@@ -8693,7 +8737,7 @@
       </a:lvl9pPr>
     </p:titleStyle>
     <p:bodyStyle>
-      <a:defPPr lvl="0" marR="0" rtl="0" algn="l">
+      <a:defPPr marR="0" lvl="0" algn="l" rtl="0">
         <a:lnSpc>
           <a:spcPct val="100000"/>
         </a:lnSpc>
@@ -8704,7 +8748,7 @@
           <a:spcPts val="0"/>
         </a:spcAft>
       </a:defPPr>
-      <a:lvl1pPr lvl="0" marR="0" rtl="0" algn="l">
+      <a:lvl1pPr marR="0" lvl="0" algn="l" rtl="0">
         <a:lnSpc>
           <a:spcPct val="100000"/>
         </a:lnSpc>
@@ -8718,7 +8762,7 @@
           <a:srgbClr val="000000"/>
         </a:buClr>
         <a:buFont typeface="Arial"/>
-        <a:defRPr b="0" i="0" sz="1400" u="none" cap="none" strike="noStrike">
+        <a:defRPr sz="1400" b="0" i="0" u="none" strike="noStrike" cap="none">
           <a:solidFill>
             <a:srgbClr val="000000"/>
           </a:solidFill>
@@ -8728,7 +8772,7 @@
           <a:sym typeface="Arial"/>
         </a:defRPr>
       </a:lvl1pPr>
-      <a:lvl2pPr lvl="1" marR="0" rtl="0" algn="l">
+      <a:lvl2pPr marR="0" lvl="1" algn="l" rtl="0">
         <a:lnSpc>
           <a:spcPct val="100000"/>
         </a:lnSpc>
@@ -8742,7 +8786,7 @@
           <a:srgbClr val="000000"/>
         </a:buClr>
         <a:buFont typeface="Arial"/>
-        <a:defRPr b="0" i="0" sz="1400" u="none" cap="none" strike="noStrike">
+        <a:defRPr sz="1400" b="0" i="0" u="none" strike="noStrike" cap="none">
           <a:solidFill>
             <a:srgbClr val="000000"/>
           </a:solidFill>
@@ -8752,7 +8796,7 @@
           <a:sym typeface="Arial"/>
         </a:defRPr>
       </a:lvl2pPr>
-      <a:lvl3pPr lvl="2" marR="0" rtl="0" algn="l">
+      <a:lvl3pPr marR="0" lvl="2" algn="l" rtl="0">
         <a:lnSpc>
           <a:spcPct val="100000"/>
         </a:lnSpc>
@@ -8766,7 +8810,7 @@
           <a:srgbClr val="000000"/>
         </a:buClr>
         <a:buFont typeface="Arial"/>
-        <a:defRPr b="0" i="0" sz="1400" u="none" cap="none" strike="noStrike">
+        <a:defRPr sz="1400" b="0" i="0" u="none" strike="noStrike" cap="none">
           <a:solidFill>
             <a:srgbClr val="000000"/>
           </a:solidFill>
@@ -8776,7 +8820,7 @@
           <a:sym typeface="Arial"/>
         </a:defRPr>
       </a:lvl3pPr>
-      <a:lvl4pPr lvl="3" marR="0" rtl="0" algn="l">
+      <a:lvl4pPr marR="0" lvl="3" algn="l" rtl="0">
         <a:lnSpc>
           <a:spcPct val="100000"/>
         </a:lnSpc>
@@ -8790,7 +8834,7 @@
           <a:srgbClr val="000000"/>
         </a:buClr>
         <a:buFont typeface="Arial"/>
-        <a:defRPr b="0" i="0" sz="1400" u="none" cap="none" strike="noStrike">
+        <a:defRPr sz="1400" b="0" i="0" u="none" strike="noStrike" cap="none">
           <a:solidFill>
             <a:srgbClr val="000000"/>
           </a:solidFill>
@@ -8800,7 +8844,7 @@
           <a:sym typeface="Arial"/>
         </a:defRPr>
       </a:lvl4pPr>
-      <a:lvl5pPr lvl="4" marR="0" rtl="0" algn="l">
+      <a:lvl5pPr marR="0" lvl="4" algn="l" rtl="0">
         <a:lnSpc>
           <a:spcPct val="100000"/>
         </a:lnSpc>
@@ -8814,7 +8858,7 @@
           <a:srgbClr val="000000"/>
         </a:buClr>
         <a:buFont typeface="Arial"/>
-        <a:defRPr b="0" i="0" sz="1400" u="none" cap="none" strike="noStrike">
+        <a:defRPr sz="1400" b="0" i="0" u="none" strike="noStrike" cap="none">
           <a:solidFill>
             <a:srgbClr val="000000"/>
           </a:solidFill>
@@ -8824,7 +8868,7 @@
           <a:sym typeface="Arial"/>
         </a:defRPr>
       </a:lvl5pPr>
-      <a:lvl6pPr lvl="5" marR="0" rtl="0" algn="l">
+      <a:lvl6pPr marR="0" lvl="5" algn="l" rtl="0">
         <a:lnSpc>
           <a:spcPct val="100000"/>
         </a:lnSpc>
@@ -8838,7 +8882,7 @@
           <a:srgbClr val="000000"/>
         </a:buClr>
         <a:buFont typeface="Arial"/>
-        <a:defRPr b="0" i="0" sz="1400" u="none" cap="none" strike="noStrike">
+        <a:defRPr sz="1400" b="0" i="0" u="none" strike="noStrike" cap="none">
           <a:solidFill>
             <a:srgbClr val="000000"/>
           </a:solidFill>
@@ -8848,7 +8892,7 @@
           <a:sym typeface="Arial"/>
         </a:defRPr>
       </a:lvl6pPr>
-      <a:lvl7pPr lvl="6" marR="0" rtl="0" algn="l">
+      <a:lvl7pPr marR="0" lvl="6" algn="l" rtl="0">
         <a:lnSpc>
           <a:spcPct val="100000"/>
         </a:lnSpc>
@@ -8862,7 +8906,7 @@
           <a:srgbClr val="000000"/>
         </a:buClr>
         <a:buFont typeface="Arial"/>
-        <a:defRPr b="0" i="0" sz="1400" u="none" cap="none" strike="noStrike">
+        <a:defRPr sz="1400" b="0" i="0" u="none" strike="noStrike" cap="none">
           <a:solidFill>
             <a:srgbClr val="000000"/>
           </a:solidFill>
@@ -8872,7 +8916,7 @@
           <a:sym typeface="Arial"/>
         </a:defRPr>
       </a:lvl7pPr>
-      <a:lvl8pPr lvl="7" marR="0" rtl="0" algn="l">
+      <a:lvl8pPr marR="0" lvl="7" algn="l" rtl="0">
         <a:lnSpc>
           <a:spcPct val="100000"/>
         </a:lnSpc>
@@ -8886,7 +8930,7 @@
           <a:srgbClr val="000000"/>
         </a:buClr>
         <a:buFont typeface="Arial"/>
-        <a:defRPr b="0" i="0" sz="1400" u="none" cap="none" strike="noStrike">
+        <a:defRPr sz="1400" b="0" i="0" u="none" strike="noStrike" cap="none">
           <a:solidFill>
             <a:srgbClr val="000000"/>
           </a:solidFill>
@@ -8896,7 +8940,7 @@
           <a:sym typeface="Arial"/>
         </a:defRPr>
       </a:lvl8pPr>
-      <a:lvl9pPr lvl="8" marR="0" rtl="0" algn="l">
+      <a:lvl9pPr marR="0" lvl="8" algn="l" rtl="0">
         <a:lnSpc>
           <a:spcPct val="100000"/>
         </a:lnSpc>
@@ -8910,7 +8954,7 @@
           <a:srgbClr val="000000"/>
         </a:buClr>
         <a:buFont typeface="Arial"/>
-        <a:defRPr b="0" i="0" sz="1400" u="none" cap="none" strike="noStrike">
+        <a:defRPr sz="1400" b="0" i="0" u="none" strike="noStrike" cap="none">
           <a:solidFill>
             <a:srgbClr val="000000"/>
           </a:solidFill>
@@ -8922,7 +8966,7 @@
       </a:lvl9pPr>
     </p:bodyStyle>
     <p:otherStyle>
-      <a:defPPr lvl="0" marR="0" rtl="0" algn="l">
+      <a:defPPr marR="0" lvl="0" algn="l" rtl="0">
         <a:lnSpc>
           <a:spcPct val="100000"/>
         </a:lnSpc>
@@ -8933,7 +8977,7 @@
           <a:spcPts val="0"/>
         </a:spcAft>
       </a:defPPr>
-      <a:lvl1pPr lvl="0" marR="0" rtl="0" algn="l">
+      <a:lvl1pPr marR="0" lvl="0" algn="l" rtl="0">
         <a:lnSpc>
           <a:spcPct val="100000"/>
         </a:lnSpc>
@@ -8947,7 +8991,7 @@
           <a:srgbClr val="000000"/>
         </a:buClr>
         <a:buFont typeface="Arial"/>
-        <a:defRPr b="0" i="0" sz="1400" u="none" cap="none" strike="noStrike">
+        <a:defRPr sz="1400" b="0" i="0" u="none" strike="noStrike" cap="none">
           <a:solidFill>
             <a:srgbClr val="000000"/>
           </a:solidFill>
@@ -8957,7 +9001,7 @@
           <a:sym typeface="Arial"/>
         </a:defRPr>
       </a:lvl1pPr>
-      <a:lvl2pPr lvl="1" marR="0" rtl="0" algn="l">
+      <a:lvl2pPr marR="0" lvl="1" algn="l" rtl="0">
         <a:lnSpc>
           <a:spcPct val="100000"/>
         </a:lnSpc>
@@ -8971,7 +9015,7 @@
           <a:srgbClr val="000000"/>
         </a:buClr>
         <a:buFont typeface="Arial"/>
-        <a:defRPr b="0" i="0" sz="1400" u="none" cap="none" strike="noStrike">
+        <a:defRPr sz="1400" b="0" i="0" u="none" strike="noStrike" cap="none">
           <a:solidFill>
             <a:srgbClr val="000000"/>
           </a:solidFill>
@@ -8981,7 +9025,7 @@
           <a:sym typeface="Arial"/>
         </a:defRPr>
       </a:lvl2pPr>
-      <a:lvl3pPr lvl="2" marR="0" rtl="0" algn="l">
+      <a:lvl3pPr marR="0" lvl="2" algn="l" rtl="0">
         <a:lnSpc>
           <a:spcPct val="100000"/>
         </a:lnSpc>
@@ -8995,7 +9039,7 @@
           <a:srgbClr val="000000"/>
         </a:buClr>
         <a:buFont typeface="Arial"/>
-        <a:defRPr b="0" i="0" sz="1400" u="none" cap="none" strike="noStrike">
+        <a:defRPr sz="1400" b="0" i="0" u="none" strike="noStrike" cap="none">
           <a:solidFill>
             <a:srgbClr val="000000"/>
           </a:solidFill>
@@ -9005,7 +9049,7 @@
           <a:sym typeface="Arial"/>
         </a:defRPr>
       </a:lvl3pPr>
-      <a:lvl4pPr lvl="3" marR="0" rtl="0" algn="l">
+      <a:lvl4pPr marR="0" lvl="3" algn="l" rtl="0">
         <a:lnSpc>
           <a:spcPct val="100000"/>
         </a:lnSpc>
@@ -9019,7 +9063,7 @@
           <a:srgbClr val="000000"/>
         </a:buClr>
         <a:buFont typeface="Arial"/>
-        <a:defRPr b="0" i="0" sz="1400" u="none" cap="none" strike="noStrike">
+        <a:defRPr sz="1400" b="0" i="0" u="none" strike="noStrike" cap="none">
           <a:solidFill>
             <a:srgbClr val="000000"/>
           </a:solidFill>
@@ -9029,7 +9073,7 @@
           <a:sym typeface="Arial"/>
         </a:defRPr>
       </a:lvl4pPr>
-      <a:lvl5pPr lvl="4" marR="0" rtl="0" algn="l">
+      <a:lvl5pPr marR="0" lvl="4" algn="l" rtl="0">
         <a:lnSpc>
           <a:spcPct val="100000"/>
         </a:lnSpc>
@@ -9043,7 +9087,7 @@
           <a:srgbClr val="000000"/>
         </a:buClr>
         <a:buFont typeface="Arial"/>
-        <a:defRPr b="0" i="0" sz="1400" u="none" cap="none" strike="noStrike">
+        <a:defRPr sz="1400" b="0" i="0" u="none" strike="noStrike" cap="none">
           <a:solidFill>
             <a:srgbClr val="000000"/>
           </a:solidFill>
@@ -9053,7 +9097,7 @@
           <a:sym typeface="Arial"/>
         </a:defRPr>
       </a:lvl5pPr>
-      <a:lvl6pPr lvl="5" marR="0" rtl="0" algn="l">
+      <a:lvl6pPr marR="0" lvl="5" algn="l" rtl="0">
         <a:lnSpc>
           <a:spcPct val="100000"/>
         </a:lnSpc>
@@ -9067,7 +9111,7 @@
           <a:srgbClr val="000000"/>
         </a:buClr>
         <a:buFont typeface="Arial"/>
-        <a:defRPr b="0" i="0" sz="1400" u="none" cap="none" strike="noStrike">
+        <a:defRPr sz="1400" b="0" i="0" u="none" strike="noStrike" cap="none">
           <a:solidFill>
             <a:srgbClr val="000000"/>
           </a:solidFill>
@@ -9077,7 +9121,7 @@
           <a:sym typeface="Arial"/>
         </a:defRPr>
       </a:lvl6pPr>
-      <a:lvl7pPr lvl="6" marR="0" rtl="0" algn="l">
+      <a:lvl7pPr marR="0" lvl="6" algn="l" rtl="0">
         <a:lnSpc>
           <a:spcPct val="100000"/>
         </a:lnSpc>
@@ -9091,7 +9135,7 @@
           <a:srgbClr val="000000"/>
         </a:buClr>
         <a:buFont typeface="Arial"/>
-        <a:defRPr b="0" i="0" sz="1400" u="none" cap="none" strike="noStrike">
+        <a:defRPr sz="1400" b="0" i="0" u="none" strike="noStrike" cap="none">
           <a:solidFill>
             <a:srgbClr val="000000"/>
           </a:solidFill>
@@ -9101,7 +9145,7 @@
           <a:sym typeface="Arial"/>
         </a:defRPr>
       </a:lvl7pPr>
-      <a:lvl8pPr lvl="7" marR="0" rtl="0" algn="l">
+      <a:lvl8pPr marR="0" lvl="7" algn="l" rtl="0">
         <a:lnSpc>
           <a:spcPct val="100000"/>
         </a:lnSpc>
@@ -9115,7 +9159,7 @@
           <a:srgbClr val="000000"/>
         </a:buClr>
         <a:buFont typeface="Arial"/>
-        <a:defRPr b="0" i="0" sz="1400" u="none" cap="none" strike="noStrike">
+        <a:defRPr sz="1400" b="0" i="0" u="none" strike="noStrike" cap="none">
           <a:solidFill>
             <a:srgbClr val="000000"/>
           </a:solidFill>
@@ -9125,7 +9169,7 @@
           <a:sym typeface="Arial"/>
         </a:defRPr>
       </a:lvl8pPr>
-      <a:lvl9pPr lvl="8" marR="0" rtl="0" algn="l">
+      <a:lvl9pPr marR="0" lvl="8" algn="l" rtl="0">
         <a:lnSpc>
           <a:spcPct val="100000"/>
         </a:lnSpc>
@@ -9139,7 +9183,7 @@
           <a:srgbClr val="000000"/>
         </a:buClr>
         <a:buFont typeface="Arial"/>
-        <a:defRPr b="0" i="0" sz="1400" u="none" cap="none" strike="noStrike">
+        <a:defRPr sz="1400" b="0" i="0" u="none" strike="noStrike" cap="none">
           <a:solidFill>
             <a:srgbClr val="000000"/>
           </a:solidFill>
@@ -9155,11 +9199,11 @@
 </file>
 
 <file path=ppt/slides/slide1.xml><?xml version="1.0" encoding="utf-8"?>
-<p:sld xmlns:a="http://schemas.openxmlformats.org/drawingml/2006/main" xmlns:r="http://schemas.openxmlformats.org/officeDocument/2006/relationships" xmlns:mc="http://schemas.openxmlformats.org/markup-compatibility/2006" xmlns:mv="urn:schemas-microsoft-com:mac:vml" xmlns:p="http://schemas.openxmlformats.org/presentationml/2006/main" xmlns:c="http://schemas.openxmlformats.org/drawingml/2006/chart" xmlns:dgm="http://schemas.openxmlformats.org/drawingml/2006/diagram" xmlns:o="urn:schemas-microsoft-com:office:office" xmlns:v="urn:schemas-microsoft-com:vml" xmlns:pvml="urn:schemas-microsoft-com:office:powerpoint" xmlns:com="http://schemas.openxmlformats.org/drawingml/2006/compatibility" xmlns:p14="http://schemas.microsoft.com/office/powerpoint/2010/main" xmlns:p15="http://schemas.microsoft.com/office/powerpoint/2012/main">
+<p:sld xmlns:a="http://schemas.openxmlformats.org/drawingml/2006/main" xmlns:r="http://schemas.openxmlformats.org/officeDocument/2006/relationships" xmlns:p="http://schemas.openxmlformats.org/presentationml/2006/main">
   <p:cSld>
     <p:spTree>
       <p:nvGrpSpPr>
-        <p:cNvPr id="85" name="Shape 85"/>
+        <p:cNvPr id="1" name="Shape 85"/>
         <p:cNvGrpSpPr/>
         <p:nvPr/>
       </p:nvGrpSpPr>
@@ -9174,7 +9218,9 @@
       <p:sp>
         <p:nvSpPr>
           <p:cNvPr id="86" name="Google Shape;86;p13"/>
-          <p:cNvSpPr txBox="1"/>
+          <p:cNvSpPr txBox="1">
+            <a:spLocks noGrp="1"/>
+          </p:cNvSpPr>
           <p:nvPr>
             <p:ph type="ctrTitle"/>
           </p:nvPr>
@@ -9189,12 +9235,12 @@
           </a:prstGeom>
         </p:spPr>
         <p:txBody>
-          <a:bodyPr anchorCtr="0" anchor="t" bIns="91425" lIns="91425" spcFirstLastPara="1" rIns="91425" wrap="square" tIns="91425">
+          <a:bodyPr spcFirstLastPara="1" wrap="square" lIns="91425" tIns="91425" rIns="91425" bIns="91425" anchor="t" anchorCtr="0">
             <a:noAutofit/>
           </a:bodyPr>
           <a:lstStyle/>
           <a:p>
-            <a:pPr indent="0" lvl="0" marL="0" rtl="0" algn="l">
+            <a:pPr marL="0" lvl="0" indent="0" algn="l" rtl="0">
               <a:spcBef>
                 <a:spcPts val="0"/>
               </a:spcBef>
@@ -9214,9 +9260,11 @@
       <p:sp>
         <p:nvSpPr>
           <p:cNvPr id="87" name="Google Shape;87;p13"/>
-          <p:cNvSpPr txBox="1"/>
+          <p:cNvSpPr txBox="1">
+            <a:spLocks noGrp="1"/>
+          </p:cNvSpPr>
           <p:nvPr>
-            <p:ph idx="1" type="subTitle"/>
+            <p:ph type="subTitle" idx="1"/>
           </p:nvPr>
         </p:nvSpPr>
         <p:spPr>
@@ -9229,12 +9277,12 @@
           </a:prstGeom>
         </p:spPr>
         <p:txBody>
-          <a:bodyPr anchorCtr="0" anchor="t" bIns="91425" lIns="91425" spcFirstLastPara="1" rIns="91425" wrap="square" tIns="91425">
+          <a:bodyPr spcFirstLastPara="1" wrap="square" lIns="91425" tIns="91425" rIns="91425" bIns="91425" anchor="t" anchorCtr="0">
             <a:noAutofit/>
           </a:bodyPr>
           <a:lstStyle/>
           <a:p>
-            <a:pPr indent="0" lvl="0" marL="0" rtl="0" algn="l">
+            <a:pPr marL="0" lvl="0" indent="0" algn="l" rtl="0">
               <a:spcBef>
                 <a:spcPts val="0"/>
               </a:spcBef>
@@ -9250,7 +9298,7 @@
             <a:endParaRPr sz="1600"/>
           </a:p>
           <a:p>
-            <a:pPr indent="0" lvl="0" marL="0" rtl="0" algn="l">
+            <a:pPr marL="0" lvl="0" indent="0" algn="l" rtl="0">
               <a:spcBef>
                 <a:spcPts val="0"/>
               </a:spcBef>
@@ -9261,20 +9309,12 @@
             </a:pPr>
             <a:r>
               <a:rPr lang="en" sz="1600"/>
-              <a:t>Stephen Bowman</a:t>
-            </a:r>
-            <a:r>
-              <a:rPr lang="en" sz="1600"/>
-              <a:t>, Josh </a:t>
-            </a:r>
-            <a:r>
-              <a:rPr lang="en" sz="1600"/>
-              <a:t>Griggs, Benjamin Sauceda, </a:t>
+              <a:t>Stephen Bowman, Josh Griggs, Benjamin Sauceda, </a:t>
             </a:r>
             <a:endParaRPr sz="1600"/>
           </a:p>
           <a:p>
-            <a:pPr indent="0" lvl="0" marL="0" rtl="0" algn="l">
+            <a:pPr marL="0" lvl="0" indent="0" algn="l" rtl="0">
               <a:spcBef>
                 <a:spcPts val="0"/>
               </a:spcBef>
@@ -9300,11 +9340,11 @@
 </file>
 
 <file path=ppt/slides/slide10.xml><?xml version="1.0" encoding="utf-8"?>
-<p:sld xmlns:a="http://schemas.openxmlformats.org/drawingml/2006/main" xmlns:r="http://schemas.openxmlformats.org/officeDocument/2006/relationships" xmlns:mc="http://schemas.openxmlformats.org/markup-compatibility/2006" xmlns:mv="urn:schemas-microsoft-com:mac:vml" xmlns:p="http://schemas.openxmlformats.org/presentationml/2006/main" xmlns:c="http://schemas.openxmlformats.org/drawingml/2006/chart" xmlns:dgm="http://schemas.openxmlformats.org/drawingml/2006/diagram" xmlns:o="urn:schemas-microsoft-com:office:office" xmlns:v="urn:schemas-microsoft-com:vml" xmlns:pvml="urn:schemas-microsoft-com:office:powerpoint" xmlns:com="http://schemas.openxmlformats.org/drawingml/2006/compatibility" xmlns:p14="http://schemas.microsoft.com/office/powerpoint/2010/main" xmlns:p15="http://schemas.microsoft.com/office/powerpoint/2012/main">
+<p:sld xmlns:a="http://schemas.openxmlformats.org/drawingml/2006/main" xmlns:r="http://schemas.openxmlformats.org/officeDocument/2006/relationships" xmlns:p="http://schemas.openxmlformats.org/presentationml/2006/main">
   <p:cSld>
     <p:spTree>
       <p:nvGrpSpPr>
-        <p:cNvPr id="178" name="Shape 178"/>
+        <p:cNvPr id="1" name="Shape 178"/>
         <p:cNvGrpSpPr/>
         <p:nvPr/>
       </p:nvGrpSpPr>
@@ -9319,7 +9359,9 @@
       <p:sp>
         <p:nvSpPr>
           <p:cNvPr id="179" name="Google Shape;179;p22"/>
-          <p:cNvSpPr txBox="1"/>
+          <p:cNvSpPr txBox="1">
+            <a:spLocks noGrp="1"/>
+          </p:cNvSpPr>
           <p:nvPr>
             <p:ph type="title"/>
           </p:nvPr>
@@ -9334,12 +9376,12 @@
           </a:prstGeom>
         </p:spPr>
         <p:txBody>
-          <a:bodyPr anchorCtr="0" anchor="t" bIns="91425" lIns="91425" spcFirstLastPara="1" rIns="91425" wrap="square" tIns="91425">
+          <a:bodyPr spcFirstLastPara="1" wrap="square" lIns="91425" tIns="91425" rIns="91425" bIns="91425" anchor="t" anchorCtr="0">
             <a:noAutofit/>
           </a:bodyPr>
           <a:lstStyle/>
           <a:p>
-            <a:pPr indent="0" lvl="0" marL="0" rtl="0" algn="l">
+            <a:pPr marL="0" lvl="0" indent="0" algn="l" rtl="0">
               <a:spcBef>
                 <a:spcPts val="0"/>
               </a:spcBef>
@@ -9359,9 +9401,11 @@
       <p:sp>
         <p:nvSpPr>
           <p:cNvPr id="180" name="Google Shape;180;p22"/>
-          <p:cNvSpPr txBox="1"/>
+          <p:cNvSpPr txBox="1">
+            <a:spLocks noGrp="1"/>
+          </p:cNvSpPr>
           <p:nvPr>
-            <p:ph idx="1" type="body"/>
+            <p:ph type="body" idx="1"/>
           </p:nvPr>
         </p:nvSpPr>
         <p:spPr>
@@ -9374,12 +9418,12 @@
           </a:prstGeom>
         </p:spPr>
         <p:txBody>
-          <a:bodyPr anchorCtr="0" anchor="t" bIns="91425" lIns="91425" spcFirstLastPara="1" rIns="91425" wrap="square" tIns="91425">
+          <a:bodyPr spcFirstLastPara="1" wrap="square" lIns="91425" tIns="91425" rIns="91425" bIns="91425" anchor="t" anchorCtr="0">
             <a:noAutofit/>
           </a:bodyPr>
           <a:lstStyle/>
           <a:p>
-            <a:pPr indent="0" lvl="0" marL="0" rtl="0" algn="l">
+            <a:pPr marL="0" lvl="0" indent="0" algn="l" rtl="0">
               <a:spcBef>
                 <a:spcPts val="0"/>
               </a:spcBef>
@@ -9395,7 +9439,7 @@
             <a:endParaRPr sz="1800"/>
           </a:p>
           <a:p>
-            <a:pPr indent="0" lvl="0" marL="0" rtl="0" algn="l">
+            <a:pPr marL="0" lvl="0" indent="0" algn="l" rtl="0">
               <a:spcBef>
                 <a:spcPts val="1600"/>
               </a:spcBef>
@@ -9411,7 +9455,7 @@
             <a:endParaRPr sz="1800"/>
           </a:p>
           <a:p>
-            <a:pPr indent="0" lvl="0" marL="0" rtl="0" algn="l">
+            <a:pPr marL="0" lvl="0" indent="0" algn="l" rtl="0">
               <a:spcBef>
                 <a:spcPts val="1600"/>
               </a:spcBef>
@@ -9438,7 +9482,7 @@
           <a:blip r:embed="rId3">
             <a:alphaModFix/>
           </a:blip>
-          <a:srcRect b="8071" l="0" r="0" t="0"/>
+          <a:srcRect b="8071"/>
           <a:stretch/>
         </p:blipFill>
         <p:spPr>
@@ -9464,11 +9508,11 @@
 </file>
 
 <file path=ppt/slides/slide11.xml><?xml version="1.0" encoding="utf-8"?>
-<p:sld xmlns:a="http://schemas.openxmlformats.org/drawingml/2006/main" xmlns:r="http://schemas.openxmlformats.org/officeDocument/2006/relationships" xmlns:mc="http://schemas.openxmlformats.org/markup-compatibility/2006" xmlns:mv="urn:schemas-microsoft-com:mac:vml" xmlns:p="http://schemas.openxmlformats.org/presentationml/2006/main" xmlns:c="http://schemas.openxmlformats.org/drawingml/2006/chart" xmlns:dgm="http://schemas.openxmlformats.org/drawingml/2006/diagram" xmlns:o="urn:schemas-microsoft-com:office:office" xmlns:v="urn:schemas-microsoft-com:vml" xmlns:pvml="urn:schemas-microsoft-com:office:powerpoint" xmlns:com="http://schemas.openxmlformats.org/drawingml/2006/compatibility" xmlns:p14="http://schemas.microsoft.com/office/powerpoint/2010/main" xmlns:p15="http://schemas.microsoft.com/office/powerpoint/2012/main">
+<p:sld xmlns:a="http://schemas.openxmlformats.org/drawingml/2006/main" xmlns:r="http://schemas.openxmlformats.org/officeDocument/2006/relationships" xmlns:p="http://schemas.openxmlformats.org/presentationml/2006/main">
   <p:cSld>
     <p:spTree>
       <p:nvGrpSpPr>
-        <p:cNvPr id="185" name="Shape 185"/>
+        <p:cNvPr id="1" name="Shape 185"/>
         <p:cNvGrpSpPr/>
         <p:nvPr/>
       </p:nvGrpSpPr>
@@ -9483,7 +9527,9 @@
       <p:sp>
         <p:nvSpPr>
           <p:cNvPr id="186" name="Google Shape;186;p23"/>
-          <p:cNvSpPr txBox="1"/>
+          <p:cNvSpPr txBox="1">
+            <a:spLocks noGrp="1"/>
+          </p:cNvSpPr>
           <p:nvPr>
             <p:ph type="title"/>
           </p:nvPr>
@@ -9498,12 +9544,12 @@
           </a:prstGeom>
         </p:spPr>
         <p:txBody>
-          <a:bodyPr anchorCtr="0" anchor="t" bIns="91425" lIns="91425" spcFirstLastPara="1" rIns="91425" wrap="square" tIns="91425">
+          <a:bodyPr spcFirstLastPara="1" wrap="square" lIns="91425" tIns="91425" rIns="91425" bIns="91425" anchor="t" anchorCtr="0">
             <a:noAutofit/>
           </a:bodyPr>
           <a:lstStyle/>
           <a:p>
-            <a:pPr indent="0" lvl="0" marL="0" rtl="0" algn="l">
+            <a:pPr marL="0" lvl="0" indent="0" algn="l" rtl="0">
               <a:spcBef>
                 <a:spcPts val="0"/>
               </a:spcBef>
@@ -9519,18 +9565,15 @@
             <a:endParaRPr/>
           </a:p>
           <a:p>
-            <a:pPr indent="0" lvl="0" marL="0" rtl="0" algn="l">
-              <a:spcBef>
-                <a:spcPts val="0"/>
-              </a:spcBef>
-              <a:spcAft>
-                <a:spcPts val="0"/>
-              </a:spcAft>
-              <a:buNone/>
-            </a:pPr>
-            <a:r>
-              <a:t/>
-            </a:r>
+            <a:pPr marL="0" lvl="0" indent="0" algn="l" rtl="0">
+              <a:spcBef>
+                <a:spcPts val="0"/>
+              </a:spcBef>
+              <a:spcAft>
+                <a:spcPts val="0"/>
+              </a:spcAft>
+              <a:buNone/>
+            </a:pPr>
             <a:endParaRPr/>
           </a:p>
         </p:txBody>
@@ -9538,9 +9581,11 @@
       <p:sp>
         <p:nvSpPr>
           <p:cNvPr id="187" name="Google Shape;187;p23"/>
-          <p:cNvSpPr txBox="1"/>
+          <p:cNvSpPr txBox="1">
+            <a:spLocks noGrp="1"/>
+          </p:cNvSpPr>
           <p:nvPr>
-            <p:ph idx="1" type="body"/>
+            <p:ph type="body" idx="1"/>
           </p:nvPr>
         </p:nvSpPr>
         <p:spPr>
@@ -9553,12 +9598,12 @@
           </a:prstGeom>
         </p:spPr>
         <p:txBody>
-          <a:bodyPr anchorCtr="0" anchor="t" bIns="91425" lIns="91425" spcFirstLastPara="1" rIns="91425" wrap="square" tIns="91425">
+          <a:bodyPr spcFirstLastPara="1" wrap="square" lIns="91425" tIns="91425" rIns="91425" bIns="91425" anchor="t" anchorCtr="0">
             <a:noAutofit/>
           </a:bodyPr>
           <a:lstStyle/>
           <a:p>
-            <a:pPr indent="0" lvl="0" marL="0" rtl="0" algn="just">
+            <a:pPr marL="0" lvl="0" indent="0" algn="just" rtl="0">
               <a:spcBef>
                 <a:spcPts val="0"/>
               </a:spcBef>
@@ -9568,13 +9613,20 @@
               <a:buNone/>
             </a:pPr>
             <a:r>
-              <a:rPr lang="en" sz="1600"/>
-              <a:t>Increase the number of active duty police during times when both battery and theft having a lower likelihood of having an arrest</a:t>
+              <a:rPr lang="en-US" sz="1600" dirty="0"/>
+              <a:t>Consider </a:t>
             </a:r>
-            <a:endParaRPr sz="1600"/>
-          </a:p>
-          <a:p>
-            <a:pPr indent="0" lvl="0" marL="0" rtl="0" algn="just">
+            <a:r>
+              <a:rPr lang="en" sz="1600" dirty="0"/>
+              <a:t>weather trends when planning out city-wide c</a:t>
+            </a:r>
+            <a:r>
+              <a:rPr lang="en-US" sz="1600" dirty="0"/>
+              <a:t>rime prevention programs. Tailor crime prevention programs to seasonal activity.</a:t>
+            </a:r>
+          </a:p>
+          <a:p>
+            <a:pPr marL="0" lvl="0" indent="0" algn="just" rtl="0">
               <a:spcBef>
                 <a:spcPts val="1600"/>
               </a:spcBef>
@@ -9584,10 +9636,9 @@
               <a:buNone/>
             </a:pPr>
             <a:r>
-              <a:rPr lang="en" sz="1600"/>
-              <a:t>It is possibly fine to let more police enjoy time off at the holidays</a:t>
+              <a:rPr lang="en-US" sz="1600" dirty="0"/>
+              <a:t>Bring in more NOAA data to continue studying weather’s relationship with crime</a:t>
             </a:r>
-            <a:endParaRPr sz="1600"/>
           </a:p>
         </p:txBody>
       </p:sp>
@@ -9601,7 +9652,7 @@
           <a:blip r:embed="rId3">
             <a:alphaModFix/>
           </a:blip>
-          <a:srcRect b="0" l="10978" r="9181" t="0"/>
+          <a:srcRect l="10978" r="9181"/>
           <a:stretch/>
         </p:blipFill>
         <p:spPr>
@@ -9627,11 +9678,11 @@
 </file>
 
 <file path=ppt/slides/slide2.xml><?xml version="1.0" encoding="utf-8"?>
-<p:sld xmlns:a="http://schemas.openxmlformats.org/drawingml/2006/main" xmlns:r="http://schemas.openxmlformats.org/officeDocument/2006/relationships" xmlns:mc="http://schemas.openxmlformats.org/markup-compatibility/2006" xmlns:mv="urn:schemas-microsoft-com:mac:vml" xmlns:p="http://schemas.openxmlformats.org/presentationml/2006/main" xmlns:c="http://schemas.openxmlformats.org/drawingml/2006/chart" xmlns:dgm="http://schemas.openxmlformats.org/drawingml/2006/diagram" xmlns:o="urn:schemas-microsoft-com:office:office" xmlns:v="urn:schemas-microsoft-com:vml" xmlns:pvml="urn:schemas-microsoft-com:office:powerpoint" xmlns:com="http://schemas.openxmlformats.org/drawingml/2006/compatibility" xmlns:p14="http://schemas.microsoft.com/office/powerpoint/2010/main" xmlns:p15="http://schemas.microsoft.com/office/powerpoint/2012/main">
+<p:sld xmlns:a="http://schemas.openxmlformats.org/drawingml/2006/main" xmlns:r="http://schemas.openxmlformats.org/officeDocument/2006/relationships" xmlns:p="http://schemas.openxmlformats.org/presentationml/2006/main">
   <p:cSld>
     <p:spTree>
       <p:nvGrpSpPr>
-        <p:cNvPr id="91" name="Shape 91"/>
+        <p:cNvPr id="1" name="Shape 91"/>
         <p:cNvGrpSpPr/>
         <p:nvPr/>
       </p:nvGrpSpPr>
@@ -9646,7 +9697,9 @@
       <p:sp>
         <p:nvSpPr>
           <p:cNvPr id="92" name="Google Shape;92;p14"/>
-          <p:cNvSpPr txBox="1"/>
+          <p:cNvSpPr txBox="1">
+            <a:spLocks noGrp="1"/>
+          </p:cNvSpPr>
           <p:nvPr>
             <p:ph type="title"/>
           </p:nvPr>
@@ -9661,12 +9714,12 @@
           </a:prstGeom>
         </p:spPr>
         <p:txBody>
-          <a:bodyPr anchorCtr="0" anchor="t" bIns="91425" lIns="91425" spcFirstLastPara="1" rIns="91425" wrap="square" tIns="91425">
+          <a:bodyPr spcFirstLastPara="1" wrap="square" lIns="91425" tIns="91425" rIns="91425" bIns="91425" anchor="t" anchorCtr="0">
             <a:noAutofit/>
           </a:bodyPr>
           <a:lstStyle/>
           <a:p>
-            <a:pPr indent="0" lvl="0" marL="0" rtl="0" algn="l">
+            <a:pPr marL="0" lvl="0" indent="0" algn="l" rtl="0">
               <a:spcBef>
                 <a:spcPts val="0"/>
               </a:spcBef>
@@ -9686,9 +9739,11 @@
       <p:sp>
         <p:nvSpPr>
           <p:cNvPr id="93" name="Google Shape;93;p14"/>
-          <p:cNvSpPr txBox="1"/>
+          <p:cNvSpPr txBox="1">
+            <a:spLocks noGrp="1"/>
+          </p:cNvSpPr>
           <p:nvPr>
-            <p:ph idx="1" type="body"/>
+            <p:ph type="body" idx="1"/>
           </p:nvPr>
         </p:nvSpPr>
         <p:spPr>
@@ -9701,12 +9756,12 @@
           </a:prstGeom>
         </p:spPr>
         <p:txBody>
-          <a:bodyPr anchorCtr="0" anchor="t" bIns="91425" lIns="91425" spcFirstLastPara="1" rIns="91425" wrap="square" tIns="91425">
+          <a:bodyPr spcFirstLastPara="1" wrap="square" lIns="91425" tIns="91425" rIns="91425" bIns="91425" anchor="t" anchorCtr="0">
             <a:noAutofit/>
           </a:bodyPr>
           <a:lstStyle/>
           <a:p>
-            <a:pPr indent="0" lvl="0" marL="0" rtl="0" algn="l">
+            <a:pPr marL="0" lvl="0" indent="0" algn="l" rtl="0">
               <a:lnSpc>
                 <a:spcPct val="100000"/>
               </a:lnSpc>
@@ -9725,7 +9780,7 @@
             <a:endParaRPr sz="1800"/>
           </a:p>
           <a:p>
-            <a:pPr indent="0" lvl="0" marL="0" rtl="0" algn="l">
+            <a:pPr marL="0" lvl="0" indent="0" algn="l" rtl="0">
               <a:lnSpc>
                 <a:spcPct val="100000"/>
               </a:lnSpc>
@@ -9744,7 +9799,7 @@
             <a:endParaRPr/>
           </a:p>
           <a:p>
-            <a:pPr indent="0" lvl="0" marL="0" rtl="0" algn="l">
+            <a:pPr marL="0" lvl="0" indent="0" algn="l" rtl="0">
               <a:lnSpc>
                 <a:spcPct val="100000"/>
               </a:lnSpc>
@@ -9756,13 +9811,10 @@
               </a:spcAft>
               <a:buNone/>
             </a:pPr>
-            <a:r>
-              <a:t/>
-            </a:r>
             <a:endParaRPr/>
           </a:p>
           <a:p>
-            <a:pPr indent="0" lvl="0" marL="0" rtl="0" algn="l">
+            <a:pPr marL="0" lvl="0" indent="0" algn="l" rtl="0">
               <a:lnSpc>
                 <a:spcPct val="100000"/>
               </a:lnSpc>
@@ -9781,7 +9833,7 @@
             <a:endParaRPr sz="1800"/>
           </a:p>
           <a:p>
-            <a:pPr indent="0" lvl="0" marL="0" rtl="0" algn="l">
+            <a:pPr marL="0" lvl="0" indent="0" algn="l" rtl="0">
               <a:lnSpc>
                 <a:spcPct val="100000"/>
               </a:lnSpc>
@@ -9838,11 +9890,11 @@
 </file>
 
 <file path=ppt/slides/slide3.xml><?xml version="1.0" encoding="utf-8"?>
-<p:sld xmlns:a="http://schemas.openxmlformats.org/drawingml/2006/main" xmlns:r="http://schemas.openxmlformats.org/officeDocument/2006/relationships" xmlns:mc="http://schemas.openxmlformats.org/markup-compatibility/2006" xmlns:mv="urn:schemas-microsoft-com:mac:vml" xmlns:p="http://schemas.openxmlformats.org/presentationml/2006/main" xmlns:c="http://schemas.openxmlformats.org/drawingml/2006/chart" xmlns:dgm="http://schemas.openxmlformats.org/drawingml/2006/diagram" xmlns:o="urn:schemas-microsoft-com:office:office" xmlns:v="urn:schemas-microsoft-com:vml" xmlns:pvml="urn:schemas-microsoft-com:office:powerpoint" xmlns:com="http://schemas.openxmlformats.org/drawingml/2006/compatibility" xmlns:p14="http://schemas.microsoft.com/office/powerpoint/2010/main" xmlns:p15="http://schemas.microsoft.com/office/powerpoint/2012/main">
+<p:sld xmlns:a="http://schemas.openxmlformats.org/drawingml/2006/main" xmlns:r="http://schemas.openxmlformats.org/officeDocument/2006/relationships" xmlns:p="http://schemas.openxmlformats.org/presentationml/2006/main">
   <p:cSld>
     <p:spTree>
       <p:nvGrpSpPr>
-        <p:cNvPr id="98" name="Shape 98"/>
+        <p:cNvPr id="1" name="Shape 98"/>
         <p:cNvGrpSpPr/>
         <p:nvPr/>
       </p:nvGrpSpPr>
@@ -9857,7 +9909,9 @@
       <p:sp>
         <p:nvSpPr>
           <p:cNvPr id="99" name="Google Shape;99;p15"/>
-          <p:cNvSpPr txBox="1"/>
+          <p:cNvSpPr txBox="1">
+            <a:spLocks noGrp="1"/>
+          </p:cNvSpPr>
           <p:nvPr>
             <p:ph type="title"/>
           </p:nvPr>
@@ -9872,12 +9926,12 @@
           </a:prstGeom>
         </p:spPr>
         <p:txBody>
-          <a:bodyPr anchorCtr="0" anchor="t" bIns="91425" lIns="91425" spcFirstLastPara="1" rIns="91425" wrap="square" tIns="91425">
+          <a:bodyPr spcFirstLastPara="1" wrap="square" lIns="91425" tIns="91425" rIns="91425" bIns="91425" anchor="t" anchorCtr="0">
             <a:noAutofit/>
           </a:bodyPr>
           <a:lstStyle/>
           <a:p>
-            <a:pPr indent="0" lvl="0" marL="0" rtl="0" algn="l">
+            <a:pPr marL="0" lvl="0" indent="0" algn="l" rtl="0">
               <a:spcBef>
                 <a:spcPts val="0"/>
               </a:spcBef>
@@ -9897,9 +9951,11 @@
       <p:sp>
         <p:nvSpPr>
           <p:cNvPr id="100" name="Google Shape;100;p15"/>
-          <p:cNvSpPr txBox="1"/>
+          <p:cNvSpPr txBox="1">
+            <a:spLocks noGrp="1"/>
+          </p:cNvSpPr>
           <p:nvPr>
-            <p:ph idx="1" type="body"/>
+            <p:ph type="body" idx="1"/>
           </p:nvPr>
         </p:nvSpPr>
         <p:spPr>
@@ -9912,12 +9968,12 @@
           </a:prstGeom>
         </p:spPr>
         <p:txBody>
-          <a:bodyPr anchorCtr="0" anchor="t" bIns="91425" lIns="91425" spcFirstLastPara="1" rIns="91425" wrap="square" tIns="91425">
+          <a:bodyPr spcFirstLastPara="1" wrap="square" lIns="91425" tIns="91425" rIns="91425" bIns="91425" anchor="t" anchorCtr="0">
             <a:noAutofit/>
           </a:bodyPr>
           <a:lstStyle/>
           <a:p>
-            <a:pPr indent="0" lvl="0" marL="0" rtl="0" algn="l">
+            <a:pPr marL="0" lvl="0" indent="0" algn="l" rtl="0">
               <a:spcBef>
                 <a:spcPts val="0"/>
               </a:spcBef>
@@ -9928,20 +9984,12 @@
             </a:pPr>
             <a:r>
               <a:rPr lang="en" sz="1600"/>
-              <a:t>I</a:t>
-            </a:r>
-            <a:r>
-              <a:rPr lang="en" sz="1600"/>
-              <a:t>n 2018, t</a:t>
-            </a:r>
-            <a:r>
-              <a:rPr lang="en" sz="1600"/>
-              <a:t>heft and battery were the two most common crimes, and accounted for 42.99% of all crime committed in Chicago.</a:t>
+              <a:t>In 2018, theft and battery were the two most common crimes, and accounted for 42.99% of all crime committed in Chicago.</a:t>
             </a:r>
             <a:endParaRPr sz="1600"/>
           </a:p>
           <a:p>
-            <a:pPr indent="0" lvl="0" marL="0" rtl="0" algn="l">
+            <a:pPr marL="0" lvl="0" indent="0" algn="l" rtl="0">
               <a:spcBef>
                 <a:spcPts val="1600"/>
               </a:spcBef>
@@ -9957,7 +10005,7 @@
             <a:endParaRPr sz="1600"/>
           </a:p>
           <a:p>
-            <a:pPr indent="0" lvl="0" marL="0" rtl="0" algn="l">
+            <a:pPr marL="0" lvl="0" indent="0" algn="l" rtl="0">
               <a:spcBef>
                 <a:spcPts val="1600"/>
               </a:spcBef>
@@ -10011,11 +10059,11 @@
 </file>
 
 <file path=ppt/slides/slide4.xml><?xml version="1.0" encoding="utf-8"?>
-<p:sld xmlns:a="http://schemas.openxmlformats.org/drawingml/2006/main" xmlns:r="http://schemas.openxmlformats.org/officeDocument/2006/relationships" xmlns:mc="http://schemas.openxmlformats.org/markup-compatibility/2006" xmlns:mv="urn:schemas-microsoft-com:mac:vml" xmlns:p="http://schemas.openxmlformats.org/presentationml/2006/main" xmlns:c="http://schemas.openxmlformats.org/drawingml/2006/chart" xmlns:dgm="http://schemas.openxmlformats.org/drawingml/2006/diagram" xmlns:o="urn:schemas-microsoft-com:office:office" xmlns:v="urn:schemas-microsoft-com:vml" xmlns:pvml="urn:schemas-microsoft-com:office:powerpoint" xmlns:com="http://schemas.openxmlformats.org/drawingml/2006/compatibility" xmlns:p14="http://schemas.microsoft.com/office/powerpoint/2010/main" xmlns:p15="http://schemas.microsoft.com/office/powerpoint/2012/main">
+<p:sld xmlns:a="http://schemas.openxmlformats.org/drawingml/2006/main" xmlns:r="http://schemas.openxmlformats.org/officeDocument/2006/relationships" xmlns:p="http://schemas.openxmlformats.org/presentationml/2006/main">
   <p:cSld>
     <p:spTree>
       <p:nvGrpSpPr>
-        <p:cNvPr id="105" name="Shape 105"/>
+        <p:cNvPr id="1" name="Shape 105"/>
         <p:cNvGrpSpPr/>
         <p:nvPr/>
       </p:nvGrpSpPr>
@@ -10030,7 +10078,9 @@
       <p:sp>
         <p:nvSpPr>
           <p:cNvPr id="106" name="Google Shape;106;p16"/>
-          <p:cNvSpPr txBox="1"/>
+          <p:cNvSpPr txBox="1">
+            <a:spLocks noGrp="1"/>
+          </p:cNvSpPr>
           <p:nvPr>
             <p:ph type="title"/>
           </p:nvPr>
@@ -10045,12 +10095,12 @@
           </a:prstGeom>
         </p:spPr>
         <p:txBody>
-          <a:bodyPr anchorCtr="0" anchor="t" bIns="91425" lIns="91425" spcFirstLastPara="1" rIns="91425" wrap="square" tIns="91425">
+          <a:bodyPr spcFirstLastPara="1" wrap="square" lIns="91425" tIns="91425" rIns="91425" bIns="91425" anchor="t" anchorCtr="0">
             <a:noAutofit/>
           </a:bodyPr>
           <a:lstStyle/>
           <a:p>
-            <a:pPr indent="0" lvl="0" marL="0" rtl="0" algn="l">
+            <a:pPr marL="0" lvl="0" indent="0" algn="l" rtl="0">
               <a:spcBef>
                 <a:spcPts val="0"/>
               </a:spcBef>
@@ -10070,9 +10120,11 @@
       <p:sp>
         <p:nvSpPr>
           <p:cNvPr id="107" name="Google Shape;107;p16"/>
-          <p:cNvSpPr txBox="1"/>
+          <p:cNvSpPr txBox="1">
+            <a:spLocks noGrp="1"/>
+          </p:cNvSpPr>
           <p:nvPr>
-            <p:ph idx="1" type="body"/>
+            <p:ph type="body" idx="1"/>
           </p:nvPr>
         </p:nvSpPr>
         <p:spPr>
@@ -10085,12 +10137,12 @@
           </a:prstGeom>
         </p:spPr>
         <p:txBody>
-          <a:bodyPr anchorCtr="0" anchor="t" bIns="91425" lIns="91425" spcFirstLastPara="1" rIns="91425" wrap="square" tIns="91425">
+          <a:bodyPr spcFirstLastPara="1" wrap="square" lIns="91425" tIns="91425" rIns="91425" bIns="91425" anchor="t" anchorCtr="0">
             <a:noAutofit/>
           </a:bodyPr>
           <a:lstStyle/>
           <a:p>
-            <a:pPr indent="0" lvl="0" marL="0" rtl="0" algn="l">
+            <a:pPr marL="0" lvl="0" indent="0" algn="l" rtl="0">
               <a:spcBef>
                 <a:spcPts val="0"/>
               </a:spcBef>
@@ -10106,7 +10158,7 @@
             <a:endParaRPr sz="1600"/>
           </a:p>
           <a:p>
-            <a:pPr indent="0" lvl="0" marL="0" rtl="0" algn="l">
+            <a:pPr marL="0" lvl="0" indent="0" algn="l" rtl="0">
               <a:spcBef>
                 <a:spcPts val="1600"/>
               </a:spcBef>
@@ -10122,7 +10174,7 @@
             <a:endParaRPr sz="1600"/>
           </a:p>
           <a:p>
-            <a:pPr indent="0" lvl="0" marL="0" rtl="0" algn="l">
+            <a:pPr marL="0" lvl="0" indent="0" algn="l" rtl="0">
               <a:spcBef>
                 <a:spcPts val="1600"/>
               </a:spcBef>
@@ -10138,7 +10190,7 @@
             <a:endParaRPr sz="1600"/>
           </a:p>
           <a:p>
-            <a:pPr indent="0" lvl="0" marL="0" rtl="0" algn="l">
+            <a:pPr marL="0" lvl="0" indent="0" algn="l" rtl="0">
               <a:spcBef>
                 <a:spcPts val="1600"/>
               </a:spcBef>
@@ -10154,7 +10206,7 @@
             <a:endParaRPr sz="1600"/>
           </a:p>
           <a:p>
-            <a:pPr indent="0" lvl="0" marL="0" rtl="0" algn="l">
+            <a:pPr marL="0" lvl="0" indent="0" algn="l" rtl="0">
               <a:spcBef>
                 <a:spcPts val="1600"/>
               </a:spcBef>
@@ -10170,7 +10222,7 @@
             <a:endParaRPr sz="1600"/>
           </a:p>
           <a:p>
-            <a:pPr indent="0" lvl="0" marL="0" rtl="0" algn="l">
+            <a:pPr marL="0" lvl="0" indent="0" algn="l" rtl="0">
               <a:spcBef>
                 <a:spcPts val="1600"/>
               </a:spcBef>
@@ -10237,12 +10289,12 @@
           </a:ln>
         </p:spPr>
         <p:txBody>
-          <a:bodyPr anchorCtr="0" anchor="t" bIns="91425" lIns="91425" spcFirstLastPara="1" rIns="91425" wrap="square" tIns="91425">
+          <a:bodyPr spcFirstLastPara="1" wrap="square" lIns="91425" tIns="91425" rIns="91425" bIns="91425" anchor="t" anchorCtr="0">
             <a:noAutofit/>
           </a:bodyPr>
           <a:lstStyle/>
           <a:p>
-            <a:pPr indent="0" lvl="0" marL="0" rtl="0" algn="l">
+            <a:pPr marL="0" lvl="0" indent="0" algn="l" rtl="0">
               <a:spcBef>
                 <a:spcPts val="0"/>
               </a:spcBef>
@@ -10252,7 +10304,7 @@
               <a:buNone/>
             </a:pPr>
             <a:r>
-              <a:rPr b="1" lang="en">
+              <a:rPr lang="en" b="1">
                 <a:solidFill>
                   <a:srgbClr val="666666"/>
                 </a:solidFill>
@@ -10274,7 +10326,7 @@
             </a:endParaRPr>
           </a:p>
           <a:p>
-            <a:pPr indent="0" lvl="0" marL="0" rtl="0" algn="l">
+            <a:pPr marL="0" lvl="0" indent="0" algn="l" rtl="0">
               <a:spcBef>
                 <a:spcPts val="0"/>
               </a:spcBef>
@@ -10284,7 +10336,7 @@
               <a:buNone/>
             </a:pPr>
             <a:r>
-              <a:rPr b="1" lang="en">
+              <a:rPr lang="en" b="1">
                 <a:solidFill>
                   <a:srgbClr val="666666"/>
                 </a:solidFill>
@@ -10306,7 +10358,7 @@
             </a:endParaRPr>
           </a:p>
           <a:p>
-            <a:pPr indent="0" lvl="0" marL="0" rtl="0" algn="l">
+            <a:pPr marL="0" lvl="0" indent="0" algn="l" rtl="0">
               <a:spcBef>
                 <a:spcPts val="0"/>
               </a:spcBef>
@@ -10316,7 +10368,7 @@
               <a:buNone/>
             </a:pPr>
             <a:r>
-              <a:rPr b="1" lang="en">
+              <a:rPr lang="en" b="1">
                 <a:solidFill>
                   <a:srgbClr val="666666"/>
                 </a:solidFill>
@@ -10359,12 +10411,12 @@
           </a:ln>
         </p:spPr>
         <p:txBody>
-          <a:bodyPr anchorCtr="0" anchor="t" bIns="91425" lIns="91425" spcFirstLastPara="1" rIns="91425" wrap="square" tIns="91425">
+          <a:bodyPr spcFirstLastPara="1" wrap="square" lIns="91425" tIns="91425" rIns="91425" bIns="91425" anchor="t" anchorCtr="0">
             <a:noAutofit/>
           </a:bodyPr>
           <a:lstStyle/>
           <a:p>
-            <a:pPr indent="0" lvl="0" marL="0" marR="0" rtl="0" algn="l">
+            <a:pPr marL="0" marR="0" lvl="0" indent="0" algn="l" rtl="0">
               <a:lnSpc>
                 <a:spcPct val="115000"/>
               </a:lnSpc>
@@ -10420,12 +10472,12 @@
           </a:ln>
         </p:spPr>
         <p:txBody>
-          <a:bodyPr anchorCtr="0" anchor="t" bIns="91425" lIns="91425" spcFirstLastPara="1" rIns="91425" wrap="square" tIns="91425">
+          <a:bodyPr spcFirstLastPara="1" wrap="square" lIns="91425" tIns="91425" rIns="91425" bIns="91425" anchor="t" anchorCtr="0">
             <a:noAutofit/>
           </a:bodyPr>
           <a:lstStyle/>
           <a:p>
-            <a:pPr indent="0" lvl="0" marL="0" marR="0" rtl="0" algn="l">
+            <a:pPr marL="0" marR="0" lvl="0" indent="0" algn="l" rtl="0">
               <a:lnSpc>
                 <a:spcPct val="115000"/>
               </a:lnSpc>
@@ -10476,14 +10528,14 @@
             <a:avLst/>
           </a:prstGeom>
           <a:noFill/>
-          <a:ln cap="flat" cmpd="sng" w="9525">
+          <a:ln w="9525" cap="flat" cmpd="sng">
             <a:solidFill>
               <a:schemeClr val="dk2"/>
             </a:solidFill>
             <a:prstDash val="solid"/>
             <a:round/>
-            <a:headEnd len="med" w="med" type="none"/>
-            <a:tailEnd len="med" w="med" type="none"/>
+            <a:headEnd type="none" w="med" len="med"/>
+            <a:tailEnd type="none" w="med" len="med"/>
           </a:ln>
         </p:spPr>
       </p:cxnSp>
@@ -10502,14 +10554,14 @@
             <a:avLst/>
           </a:prstGeom>
           <a:noFill/>
-          <a:ln cap="flat" cmpd="sng" w="9525">
+          <a:ln w="9525" cap="flat" cmpd="sng">
             <a:solidFill>
               <a:schemeClr val="dk2"/>
             </a:solidFill>
             <a:prstDash val="solid"/>
             <a:round/>
-            <a:headEnd len="med" w="med" type="none"/>
-            <a:tailEnd len="med" w="med" type="none"/>
+            <a:headEnd type="none" w="med" len="med"/>
+            <a:tailEnd type="none" w="med" len="med"/>
           </a:ln>
         </p:spPr>
       </p:cxnSp>
@@ -10533,12 +10585,12 @@
           </a:ln>
         </p:spPr>
         <p:txBody>
-          <a:bodyPr anchorCtr="0" anchor="t" bIns="91425" lIns="91425" spcFirstLastPara="1" rIns="91425" wrap="square" tIns="91425">
+          <a:bodyPr spcFirstLastPara="1" wrap="square" lIns="91425" tIns="91425" rIns="91425" bIns="91425" anchor="t" anchorCtr="0">
             <a:noAutofit/>
           </a:bodyPr>
           <a:lstStyle/>
           <a:p>
-            <a:pPr indent="0" lvl="0" marL="0" marR="0" rtl="0" algn="l">
+            <a:pPr marL="0" marR="0" lvl="0" indent="0" algn="l" rtl="0">
               <a:lnSpc>
                 <a:spcPct val="115000"/>
               </a:lnSpc>
@@ -10594,12 +10646,12 @@
           </a:ln>
         </p:spPr>
         <p:txBody>
-          <a:bodyPr anchorCtr="0" anchor="t" bIns="91425" lIns="91425" spcFirstLastPara="1" rIns="91425" wrap="square" tIns="91425">
+          <a:bodyPr spcFirstLastPara="1" wrap="square" lIns="91425" tIns="91425" rIns="91425" bIns="91425" anchor="t" anchorCtr="0">
             <a:noAutofit/>
           </a:bodyPr>
           <a:lstStyle/>
           <a:p>
-            <a:pPr indent="0" lvl="0" marL="0" marR="0" rtl="0" algn="l">
+            <a:pPr marL="0" marR="0" lvl="0" indent="0" algn="l" rtl="0">
               <a:lnSpc>
                 <a:spcPct val="115000"/>
               </a:lnSpc>
@@ -10655,12 +10707,12 @@
           </a:ln>
         </p:spPr>
         <p:txBody>
-          <a:bodyPr anchorCtr="0" anchor="t" bIns="91425" lIns="91425" spcFirstLastPara="1" rIns="91425" wrap="square" tIns="91425">
+          <a:bodyPr spcFirstLastPara="1" wrap="square" lIns="91425" tIns="91425" rIns="91425" bIns="91425" anchor="t" anchorCtr="0">
             <a:noAutofit/>
           </a:bodyPr>
           <a:lstStyle/>
           <a:p>
-            <a:pPr indent="0" lvl="0" marL="0" marR="0" rtl="0" algn="l">
+            <a:pPr marL="0" marR="0" lvl="0" indent="0" algn="l" rtl="0">
               <a:lnSpc>
                 <a:spcPct val="115000"/>
               </a:lnSpc>
@@ -10788,12 +10840,12 @@
           </a:ln>
         </p:spPr>
         <p:txBody>
-          <a:bodyPr anchorCtr="0" anchor="t" bIns="91425" lIns="91425" spcFirstLastPara="1" rIns="91425" wrap="square" tIns="91425">
+          <a:bodyPr spcFirstLastPara="1" wrap="square" lIns="91425" tIns="91425" rIns="91425" bIns="91425" anchor="t" anchorCtr="0">
             <a:noAutofit/>
           </a:bodyPr>
           <a:lstStyle/>
           <a:p>
-            <a:pPr indent="0" lvl="0" marL="0" rtl="0" algn="l">
+            <a:pPr marL="0" lvl="0" indent="0" algn="l" rtl="0">
               <a:lnSpc>
                 <a:spcPct val="115000"/>
               </a:lnSpc>
@@ -10849,12 +10901,12 @@
           </a:ln>
         </p:spPr>
         <p:txBody>
-          <a:bodyPr anchorCtr="0" anchor="t" bIns="91425" lIns="91425" spcFirstLastPara="1" rIns="91425" wrap="square" tIns="91425">
+          <a:bodyPr spcFirstLastPara="1" wrap="square" lIns="91425" tIns="91425" rIns="91425" bIns="91425" anchor="t" anchorCtr="0">
             <a:noAutofit/>
           </a:bodyPr>
           <a:lstStyle/>
           <a:p>
-            <a:pPr indent="0" lvl="0" marL="0" marR="0" rtl="0" algn="l">
+            <a:pPr marL="0" marR="0" lvl="0" indent="0" algn="l" rtl="0">
               <a:lnSpc>
                 <a:spcPct val="115000"/>
               </a:lnSpc>
@@ -10910,12 +10962,12 @@
           </a:ln>
         </p:spPr>
         <p:txBody>
-          <a:bodyPr anchorCtr="0" anchor="t" bIns="91425" lIns="91425" spcFirstLastPara="1" rIns="91425" wrap="square" tIns="91425">
+          <a:bodyPr spcFirstLastPara="1" wrap="square" lIns="91425" tIns="91425" rIns="91425" bIns="91425" anchor="t" anchorCtr="0">
             <a:noAutofit/>
           </a:bodyPr>
           <a:lstStyle/>
           <a:p>
-            <a:pPr indent="0" lvl="0" marL="0" rtl="0" algn="l">
+            <a:pPr marL="0" lvl="0" indent="0" algn="l" rtl="0">
               <a:lnSpc>
                 <a:spcPct val="115000"/>
               </a:lnSpc>
@@ -10971,12 +11023,12 @@
           </a:ln>
         </p:spPr>
         <p:txBody>
-          <a:bodyPr anchorCtr="0" anchor="t" bIns="91425" lIns="91425" spcFirstLastPara="1" rIns="91425" wrap="square" tIns="91425">
+          <a:bodyPr spcFirstLastPara="1" wrap="square" lIns="91425" tIns="91425" rIns="91425" bIns="91425" anchor="t" anchorCtr="0">
             <a:noAutofit/>
           </a:bodyPr>
           <a:lstStyle/>
           <a:p>
-            <a:pPr indent="0" lvl="0" marL="0" rtl="0" algn="l">
+            <a:pPr marL="0" lvl="0" indent="0" algn="l" rtl="0">
               <a:lnSpc>
                 <a:spcPct val="115000"/>
               </a:lnSpc>
@@ -11032,12 +11084,12 @@
           </a:ln>
         </p:spPr>
         <p:txBody>
-          <a:bodyPr anchorCtr="0" anchor="t" bIns="91425" lIns="91425" spcFirstLastPara="1" rIns="91425" wrap="square" tIns="91425">
+          <a:bodyPr spcFirstLastPara="1" wrap="square" lIns="91425" tIns="91425" rIns="91425" bIns="91425" anchor="t" anchorCtr="0">
             <a:noAutofit/>
           </a:bodyPr>
           <a:lstStyle/>
           <a:p>
-            <a:pPr indent="0" lvl="0" marL="0" rtl="0" algn="l">
+            <a:pPr marL="0" lvl="0" indent="0" algn="l" rtl="0">
               <a:lnSpc>
                 <a:spcPct val="115000"/>
               </a:lnSpc>
@@ -11093,12 +11145,12 @@
           </a:ln>
         </p:spPr>
         <p:txBody>
-          <a:bodyPr anchorCtr="0" anchor="t" bIns="91425" lIns="91425" spcFirstLastPara="1" rIns="91425" wrap="square" tIns="91425">
+          <a:bodyPr spcFirstLastPara="1" wrap="square" lIns="91425" tIns="91425" rIns="91425" bIns="91425" anchor="t" anchorCtr="0">
             <a:noAutofit/>
           </a:bodyPr>
           <a:lstStyle/>
           <a:p>
-            <a:pPr indent="0" lvl="0" marL="0" rtl="0" algn="l">
+            <a:pPr marL="0" lvl="0" indent="0" algn="l" rtl="0">
               <a:lnSpc>
                 <a:spcPct val="115000"/>
               </a:lnSpc>
@@ -11156,12 +11208,12 @@
           </a:ln>
         </p:spPr>
         <p:txBody>
-          <a:bodyPr anchorCtr="0" anchor="t" bIns="91425" lIns="91425" spcFirstLastPara="1" rIns="91425" wrap="square" tIns="91425">
+          <a:bodyPr spcFirstLastPara="1" wrap="square" lIns="91425" tIns="91425" rIns="91425" bIns="91425" anchor="t" anchorCtr="0">
             <a:noAutofit/>
           </a:bodyPr>
           <a:lstStyle/>
           <a:p>
-            <a:pPr indent="0" lvl="0" marL="0" rtl="0" algn="l">
+            <a:pPr marL="0" lvl="0" indent="0" algn="l" rtl="0">
               <a:spcBef>
                 <a:spcPts val="0"/>
               </a:spcBef>
@@ -11171,7 +11223,7 @@
               <a:buNone/>
             </a:pPr>
             <a:r>
-              <a:rPr b="1" lang="en" sz="1100">
+              <a:rPr lang="en" sz="1100" b="1">
                 <a:solidFill>
                   <a:srgbClr val="434343"/>
                 </a:solidFill>
@@ -11182,7 +11234,7 @@
               </a:rPr>
               <a:t>Socio Economic Factors</a:t>
             </a:r>
-            <a:endParaRPr b="1" sz="1100">
+            <a:endParaRPr sz="1100" b="1">
               <a:solidFill>
                 <a:srgbClr val="434343"/>
               </a:solidFill>
@@ -11214,12 +11266,12 @@
           </a:ln>
         </p:spPr>
         <p:txBody>
-          <a:bodyPr anchorCtr="0" anchor="t" bIns="91425" lIns="91425" spcFirstLastPara="1" rIns="91425" wrap="square" tIns="91425">
+          <a:bodyPr spcFirstLastPara="1" wrap="square" lIns="91425" tIns="91425" rIns="91425" bIns="91425" anchor="t" anchorCtr="0">
             <a:noAutofit/>
           </a:bodyPr>
           <a:lstStyle/>
           <a:p>
-            <a:pPr indent="0" lvl="0" marL="0" rtl="0" algn="l">
+            <a:pPr marL="0" lvl="0" indent="0" algn="l" rtl="0">
               <a:lnSpc>
                 <a:spcPct val="115000"/>
               </a:lnSpc>
@@ -11277,12 +11329,12 @@
           </a:ln>
         </p:spPr>
         <p:txBody>
-          <a:bodyPr anchorCtr="0" anchor="t" bIns="91425" lIns="91425" spcFirstLastPara="1" rIns="91425" wrap="square" tIns="91425">
+          <a:bodyPr spcFirstLastPara="1" wrap="square" lIns="91425" tIns="91425" rIns="91425" bIns="91425" anchor="t" anchorCtr="0">
             <a:noAutofit/>
           </a:bodyPr>
           <a:lstStyle/>
           <a:p>
-            <a:pPr indent="0" lvl="0" marL="0" rtl="0" algn="l">
+            <a:pPr marL="0" lvl="0" indent="0" algn="l" rtl="0">
               <a:spcBef>
                 <a:spcPts val="0"/>
               </a:spcBef>
@@ -11292,7 +11344,7 @@
               <a:buNone/>
             </a:pPr>
             <a:r>
-              <a:rPr b="1" lang="en" sz="1100">
+              <a:rPr lang="en" sz="1100" b="1">
                 <a:solidFill>
                   <a:srgbClr val="434343"/>
                 </a:solidFill>
@@ -11303,7 +11355,7 @@
               </a:rPr>
               <a:t>Methods</a:t>
             </a:r>
-            <a:endParaRPr b="1" sz="1100">
+            <a:endParaRPr sz="1100" b="1">
               <a:solidFill>
                 <a:srgbClr val="434343"/>
               </a:solidFill>
@@ -11337,12 +11389,12 @@
           </a:ln>
         </p:spPr>
         <p:txBody>
-          <a:bodyPr anchorCtr="0" anchor="t" bIns="91425" lIns="91425" spcFirstLastPara="1" rIns="91425" wrap="square" tIns="91425">
+          <a:bodyPr spcFirstLastPara="1" wrap="square" lIns="91425" tIns="91425" rIns="91425" bIns="91425" anchor="t" anchorCtr="0">
             <a:noAutofit/>
           </a:bodyPr>
           <a:lstStyle/>
           <a:p>
-            <a:pPr indent="0" lvl="0" marL="0" rtl="0" algn="l">
+            <a:pPr marL="0" lvl="0" indent="0" algn="l" rtl="0">
               <a:spcBef>
                 <a:spcPts val="0"/>
               </a:spcBef>
@@ -11352,7 +11404,7 @@
               <a:buNone/>
             </a:pPr>
             <a:r>
-              <a:rPr b="1" lang="en" sz="1100">
+              <a:rPr lang="en" sz="1100" b="1">
                 <a:solidFill>
                   <a:srgbClr val="434343"/>
                 </a:solidFill>
@@ -11363,7 +11415,7 @@
               </a:rPr>
               <a:t>Mother Nature</a:t>
             </a:r>
-            <a:endParaRPr b="1" sz="1100">
+            <a:endParaRPr sz="1100" b="1">
               <a:solidFill>
                 <a:srgbClr val="434343"/>
               </a:solidFill>
@@ -11397,12 +11449,12 @@
           </a:ln>
         </p:spPr>
         <p:txBody>
-          <a:bodyPr anchorCtr="0" anchor="t" bIns="91425" lIns="91425" spcFirstLastPara="1" rIns="91425" wrap="square" tIns="91425">
+          <a:bodyPr spcFirstLastPara="1" wrap="square" lIns="91425" tIns="91425" rIns="91425" bIns="91425" anchor="t" anchorCtr="0">
             <a:noAutofit/>
           </a:bodyPr>
           <a:lstStyle/>
           <a:p>
-            <a:pPr indent="0" lvl="0" marL="0" rtl="0" algn="l">
+            <a:pPr marL="0" lvl="0" indent="0" algn="l" rtl="0">
               <a:spcBef>
                 <a:spcPts val="0"/>
               </a:spcBef>
@@ -11412,7 +11464,7 @@
               <a:buNone/>
             </a:pPr>
             <a:r>
-              <a:rPr b="1" lang="en" sz="1100">
+              <a:rPr lang="en" sz="1100" b="1">
                 <a:solidFill>
                   <a:srgbClr val="434343"/>
                 </a:solidFill>
@@ -11423,7 +11475,7 @@
               </a:rPr>
               <a:t>Materials</a:t>
             </a:r>
-            <a:endParaRPr b="1" sz="1100">
+            <a:endParaRPr sz="1100" b="1">
               <a:solidFill>
                 <a:srgbClr val="434343"/>
               </a:solidFill>
@@ -11457,12 +11509,12 @@
           </a:ln>
         </p:spPr>
         <p:txBody>
-          <a:bodyPr anchorCtr="0" anchor="t" bIns="91425" lIns="91425" spcFirstLastPara="1" rIns="91425" wrap="square" tIns="91425">
+          <a:bodyPr spcFirstLastPara="1" wrap="square" lIns="91425" tIns="91425" rIns="91425" bIns="91425" anchor="t" anchorCtr="0">
             <a:noAutofit/>
           </a:bodyPr>
           <a:lstStyle/>
           <a:p>
-            <a:pPr indent="0" lvl="0" marL="0" rtl="0" algn="l">
+            <a:pPr marL="0" lvl="0" indent="0" algn="l" rtl="0">
               <a:spcBef>
                 <a:spcPts val="0"/>
               </a:spcBef>
@@ -11472,7 +11524,7 @@
               <a:buNone/>
             </a:pPr>
             <a:r>
-              <a:rPr b="1" lang="en" sz="1100">
+              <a:rPr lang="en" sz="1100" b="1">
                 <a:solidFill>
                   <a:srgbClr val="434343"/>
                 </a:solidFill>
@@ -11483,7 +11535,7 @@
               </a:rPr>
               <a:t>People</a:t>
             </a:r>
-            <a:endParaRPr b="1" sz="1100">
+            <a:endParaRPr sz="1100" b="1">
               <a:solidFill>
                 <a:srgbClr val="434343"/>
               </a:solidFill>
@@ -11517,12 +11569,12 @@
           </a:ln>
         </p:spPr>
         <p:txBody>
-          <a:bodyPr anchorCtr="0" anchor="t" bIns="91425" lIns="91425" spcFirstLastPara="1" rIns="91425" wrap="square" tIns="91425">
+          <a:bodyPr spcFirstLastPara="1" wrap="square" lIns="91425" tIns="91425" rIns="91425" bIns="91425" anchor="t" anchorCtr="0">
             <a:noAutofit/>
           </a:bodyPr>
           <a:lstStyle/>
           <a:p>
-            <a:pPr indent="0" lvl="0" marL="0" rtl="0" algn="l">
+            <a:pPr marL="0" lvl="0" indent="0" algn="l" rtl="0">
               <a:spcBef>
                 <a:spcPts val="0"/>
               </a:spcBef>
@@ -11532,7 +11584,7 @@
               <a:buNone/>
             </a:pPr>
             <a:r>
-              <a:rPr b="1" lang="en" sz="1100">
+              <a:rPr lang="en" sz="1100" b="1">
                 <a:solidFill>
                   <a:srgbClr val="434343"/>
                 </a:solidFill>
@@ -11543,7 +11595,7 @@
               </a:rPr>
               <a:t>Measurement</a:t>
             </a:r>
-            <a:endParaRPr b="1" sz="1100">
+            <a:endParaRPr sz="1100" b="1">
               <a:solidFill>
                 <a:srgbClr val="434343"/>
               </a:solidFill>
@@ -11575,12 +11627,12 @@
           </a:ln>
         </p:spPr>
         <p:txBody>
-          <a:bodyPr anchorCtr="0" anchor="t" bIns="91425" lIns="91425" spcFirstLastPara="1" rIns="91425" wrap="square" tIns="91425">
+          <a:bodyPr spcFirstLastPara="1" wrap="square" lIns="91425" tIns="91425" rIns="91425" bIns="91425" anchor="t" anchorCtr="0">
             <a:noAutofit/>
           </a:bodyPr>
           <a:lstStyle/>
           <a:p>
-            <a:pPr indent="0" lvl="0" marL="0" rtl="0" algn="l">
+            <a:pPr marL="0" lvl="0" indent="0" algn="l" rtl="0">
               <a:lnSpc>
                 <a:spcPct val="115000"/>
               </a:lnSpc>
@@ -11636,12 +11688,12 @@
           </a:ln>
         </p:spPr>
         <p:txBody>
-          <a:bodyPr anchorCtr="0" anchor="t" bIns="91425" lIns="91425" spcFirstLastPara="1" rIns="91425" wrap="square" tIns="91425">
+          <a:bodyPr spcFirstLastPara="1" wrap="square" lIns="91425" tIns="91425" rIns="91425" bIns="91425" anchor="t" anchorCtr="0">
             <a:noAutofit/>
           </a:bodyPr>
           <a:lstStyle/>
           <a:p>
-            <a:pPr indent="0" lvl="0" marL="0" rtl="0" algn="l">
+            <a:pPr marL="0" lvl="0" indent="0" algn="l" rtl="0">
               <a:lnSpc>
                 <a:spcPct val="115000"/>
               </a:lnSpc>
@@ -11697,12 +11749,12 @@
           </a:ln>
         </p:spPr>
         <p:txBody>
-          <a:bodyPr anchorCtr="0" anchor="t" bIns="91425" lIns="91425" spcFirstLastPara="1" rIns="91425" wrap="square" tIns="91425">
+          <a:bodyPr spcFirstLastPara="1" wrap="square" lIns="91425" tIns="91425" rIns="91425" bIns="91425" anchor="t" anchorCtr="0">
             <a:noAutofit/>
           </a:bodyPr>
           <a:lstStyle/>
           <a:p>
-            <a:pPr indent="0" lvl="0" marL="0" rtl="0" algn="l">
+            <a:pPr marL="0" lvl="0" indent="0" algn="l" rtl="0">
               <a:lnSpc>
                 <a:spcPct val="115000"/>
               </a:lnSpc>
@@ -11758,12 +11810,12 @@
           </a:ln>
         </p:spPr>
         <p:txBody>
-          <a:bodyPr anchorCtr="0" anchor="t" bIns="91425" lIns="91425" spcFirstLastPara="1" rIns="91425" wrap="square" tIns="91425">
+          <a:bodyPr spcFirstLastPara="1" wrap="square" lIns="91425" tIns="91425" rIns="91425" bIns="91425" anchor="t" anchorCtr="0">
             <a:noAutofit/>
           </a:bodyPr>
           <a:lstStyle/>
           <a:p>
-            <a:pPr indent="0" lvl="0" marL="0" rtl="0" algn="l">
+            <a:pPr marL="0" lvl="0" indent="0" algn="l" rtl="0">
               <a:lnSpc>
                 <a:spcPct val="115000"/>
               </a:lnSpc>
@@ -11819,12 +11871,12 @@
           </a:ln>
         </p:spPr>
         <p:txBody>
-          <a:bodyPr anchorCtr="0" anchor="t" bIns="91425" lIns="91425" spcFirstLastPara="1" rIns="91425" wrap="square" tIns="91425">
+          <a:bodyPr spcFirstLastPara="1" wrap="square" lIns="91425" tIns="91425" rIns="91425" bIns="91425" anchor="t" anchorCtr="0">
             <a:noAutofit/>
           </a:bodyPr>
           <a:lstStyle/>
           <a:p>
-            <a:pPr indent="0" lvl="0" marL="0" rtl="0" algn="l">
+            <a:pPr marL="0" lvl="0" indent="0" algn="l" rtl="0">
               <a:lnSpc>
                 <a:spcPct val="115000"/>
               </a:lnSpc>
@@ -11880,12 +11932,12 @@
           </a:ln>
         </p:spPr>
         <p:txBody>
-          <a:bodyPr anchorCtr="0" anchor="t" bIns="91425" lIns="91425" spcFirstLastPara="1" rIns="91425" wrap="square" tIns="91425">
+          <a:bodyPr spcFirstLastPara="1" wrap="square" lIns="91425" tIns="91425" rIns="91425" bIns="91425" anchor="t" anchorCtr="0">
             <a:noAutofit/>
           </a:bodyPr>
           <a:lstStyle/>
           <a:p>
-            <a:pPr indent="0" lvl="0" marL="0" rtl="0" algn="l">
+            <a:pPr marL="0" lvl="0" indent="0" algn="l" rtl="0">
               <a:lnSpc>
                 <a:spcPct val="115000"/>
               </a:lnSpc>
@@ -11930,11 +11982,11 @@
 </file>
 
 <file path=ppt/slides/slide5.xml><?xml version="1.0" encoding="utf-8"?>
-<p:sld xmlns:a="http://schemas.openxmlformats.org/drawingml/2006/main" xmlns:r="http://schemas.openxmlformats.org/officeDocument/2006/relationships" xmlns:mc="http://schemas.openxmlformats.org/markup-compatibility/2006" xmlns:mv="urn:schemas-microsoft-com:mac:vml" xmlns:p="http://schemas.openxmlformats.org/presentationml/2006/main" xmlns:c="http://schemas.openxmlformats.org/drawingml/2006/chart" xmlns:dgm="http://schemas.openxmlformats.org/drawingml/2006/diagram" xmlns:o="urn:schemas-microsoft-com:office:office" xmlns:v="urn:schemas-microsoft-com:vml" xmlns:pvml="urn:schemas-microsoft-com:office:powerpoint" xmlns:com="http://schemas.openxmlformats.org/drawingml/2006/compatibility" xmlns:p14="http://schemas.microsoft.com/office/powerpoint/2010/main" xmlns:p15="http://schemas.microsoft.com/office/powerpoint/2012/main">
+<p:sld xmlns:a="http://schemas.openxmlformats.org/drawingml/2006/main" xmlns:r="http://schemas.openxmlformats.org/officeDocument/2006/relationships" xmlns:p="http://schemas.openxmlformats.org/presentationml/2006/main">
   <p:cSld>
     <p:spTree>
       <p:nvGrpSpPr>
-        <p:cNvPr id="139" name="Shape 139"/>
+        <p:cNvPr id="1" name="Shape 139"/>
         <p:cNvGrpSpPr/>
         <p:nvPr/>
       </p:nvGrpSpPr>
@@ -11949,7 +12001,9 @@
       <p:sp>
         <p:nvSpPr>
           <p:cNvPr id="140" name="Google Shape;140;p17"/>
-          <p:cNvSpPr txBox="1"/>
+          <p:cNvSpPr txBox="1">
+            <a:spLocks noGrp="1"/>
+          </p:cNvSpPr>
           <p:nvPr>
             <p:ph type="title"/>
           </p:nvPr>
@@ -11964,12 +12018,12 @@
           </a:prstGeom>
         </p:spPr>
         <p:txBody>
-          <a:bodyPr anchorCtr="0" anchor="t" bIns="91425" lIns="91425" spcFirstLastPara="1" rIns="91425" wrap="square" tIns="91425">
+          <a:bodyPr spcFirstLastPara="1" wrap="square" lIns="91425" tIns="91425" rIns="91425" bIns="91425" anchor="t" anchorCtr="0">
             <a:noAutofit/>
           </a:bodyPr>
           <a:lstStyle/>
           <a:p>
-            <a:pPr indent="0" lvl="0" marL="0" rtl="0" algn="l">
+            <a:pPr marL="0" lvl="0" indent="0" algn="l" rtl="0">
               <a:spcBef>
                 <a:spcPts val="0"/>
               </a:spcBef>
@@ -12090,12 +12144,12 @@
           </a:ln>
         </p:spPr>
         <p:txBody>
-          <a:bodyPr anchorCtr="0" anchor="ctr" bIns="91425" lIns="91425" spcFirstLastPara="1" rIns="91425" wrap="square" tIns="91425">
+          <a:bodyPr spcFirstLastPara="1" wrap="square" lIns="91425" tIns="91425" rIns="91425" bIns="91425" anchor="ctr" anchorCtr="0">
             <a:noAutofit/>
           </a:bodyPr>
           <a:lstStyle/>
           <a:p>
-            <a:pPr indent="0" lvl="0" marL="0" rtl="0" algn="ctr">
+            <a:pPr marL="0" lvl="0" indent="0" algn="ctr" rtl="0">
               <a:spcBef>
                 <a:spcPts val="0"/>
               </a:spcBef>
@@ -12142,12 +12196,12 @@
           </a:ln>
         </p:spPr>
         <p:txBody>
-          <a:bodyPr anchorCtr="0" anchor="ctr" bIns="91425" lIns="91425" spcFirstLastPara="1" rIns="91425" wrap="square" tIns="91425">
+          <a:bodyPr spcFirstLastPara="1" wrap="square" lIns="91425" tIns="91425" rIns="91425" bIns="91425" anchor="ctr" anchorCtr="0">
             <a:noAutofit/>
           </a:bodyPr>
           <a:lstStyle/>
           <a:p>
-            <a:pPr indent="0" lvl="0" marL="0" rtl="0" algn="ctr">
+            <a:pPr marL="0" lvl="0" indent="0" algn="ctr" rtl="0">
               <a:spcBef>
                 <a:spcPts val="0"/>
               </a:spcBef>
@@ -12194,12 +12248,12 @@
           </a:ln>
         </p:spPr>
         <p:txBody>
-          <a:bodyPr anchorCtr="0" anchor="ctr" bIns="91425" lIns="91425" spcFirstLastPara="1" rIns="91425" wrap="square" tIns="91425">
+          <a:bodyPr spcFirstLastPara="1" wrap="square" lIns="91425" tIns="91425" rIns="91425" bIns="91425" anchor="ctr" anchorCtr="0">
             <a:noAutofit/>
           </a:bodyPr>
           <a:lstStyle/>
           <a:p>
-            <a:pPr indent="0" lvl="0" marL="0" rtl="0" algn="ctr">
+            <a:pPr marL="0" lvl="0" indent="0" algn="ctr" rtl="0">
               <a:spcBef>
                 <a:spcPts val="0"/>
               </a:spcBef>
@@ -12235,11 +12289,11 @@
 </file>
 
 <file path=ppt/slides/slide6.xml><?xml version="1.0" encoding="utf-8"?>
-<p:sld xmlns:a="http://schemas.openxmlformats.org/drawingml/2006/main" xmlns:r="http://schemas.openxmlformats.org/officeDocument/2006/relationships" xmlns:mc="http://schemas.openxmlformats.org/markup-compatibility/2006" xmlns:mv="urn:schemas-microsoft-com:mac:vml" xmlns:p="http://schemas.openxmlformats.org/presentationml/2006/main" xmlns:c="http://schemas.openxmlformats.org/drawingml/2006/chart" xmlns:dgm="http://schemas.openxmlformats.org/drawingml/2006/diagram" xmlns:o="urn:schemas-microsoft-com:office:office" xmlns:v="urn:schemas-microsoft-com:vml" xmlns:pvml="urn:schemas-microsoft-com:office:powerpoint" xmlns:com="http://schemas.openxmlformats.org/drawingml/2006/compatibility" xmlns:p14="http://schemas.microsoft.com/office/powerpoint/2010/main" xmlns:p15="http://schemas.microsoft.com/office/powerpoint/2012/main">
+<p:sld xmlns:a="http://schemas.openxmlformats.org/drawingml/2006/main" xmlns:r="http://schemas.openxmlformats.org/officeDocument/2006/relationships" xmlns:p="http://schemas.openxmlformats.org/presentationml/2006/main">
   <p:cSld>
     <p:spTree>
       <p:nvGrpSpPr>
-        <p:cNvPr id="150" name="Shape 150"/>
+        <p:cNvPr id="1" name="Shape 150"/>
         <p:cNvGrpSpPr/>
         <p:nvPr/>
       </p:nvGrpSpPr>
@@ -12254,7 +12308,9 @@
       <p:sp>
         <p:nvSpPr>
           <p:cNvPr id="151" name="Google Shape;151;p18"/>
-          <p:cNvSpPr txBox="1"/>
+          <p:cNvSpPr txBox="1">
+            <a:spLocks noGrp="1"/>
+          </p:cNvSpPr>
           <p:nvPr>
             <p:ph type="title"/>
           </p:nvPr>
@@ -12269,12 +12325,12 @@
           </a:prstGeom>
         </p:spPr>
         <p:txBody>
-          <a:bodyPr anchorCtr="0" anchor="t" bIns="91425" lIns="91425" spcFirstLastPara="1" rIns="91425" wrap="square" tIns="91425">
+          <a:bodyPr spcFirstLastPara="1" wrap="square" lIns="91425" tIns="91425" rIns="91425" bIns="91425" anchor="t" anchorCtr="0">
             <a:noAutofit/>
           </a:bodyPr>
           <a:lstStyle/>
           <a:p>
-            <a:pPr indent="0" lvl="0" marL="0" rtl="0" algn="l">
+            <a:pPr marL="0" lvl="0" indent="0" algn="l" rtl="0">
               <a:spcBef>
                 <a:spcPts val="0"/>
               </a:spcBef>
@@ -12294,9 +12350,11 @@
       <p:sp>
         <p:nvSpPr>
           <p:cNvPr id="152" name="Google Shape;152;p18"/>
-          <p:cNvSpPr txBox="1"/>
+          <p:cNvSpPr txBox="1">
+            <a:spLocks noGrp="1"/>
+          </p:cNvSpPr>
           <p:nvPr>
-            <p:ph idx="1" type="body"/>
+            <p:ph type="body" idx="1"/>
           </p:nvPr>
         </p:nvSpPr>
         <p:spPr>
@@ -12309,12 +12367,12 @@
           </a:prstGeom>
         </p:spPr>
         <p:txBody>
-          <a:bodyPr anchorCtr="0" anchor="t" bIns="91425" lIns="91425" spcFirstLastPara="1" rIns="91425" wrap="square" tIns="91425">
+          <a:bodyPr spcFirstLastPara="1" wrap="square" lIns="91425" tIns="91425" rIns="91425" bIns="91425" anchor="t" anchorCtr="0">
             <a:noAutofit/>
           </a:bodyPr>
           <a:lstStyle/>
           <a:p>
-            <a:pPr indent="-311150" lvl="0" marL="457200" rtl="0" algn="just">
+            <a:pPr marL="457200" lvl="0" indent="-311150" algn="just" rtl="0">
               <a:lnSpc>
                 <a:spcPct val="200000"/>
               </a:lnSpc>
@@ -12328,12 +12386,8 @@
               <a:buChar char="●"/>
             </a:pPr>
             <a:r>
-              <a:rPr b="1" lang="en"/>
-              <a:t>Logistic</a:t>
-            </a:r>
-            <a:r>
-              <a:rPr b="1" lang="en"/>
-              <a:t> regression </a:t>
+              <a:rPr lang="en" b="1"/>
+              <a:t>Logistic regression </a:t>
             </a:r>
             <a:r>
               <a:rPr lang="en"/>
@@ -12342,7 +12396,7 @@
             <a:endParaRPr/>
           </a:p>
           <a:p>
-            <a:pPr indent="-311150" lvl="0" marL="457200" rtl="0" algn="just">
+            <a:pPr marL="457200" lvl="0" indent="-311150" algn="just" rtl="0">
               <a:lnSpc>
                 <a:spcPct val="200000"/>
               </a:lnSpc>
@@ -12362,7 +12416,7 @@
             <a:endParaRPr/>
           </a:p>
           <a:p>
-            <a:pPr indent="-311150" lvl="0" marL="457200" rtl="0" algn="just">
+            <a:pPr marL="457200" lvl="0" indent="-311150" algn="just" rtl="0">
               <a:lnSpc>
                 <a:spcPct val="200000"/>
               </a:lnSpc>
@@ -12382,7 +12436,7 @@
             <a:endParaRPr/>
           </a:p>
           <a:p>
-            <a:pPr indent="-311150" lvl="0" marL="457200" rtl="0" algn="just">
+            <a:pPr marL="457200" lvl="0" indent="-311150" algn="just" rtl="0">
               <a:lnSpc>
                 <a:spcPct val="200000"/>
               </a:lnSpc>
@@ -12402,7 +12456,7 @@
             <a:endParaRPr/>
           </a:p>
           <a:p>
-            <a:pPr indent="-311150" lvl="0" marL="457200" rtl="0" algn="just">
+            <a:pPr marL="457200" lvl="0" indent="-311150" algn="just" rtl="0">
               <a:lnSpc>
                 <a:spcPct val="200000"/>
               </a:lnSpc>
@@ -12422,7 +12476,7 @@
             <a:endParaRPr/>
           </a:p>
           <a:p>
-            <a:pPr indent="-311150" lvl="0" marL="457200" rtl="0" algn="just">
+            <a:pPr marL="457200" lvl="0" indent="-311150" algn="just" rtl="0">
               <a:lnSpc>
                 <a:spcPct val="200000"/>
               </a:lnSpc>
@@ -12442,7 +12496,7 @@
             <a:endParaRPr/>
           </a:p>
           <a:p>
-            <a:pPr indent="-311150" lvl="0" marL="457200" rtl="0" algn="just">
+            <a:pPr marL="457200" lvl="0" indent="-311150" algn="just" rtl="0">
               <a:lnSpc>
                 <a:spcPct val="200000"/>
               </a:lnSpc>
@@ -12473,7 +12527,7 @@
           <a:blip r:embed="rId3">
             <a:alphaModFix/>
           </a:blip>
-          <a:srcRect b="11264" l="8753" r="6837" t="10513"/>
+          <a:srcRect l="8753" t="10513" r="6837" b="11264"/>
           <a:stretch/>
         </p:blipFill>
         <p:spPr>
@@ -12499,11 +12553,11 @@
 </file>
 
 <file path=ppt/slides/slide7.xml><?xml version="1.0" encoding="utf-8"?>
-<p:sld xmlns:a="http://schemas.openxmlformats.org/drawingml/2006/main" xmlns:r="http://schemas.openxmlformats.org/officeDocument/2006/relationships" xmlns:mc="http://schemas.openxmlformats.org/markup-compatibility/2006" xmlns:mv="urn:schemas-microsoft-com:mac:vml" xmlns:p="http://schemas.openxmlformats.org/presentationml/2006/main" xmlns:c="http://schemas.openxmlformats.org/drawingml/2006/chart" xmlns:dgm="http://schemas.openxmlformats.org/drawingml/2006/diagram" xmlns:o="urn:schemas-microsoft-com:office:office" xmlns:v="urn:schemas-microsoft-com:vml" xmlns:pvml="urn:schemas-microsoft-com:office:powerpoint" xmlns:com="http://schemas.openxmlformats.org/drawingml/2006/compatibility" xmlns:p14="http://schemas.microsoft.com/office/powerpoint/2010/main" xmlns:p15="http://schemas.microsoft.com/office/powerpoint/2012/main">
+<p:sld xmlns:a="http://schemas.openxmlformats.org/drawingml/2006/main" xmlns:r="http://schemas.openxmlformats.org/officeDocument/2006/relationships" xmlns:p="http://schemas.openxmlformats.org/presentationml/2006/main">
   <p:cSld>
     <p:spTree>
       <p:nvGrpSpPr>
-        <p:cNvPr id="157" name="Shape 157"/>
+        <p:cNvPr id="1" name="Shape 157"/>
         <p:cNvGrpSpPr/>
         <p:nvPr/>
       </p:nvGrpSpPr>
@@ -12518,7 +12572,9 @@
       <p:sp>
         <p:nvSpPr>
           <p:cNvPr id="158" name="Google Shape;158;p19"/>
-          <p:cNvSpPr txBox="1"/>
+          <p:cNvSpPr txBox="1">
+            <a:spLocks noGrp="1"/>
+          </p:cNvSpPr>
           <p:nvPr>
             <p:ph type="title"/>
           </p:nvPr>
@@ -12533,12 +12589,12 @@
           </a:prstGeom>
         </p:spPr>
         <p:txBody>
-          <a:bodyPr anchorCtr="0" anchor="t" bIns="91425" lIns="91425" spcFirstLastPara="1" rIns="91425" wrap="square" tIns="91425">
+          <a:bodyPr spcFirstLastPara="1" wrap="square" lIns="91425" tIns="91425" rIns="91425" bIns="91425" anchor="t" anchorCtr="0">
             <a:noAutofit/>
           </a:bodyPr>
           <a:lstStyle/>
           <a:p>
-            <a:pPr indent="0" lvl="0" marL="0" rtl="0" algn="ctr">
+            <a:pPr marL="0" lvl="0" indent="0" algn="ctr" rtl="0">
               <a:spcBef>
                 <a:spcPts val="0"/>
               </a:spcBef>
@@ -12554,18 +12610,15 @@
             <a:endParaRPr/>
           </a:p>
           <a:p>
-            <a:pPr indent="0" lvl="0" marL="0" rtl="0" algn="l">
-              <a:spcBef>
-                <a:spcPts val="0"/>
-              </a:spcBef>
-              <a:spcAft>
-                <a:spcPts val="0"/>
-              </a:spcAft>
-              <a:buNone/>
-            </a:pPr>
-            <a:r>
-              <a:t/>
-            </a:r>
+            <a:pPr marL="0" lvl="0" indent="0" algn="l" rtl="0">
+              <a:spcBef>
+                <a:spcPts val="0"/>
+              </a:spcBef>
+              <a:spcAft>
+                <a:spcPts val="0"/>
+              </a:spcAft>
+              <a:buNone/>
+            </a:pPr>
             <a:endParaRPr/>
           </a:p>
         </p:txBody>
@@ -12573,9 +12626,11 @@
       <p:sp>
         <p:nvSpPr>
           <p:cNvPr id="159" name="Google Shape;159;p19"/>
-          <p:cNvSpPr txBox="1"/>
+          <p:cNvSpPr txBox="1">
+            <a:spLocks noGrp="1"/>
+          </p:cNvSpPr>
           <p:nvPr>
-            <p:ph idx="1" type="body"/>
+            <p:ph type="body" idx="1"/>
           </p:nvPr>
         </p:nvSpPr>
         <p:spPr>
@@ -12588,12 +12643,12 @@
           </a:prstGeom>
         </p:spPr>
         <p:txBody>
-          <a:bodyPr anchorCtr="0" anchor="t" bIns="91425" lIns="91425" spcFirstLastPara="1" rIns="91425" wrap="square" tIns="91425">
+          <a:bodyPr spcFirstLastPara="1" wrap="square" lIns="91425" tIns="91425" rIns="91425" bIns="91425" anchor="t" anchorCtr="0">
             <a:noAutofit/>
           </a:bodyPr>
           <a:lstStyle/>
           <a:p>
-            <a:pPr indent="0" lvl="0" marL="0" rtl="0" algn="l">
+            <a:pPr marL="0" lvl="0" indent="0" algn="l" rtl="0">
               <a:spcBef>
                 <a:spcPts val="0"/>
               </a:spcBef>
@@ -12609,7 +12664,7 @@
             <a:endParaRPr sz="1600"/>
           </a:p>
           <a:p>
-            <a:pPr indent="0" lvl="0" marL="0" rtl="0" algn="l">
+            <a:pPr marL="0" lvl="0" indent="0" algn="l" rtl="0">
               <a:spcBef>
                 <a:spcPts val="1600"/>
               </a:spcBef>
@@ -12625,7 +12680,7 @@
             <a:endParaRPr sz="1600"/>
           </a:p>
           <a:p>
-            <a:pPr indent="0" lvl="0" marL="0" rtl="0" algn="l">
+            <a:pPr marL="0" lvl="0" indent="0" algn="l" rtl="0">
               <a:spcBef>
                 <a:spcPts val="1600"/>
               </a:spcBef>
@@ -12641,7 +12696,7 @@
             <a:endParaRPr sz="1600"/>
           </a:p>
           <a:p>
-            <a:pPr indent="0" lvl="0" marL="0" rtl="0" algn="l">
+            <a:pPr marL="0" lvl="0" indent="0" algn="l" rtl="0">
               <a:spcBef>
                 <a:spcPts val="1600"/>
               </a:spcBef>
@@ -12652,16 +12707,12 @@
             </a:pPr>
             <a:r>
               <a:rPr lang="en" sz="1600"/>
-              <a:t>Snowfall</a:t>
-            </a:r>
-            <a:r>
-              <a:rPr lang="en" sz="1600"/>
-              <a:t>			Decrease		Increase</a:t>
+              <a:t>Snowfall			Decrease		Increase</a:t>
             </a:r>
             <a:endParaRPr sz="1600"/>
           </a:p>
           <a:p>
-            <a:pPr indent="0" lvl="0" marL="0" rtl="0" algn="l">
+            <a:pPr marL="0" lvl="0" indent="0" algn="l" rtl="0">
               <a:spcBef>
                 <a:spcPts val="1600"/>
               </a:spcBef>
@@ -12677,7 +12728,7 @@
             <a:endParaRPr sz="1600"/>
           </a:p>
           <a:p>
-            <a:pPr indent="0" lvl="0" marL="0" rtl="0" algn="l">
+            <a:pPr marL="0" lvl="0" indent="0" algn="l" rtl="0">
               <a:spcBef>
                 <a:spcPts val="1600"/>
               </a:spcBef>
@@ -12731,11 +12782,11 @@
 </file>
 
 <file path=ppt/slides/slide8.xml><?xml version="1.0" encoding="utf-8"?>
-<p:sld xmlns:a="http://schemas.openxmlformats.org/drawingml/2006/main" xmlns:r="http://schemas.openxmlformats.org/officeDocument/2006/relationships" xmlns:mc="http://schemas.openxmlformats.org/markup-compatibility/2006" xmlns:mv="urn:schemas-microsoft-com:mac:vml" xmlns:p="http://schemas.openxmlformats.org/presentationml/2006/main" xmlns:c="http://schemas.openxmlformats.org/drawingml/2006/chart" xmlns:dgm="http://schemas.openxmlformats.org/drawingml/2006/diagram" xmlns:o="urn:schemas-microsoft-com:office:office" xmlns:v="urn:schemas-microsoft-com:vml" xmlns:pvml="urn:schemas-microsoft-com:office:powerpoint" xmlns:com="http://schemas.openxmlformats.org/drawingml/2006/compatibility" xmlns:p14="http://schemas.microsoft.com/office/powerpoint/2010/main" xmlns:p15="http://schemas.microsoft.com/office/powerpoint/2012/main">
+<p:sld xmlns:a="http://schemas.openxmlformats.org/drawingml/2006/main" xmlns:r="http://schemas.openxmlformats.org/officeDocument/2006/relationships" xmlns:p="http://schemas.openxmlformats.org/presentationml/2006/main">
   <p:cSld>
     <p:spTree>
       <p:nvGrpSpPr>
-        <p:cNvPr id="164" name="Shape 164"/>
+        <p:cNvPr id="1" name="Shape 164"/>
         <p:cNvGrpSpPr/>
         <p:nvPr/>
       </p:nvGrpSpPr>
@@ -12750,7 +12801,9 @@
       <p:sp>
         <p:nvSpPr>
           <p:cNvPr id="165" name="Google Shape;165;p20"/>
-          <p:cNvSpPr txBox="1"/>
+          <p:cNvSpPr txBox="1">
+            <a:spLocks noGrp="1"/>
+          </p:cNvSpPr>
           <p:nvPr>
             <p:ph type="title"/>
           </p:nvPr>
@@ -12765,12 +12818,12 @@
           </a:prstGeom>
         </p:spPr>
         <p:txBody>
-          <a:bodyPr anchorCtr="0" anchor="t" bIns="91425" lIns="91425" spcFirstLastPara="1" rIns="91425" wrap="square" tIns="91425">
+          <a:bodyPr spcFirstLastPara="1" wrap="square" lIns="91425" tIns="91425" rIns="91425" bIns="91425" anchor="t" anchorCtr="0">
             <a:noAutofit/>
           </a:bodyPr>
           <a:lstStyle/>
           <a:p>
-            <a:pPr indent="0" lvl="0" marL="0" rtl="0" algn="ctr">
+            <a:pPr marL="0" lvl="0" indent="0" algn="ctr" rtl="0">
               <a:spcBef>
                 <a:spcPts val="0"/>
               </a:spcBef>
@@ -12781,27 +12834,20 @@
             </a:pPr>
             <a:r>
               <a:rPr lang="en"/>
-              <a:t>Arrests: </a:t>
-            </a:r>
-            <a:r>
-              <a:rPr lang="en"/>
-              <a:t>What did our Analysis Tell Us? (Time)</a:t>
+              <a:t>Arrests: What did our Analysis Tell Us? (Time)</a:t>
             </a:r>
             <a:endParaRPr/>
           </a:p>
           <a:p>
-            <a:pPr indent="0" lvl="0" marL="0" rtl="0" algn="ctr">
-              <a:spcBef>
-                <a:spcPts val="0"/>
-              </a:spcBef>
-              <a:spcAft>
-                <a:spcPts val="0"/>
-              </a:spcAft>
-              <a:buNone/>
-            </a:pPr>
-            <a:r>
-              <a:t/>
-            </a:r>
+            <a:pPr marL="0" lvl="0" indent="0" algn="ctr" rtl="0">
+              <a:spcBef>
+                <a:spcPts val="0"/>
+              </a:spcBef>
+              <a:spcAft>
+                <a:spcPts val="0"/>
+              </a:spcAft>
+              <a:buNone/>
+            </a:pPr>
             <a:endParaRPr/>
           </a:p>
         </p:txBody>
@@ -12809,9 +12855,11 @@
       <p:sp>
         <p:nvSpPr>
           <p:cNvPr id="166" name="Google Shape;166;p20"/>
-          <p:cNvSpPr txBox="1"/>
+          <p:cNvSpPr txBox="1">
+            <a:spLocks noGrp="1"/>
+          </p:cNvSpPr>
           <p:nvPr>
-            <p:ph idx="1" type="body"/>
+            <p:ph type="body" idx="1"/>
           </p:nvPr>
         </p:nvSpPr>
         <p:spPr>
@@ -12824,12 +12872,12 @@
           </a:prstGeom>
         </p:spPr>
         <p:txBody>
-          <a:bodyPr anchorCtr="0" anchor="t" bIns="91425" lIns="91425" spcFirstLastPara="1" rIns="91425" wrap="square" tIns="91425">
+          <a:bodyPr spcFirstLastPara="1" wrap="square" lIns="91425" tIns="91425" rIns="91425" bIns="91425" anchor="t" anchorCtr="0">
             <a:noAutofit/>
           </a:bodyPr>
           <a:lstStyle/>
           <a:p>
-            <a:pPr indent="0" lvl="0" marL="0" rtl="0" algn="l">
+            <a:pPr marL="0" lvl="0" indent="0" algn="l" rtl="0">
               <a:spcBef>
                 <a:spcPts val="0"/>
               </a:spcBef>
@@ -12845,7 +12893,7 @@
             <a:endParaRPr sz="1600"/>
           </a:p>
           <a:p>
-            <a:pPr indent="0" lvl="0" marL="0" rtl="0" algn="l">
+            <a:pPr marL="0" lvl="0" indent="0" algn="l" rtl="0">
               <a:spcBef>
                 <a:spcPts val="1600"/>
               </a:spcBef>
@@ -12861,7 +12909,7 @@
             <a:endParaRPr sz="1600"/>
           </a:p>
           <a:p>
-            <a:pPr indent="0" lvl="0" marL="0" rtl="0" algn="l">
+            <a:pPr marL="0" lvl="0" indent="0" algn="l" rtl="0">
               <a:spcBef>
                 <a:spcPts val="1600"/>
               </a:spcBef>
@@ -12877,7 +12925,7 @@
             <a:endParaRPr sz="1600"/>
           </a:p>
           <a:p>
-            <a:pPr indent="0" lvl="0" marL="0" rtl="0" algn="l">
+            <a:pPr marL="0" lvl="0" indent="0" algn="l" rtl="0">
               <a:spcBef>
                 <a:spcPts val="1600"/>
               </a:spcBef>
@@ -12893,7 +12941,7 @@
             <a:endParaRPr sz="1600"/>
           </a:p>
           <a:p>
-            <a:pPr indent="0" lvl="0" marL="0" rtl="0" algn="l">
+            <a:pPr marL="0" lvl="0" indent="0" algn="l" rtl="0">
               <a:spcBef>
                 <a:spcPts val="1600"/>
               </a:spcBef>
@@ -12909,7 +12957,7 @@
             <a:endParaRPr sz="1600"/>
           </a:p>
           <a:p>
-            <a:pPr indent="0" lvl="0" marL="0" rtl="0" algn="l">
+            <a:pPr marL="0" lvl="0" indent="0" algn="l" rtl="0">
               <a:spcBef>
                 <a:spcPts val="1600"/>
               </a:spcBef>
@@ -12925,7 +12973,7 @@
             <a:endParaRPr sz="1600"/>
           </a:p>
           <a:p>
-            <a:pPr indent="0" lvl="0" marL="0" rtl="0" algn="l">
+            <a:pPr marL="0" lvl="0" indent="0" algn="l" rtl="0">
               <a:spcBef>
                 <a:spcPts val="1600"/>
               </a:spcBef>
@@ -12936,11 +12984,7 @@
             </a:pPr>
             <a:r>
               <a:rPr lang="en" sz="1600"/>
-              <a:t>4p</a:t>
-            </a:r>
-            <a:r>
-              <a:rPr lang="en" sz="1600"/>
-              <a:t>m-12am		Decrease		Increase</a:t>
+              <a:t>4pm-12am		Decrease		Increase</a:t>
             </a:r>
             <a:endParaRPr sz="1600"/>
           </a:p>
@@ -12983,11 +13027,11 @@
 </file>
 
 <file path=ppt/slides/slide9.xml><?xml version="1.0" encoding="utf-8"?>
-<p:sld xmlns:a="http://schemas.openxmlformats.org/drawingml/2006/main" xmlns:r="http://schemas.openxmlformats.org/officeDocument/2006/relationships" xmlns:mc="http://schemas.openxmlformats.org/markup-compatibility/2006" xmlns:mv="urn:schemas-microsoft-com:mac:vml" xmlns:p="http://schemas.openxmlformats.org/presentationml/2006/main" xmlns:c="http://schemas.openxmlformats.org/drawingml/2006/chart" xmlns:dgm="http://schemas.openxmlformats.org/drawingml/2006/diagram" xmlns:o="urn:schemas-microsoft-com:office:office" xmlns:v="urn:schemas-microsoft-com:vml" xmlns:pvml="urn:schemas-microsoft-com:office:powerpoint" xmlns:com="http://schemas.openxmlformats.org/drawingml/2006/compatibility" xmlns:p14="http://schemas.microsoft.com/office/powerpoint/2010/main" xmlns:p15="http://schemas.microsoft.com/office/powerpoint/2012/main">
+<p:sld xmlns:a="http://schemas.openxmlformats.org/drawingml/2006/main" xmlns:r="http://schemas.openxmlformats.org/officeDocument/2006/relationships" xmlns:p="http://schemas.openxmlformats.org/presentationml/2006/main">
   <p:cSld>
     <p:spTree>
       <p:nvGrpSpPr>
-        <p:cNvPr id="171" name="Shape 171"/>
+        <p:cNvPr id="1" name="Shape 171"/>
         <p:cNvGrpSpPr/>
         <p:nvPr/>
       </p:nvGrpSpPr>
@@ -13002,7 +13046,9 @@
       <p:sp>
         <p:nvSpPr>
           <p:cNvPr id="172" name="Google Shape;172;p21"/>
-          <p:cNvSpPr txBox="1"/>
+          <p:cNvSpPr txBox="1">
+            <a:spLocks noGrp="1"/>
+          </p:cNvSpPr>
           <p:nvPr>
             <p:ph type="title"/>
           </p:nvPr>
@@ -13017,12 +13063,12 @@
           </a:prstGeom>
         </p:spPr>
         <p:txBody>
-          <a:bodyPr anchorCtr="0" anchor="t" bIns="91425" lIns="91425" spcFirstLastPara="1" rIns="91425" wrap="square" tIns="91425">
+          <a:bodyPr spcFirstLastPara="1" wrap="square" lIns="91425" tIns="91425" rIns="91425" bIns="91425" anchor="t" anchorCtr="0">
             <a:noAutofit/>
           </a:bodyPr>
           <a:lstStyle/>
           <a:p>
-            <a:pPr indent="0" lvl="0" marL="0" rtl="0" algn="l">
+            <a:pPr marL="0" lvl="0" indent="0" algn="l" rtl="0">
               <a:spcBef>
                 <a:spcPts val="0"/>
               </a:spcBef>
@@ -13042,9 +13088,11 @@
       <p:sp>
         <p:nvSpPr>
           <p:cNvPr id="173" name="Google Shape;173;p21"/>
-          <p:cNvSpPr txBox="1"/>
+          <p:cNvSpPr txBox="1">
+            <a:spLocks noGrp="1"/>
+          </p:cNvSpPr>
           <p:nvPr>
-            <p:ph idx="1" type="body"/>
+            <p:ph type="body" idx="1"/>
           </p:nvPr>
         </p:nvSpPr>
         <p:spPr>
@@ -13057,12 +13105,12 @@
           </a:prstGeom>
         </p:spPr>
         <p:txBody>
-          <a:bodyPr anchorCtr="0" anchor="t" bIns="91425" lIns="91425" spcFirstLastPara="1" rIns="91425" wrap="square" tIns="91425">
+          <a:bodyPr spcFirstLastPara="1" wrap="square" lIns="91425" tIns="91425" rIns="91425" bIns="91425" anchor="t" anchorCtr="0">
             <a:noAutofit/>
           </a:bodyPr>
           <a:lstStyle/>
           <a:p>
-            <a:pPr indent="0" lvl="0" marL="0" rtl="0" algn="l">
+            <a:pPr marL="0" lvl="0" indent="0" algn="l" rtl="0">
               <a:spcBef>
                 <a:spcPts val="0"/>
               </a:spcBef>
@@ -13078,7 +13126,7 @@
             <a:endParaRPr sz="1600"/>
           </a:p>
           <a:p>
-            <a:pPr indent="0" lvl="0" marL="0" rtl="0" algn="l">
+            <a:pPr marL="0" lvl="0" indent="0" algn="l" rtl="0">
               <a:spcBef>
                 <a:spcPts val="1600"/>
               </a:spcBef>
@@ -13094,7 +13142,7 @@
             <a:endParaRPr sz="1600"/>
           </a:p>
           <a:p>
-            <a:pPr indent="0" lvl="0" marL="0" rtl="0" algn="l">
+            <a:pPr marL="0" lvl="0" indent="0" algn="l" rtl="0">
               <a:spcBef>
                 <a:spcPts val="1600"/>
               </a:spcBef>
@@ -13103,13 +13151,10 @@
               </a:spcAft>
               <a:buNone/>
             </a:pPr>
-            <a:r>
-              <a:t/>
-            </a:r>
             <a:endParaRPr sz="1600"/>
           </a:p>
           <a:p>
-            <a:pPr indent="0" lvl="0" marL="0" rtl="0" algn="l">
+            <a:pPr marL="0" lvl="0" indent="0" algn="l" rtl="0">
               <a:spcBef>
                 <a:spcPts val="1600"/>
               </a:spcBef>
@@ -13118,13 +13163,10 @@
               </a:spcAft>
               <a:buNone/>
             </a:pPr>
-            <a:r>
-              <a:t/>
-            </a:r>
             <a:endParaRPr sz="1600"/>
           </a:p>
           <a:p>
-            <a:pPr indent="0" lvl="0" marL="0" rtl="0" algn="l">
+            <a:pPr marL="0" lvl="0" indent="0" algn="l" rtl="0">
               <a:spcBef>
                 <a:spcPts val="1600"/>
               </a:spcBef>
@@ -13133,9 +13175,6 @@
               </a:spcAft>
               <a:buNone/>
             </a:pPr>
-            <a:r>
-              <a:t/>
-            </a:r>
             <a:endParaRPr sz="1600"/>
           </a:p>
         </p:txBody>
@@ -13177,7 +13216,288 @@
 </file>
 
 <file path=ppt/theme/theme1.xml><?xml version="1.0" encoding="utf-8"?>
-<a:theme xmlns:a="http://schemas.openxmlformats.org/drawingml/2006/main" xmlns:r="http://schemas.openxmlformats.org/officeDocument/2006/relationships">
+<a:theme xmlns:a="http://schemas.openxmlformats.org/drawingml/2006/main" name="Streamline">
+  <a:themeElements>
+    <a:clrScheme name="Streamline">
+      <a:dk1>
+        <a:srgbClr val="1A9988"/>
+      </a:dk1>
+      <a:lt1>
+        <a:srgbClr val="FFFFFF"/>
+      </a:lt1>
+      <a:dk2>
+        <a:srgbClr val="1A1A1A"/>
+      </a:dk2>
+      <a:lt2>
+        <a:srgbClr val="E9EDEE"/>
+      </a:lt2>
+      <a:accent1>
+        <a:srgbClr val="595959"/>
+      </a:accent1>
+      <a:accent2>
+        <a:srgbClr val="6AA4C8"/>
+      </a:accent2>
+      <a:accent3>
+        <a:srgbClr val="EB5600"/>
+      </a:accent3>
+      <a:accent4>
+        <a:srgbClr val="A2FFE8"/>
+      </a:accent4>
+      <a:accent5>
+        <a:srgbClr val="1C3678"/>
+      </a:accent5>
+      <a:accent6>
+        <a:srgbClr val="FFB8A2"/>
+      </a:accent6>
+      <a:hlink>
+        <a:srgbClr val="1C3678"/>
+      </a:hlink>
+      <a:folHlink>
+        <a:srgbClr val="1C3678"/>
+      </a:folHlink>
+    </a:clrScheme>
+    <a:fontScheme name="Office">
+      <a:majorFont>
+        <a:latin typeface="Arial"/>
+        <a:ea typeface=""/>
+        <a:cs typeface=""/>
+        <a:font script="Jpan" typeface="ＭＳ Ｐゴシック"/>
+        <a:font script="Hang" typeface="맑은 고딕"/>
+        <a:font script="Hans" typeface="宋体"/>
+        <a:font script="Hant" typeface="新細明體"/>
+        <a:font script="Arab" typeface="Times New Roman"/>
+        <a:font script="Hebr" typeface="Times New Roman"/>
+        <a:font script="Thai" typeface="Angsana New"/>
+        <a:font script="Ethi" typeface="Nyala"/>
+        <a:font script="Beng" typeface="Vrinda"/>
+        <a:font script="Gujr" typeface="Shruti"/>
+        <a:font script="Khmr" typeface="MoolBoran"/>
+        <a:font script="Knda" typeface="Tunga"/>
+        <a:font script="Guru" typeface="Raavi"/>
+        <a:font script="Cans" typeface="Euphemia"/>
+        <a:font script="Cher" typeface="Plantagenet Cherokee"/>
+        <a:font script="Yiii" typeface="Microsoft Yi Baiti"/>
+        <a:font script="Tibt" typeface="Microsoft Himalaya"/>
+        <a:font script="Thaa" typeface="MV Boli"/>
+        <a:font script="Deva" typeface="Mangal"/>
+        <a:font script="Telu" typeface="Gautami"/>
+        <a:font script="Taml" typeface="Latha"/>
+        <a:font script="Syrc" typeface="Estrangelo Edessa"/>
+        <a:font script="Orya" typeface="Kalinga"/>
+        <a:font script="Mlym" typeface="Kartika"/>
+        <a:font script="Laoo" typeface="DokChampa"/>
+        <a:font script="Sinh" typeface="Iskoola Pota"/>
+        <a:font script="Mong" typeface="Mongolian Baiti"/>
+        <a:font script="Viet" typeface="Times New Roman"/>
+        <a:font script="Uigh" typeface="Microsoft Uighur"/>
+        <a:font script="Geor" typeface="Sylfaen"/>
+      </a:majorFont>
+      <a:minorFont>
+        <a:latin typeface="Arial"/>
+        <a:ea typeface=""/>
+        <a:cs typeface=""/>
+        <a:font script="Jpan" typeface="ＭＳ Ｐゴシック"/>
+        <a:font script="Hang" typeface="맑은 고딕"/>
+        <a:font script="Hans" typeface="宋体"/>
+        <a:font script="Hant" typeface="新細明體"/>
+        <a:font script="Arab" typeface="Arial"/>
+        <a:font script="Hebr" typeface="Arial"/>
+        <a:font script="Thai" typeface="Cordia New"/>
+        <a:font script="Ethi" typeface="Nyala"/>
+        <a:font script="Beng" typeface="Vrinda"/>
+        <a:font script="Gujr" typeface="Shruti"/>
+        <a:font script="Khmr" typeface="DaunPenh"/>
+        <a:font script="Knda" typeface="Tunga"/>
+        <a:font script="Guru" typeface="Raavi"/>
+        <a:font script="Cans" typeface="Euphemia"/>
+        <a:font script="Cher" typeface="Plantagenet Cherokee"/>
+        <a:font script="Yiii" typeface="Microsoft Yi Baiti"/>
+        <a:font script="Tibt" typeface="Microsoft Himalaya"/>
+        <a:font script="Thaa" typeface="MV Boli"/>
+        <a:font script="Deva" typeface="Mangal"/>
+        <a:font script="Telu" typeface="Gautami"/>
+        <a:font script="Taml" typeface="Latha"/>
+        <a:font script="Syrc" typeface="Estrangelo Edessa"/>
+        <a:font script="Orya" typeface="Kalinga"/>
+        <a:font script="Mlym" typeface="Kartika"/>
+        <a:font script="Laoo" typeface="DokChampa"/>
+        <a:font script="Sinh" typeface="Iskoola Pota"/>
+        <a:font script="Mong" typeface="Mongolian Baiti"/>
+        <a:font script="Viet" typeface="Arial"/>
+        <a:font script="Uigh" typeface="Microsoft Uighur"/>
+        <a:font script="Geor" typeface="Sylfaen"/>
+      </a:minorFont>
+    </a:fontScheme>
+    <a:fmtScheme name="Office">
+      <a:fillStyleLst>
+        <a:solidFill>
+          <a:schemeClr val="phClr"/>
+        </a:solidFill>
+        <a:gradFill rotWithShape="1">
+          <a:gsLst>
+            <a:gs pos="0">
+              <a:schemeClr val="phClr">
+                <a:tint val="50000"/>
+                <a:satMod val="300000"/>
+              </a:schemeClr>
+            </a:gs>
+            <a:gs pos="35000">
+              <a:schemeClr val="phClr">
+                <a:tint val="37000"/>
+                <a:satMod val="300000"/>
+              </a:schemeClr>
+            </a:gs>
+            <a:gs pos="100000">
+              <a:schemeClr val="phClr">
+                <a:tint val="15000"/>
+                <a:satMod val="350000"/>
+              </a:schemeClr>
+            </a:gs>
+          </a:gsLst>
+          <a:lin ang="16200000" scaled="1"/>
+        </a:gradFill>
+        <a:gradFill rotWithShape="1">
+          <a:gsLst>
+            <a:gs pos="0">
+              <a:schemeClr val="phClr">
+                <a:tint val="100000"/>
+                <a:shade val="100000"/>
+                <a:satMod val="130000"/>
+              </a:schemeClr>
+            </a:gs>
+            <a:gs pos="100000">
+              <a:schemeClr val="phClr">
+                <a:tint val="50000"/>
+                <a:shade val="100000"/>
+                <a:satMod val="350000"/>
+              </a:schemeClr>
+            </a:gs>
+          </a:gsLst>
+          <a:lin ang="16200000" scaled="0"/>
+        </a:gradFill>
+      </a:fillStyleLst>
+      <a:lnStyleLst>
+        <a:ln w="9525" cap="flat" cmpd="sng" algn="ctr">
+          <a:solidFill>
+            <a:schemeClr val="phClr">
+              <a:shade val="95000"/>
+              <a:satMod val="105000"/>
+            </a:schemeClr>
+          </a:solidFill>
+          <a:prstDash val="solid"/>
+        </a:ln>
+        <a:ln w="25400" cap="flat" cmpd="sng" algn="ctr">
+          <a:solidFill>
+            <a:schemeClr val="phClr"/>
+          </a:solidFill>
+          <a:prstDash val="solid"/>
+        </a:ln>
+        <a:ln w="38100" cap="flat" cmpd="sng" algn="ctr">
+          <a:solidFill>
+            <a:schemeClr val="phClr"/>
+          </a:solidFill>
+          <a:prstDash val="solid"/>
+        </a:ln>
+      </a:lnStyleLst>
+      <a:effectStyleLst>
+        <a:effectStyle>
+          <a:effectLst>
+            <a:outerShdw blurRad="40000" dist="20000" dir="5400000" rotWithShape="0">
+              <a:srgbClr val="000000">
+                <a:alpha val="38000"/>
+              </a:srgbClr>
+            </a:outerShdw>
+          </a:effectLst>
+        </a:effectStyle>
+        <a:effectStyle>
+          <a:effectLst>
+            <a:outerShdw blurRad="40000" dist="23000" dir="5400000" rotWithShape="0">
+              <a:srgbClr val="000000">
+                <a:alpha val="35000"/>
+              </a:srgbClr>
+            </a:outerShdw>
+          </a:effectLst>
+        </a:effectStyle>
+        <a:effectStyle>
+          <a:effectLst>
+            <a:outerShdw blurRad="40000" dist="23000" dir="5400000" rotWithShape="0">
+              <a:srgbClr val="000000">
+                <a:alpha val="35000"/>
+              </a:srgbClr>
+            </a:outerShdw>
+          </a:effectLst>
+          <a:scene3d>
+            <a:camera prst="orthographicFront">
+              <a:rot lat="0" lon="0" rev="0"/>
+            </a:camera>
+            <a:lightRig rig="threePt" dir="t">
+              <a:rot lat="0" lon="0" rev="1200000"/>
+            </a:lightRig>
+          </a:scene3d>
+          <a:sp3d>
+            <a:bevelT w="63500" h="25400"/>
+          </a:sp3d>
+        </a:effectStyle>
+      </a:effectStyleLst>
+      <a:bgFillStyleLst>
+        <a:solidFill>
+          <a:schemeClr val="phClr"/>
+        </a:solidFill>
+        <a:gradFill rotWithShape="1">
+          <a:gsLst>
+            <a:gs pos="0">
+              <a:schemeClr val="phClr">
+                <a:tint val="40000"/>
+                <a:satMod val="350000"/>
+              </a:schemeClr>
+            </a:gs>
+            <a:gs pos="40000">
+              <a:schemeClr val="phClr">
+                <a:tint val="45000"/>
+                <a:shade val="99000"/>
+                <a:satMod val="350000"/>
+              </a:schemeClr>
+            </a:gs>
+            <a:gs pos="100000">
+              <a:schemeClr val="phClr">
+                <a:shade val="20000"/>
+                <a:satMod val="255000"/>
+              </a:schemeClr>
+            </a:gs>
+          </a:gsLst>
+          <a:path path="circle">
+            <a:fillToRect l="50000" t="-80000" r="50000" b="180000"/>
+          </a:path>
+        </a:gradFill>
+        <a:gradFill rotWithShape="1">
+          <a:gsLst>
+            <a:gs pos="0">
+              <a:schemeClr val="phClr">
+                <a:tint val="80000"/>
+                <a:satMod val="300000"/>
+              </a:schemeClr>
+            </a:gs>
+            <a:gs pos="100000">
+              <a:schemeClr val="phClr">
+                <a:shade val="30000"/>
+                <a:satMod val="200000"/>
+              </a:schemeClr>
+            </a:gs>
+          </a:gsLst>
+          <a:path path="circle">
+            <a:fillToRect l="50000" t="50000" r="50000" b="50000"/>
+          </a:path>
+        </a:gradFill>
+      </a:bgFillStyleLst>
+    </a:fmtScheme>
+  </a:themeElements>
+  <a:objectDefaults/>
+  <a:extraClrSchemeLst/>
+</a:theme>
+</file>
+
+<file path=ppt/theme/theme2.xml><?xml version="1.0" encoding="utf-8"?>
+<a:theme xmlns:a="http://schemas.openxmlformats.org/drawingml/2006/main">
   <a:themeElements>
     <a:clrScheme name="Default">
       <a:dk1>
@@ -13452,284 +13772,7 @@
       </a:bgFillStyleLst>
     </a:fmtScheme>
   </a:themeElements>
-</a:theme>
-</file>
-
-<file path=ppt/theme/theme2.xml><?xml version="1.0" encoding="utf-8"?>
-<a:theme xmlns:a="http://schemas.openxmlformats.org/drawingml/2006/main" xmlns:r="http://schemas.openxmlformats.org/officeDocument/2006/relationships" name="Streamline">
-  <a:themeElements>
-    <a:clrScheme name="Streamline">
-      <a:dk1>
-        <a:srgbClr val="1A9988"/>
-      </a:dk1>
-      <a:lt1>
-        <a:srgbClr val="FFFFFF"/>
-      </a:lt1>
-      <a:dk2>
-        <a:srgbClr val="1A1A1A"/>
-      </a:dk2>
-      <a:lt2>
-        <a:srgbClr val="E9EDEE"/>
-      </a:lt2>
-      <a:accent1>
-        <a:srgbClr val="595959"/>
-      </a:accent1>
-      <a:accent2>
-        <a:srgbClr val="6AA4C8"/>
-      </a:accent2>
-      <a:accent3>
-        <a:srgbClr val="EB5600"/>
-      </a:accent3>
-      <a:accent4>
-        <a:srgbClr val="A2FFE8"/>
-      </a:accent4>
-      <a:accent5>
-        <a:srgbClr val="1C3678"/>
-      </a:accent5>
-      <a:accent6>
-        <a:srgbClr val="FFB8A2"/>
-      </a:accent6>
-      <a:hlink>
-        <a:srgbClr val="1C3678"/>
-      </a:hlink>
-      <a:folHlink>
-        <a:srgbClr val="1C3678"/>
-      </a:folHlink>
-    </a:clrScheme>
-    <a:fontScheme name="Office">
-      <a:majorFont>
-        <a:latin typeface="Arial"/>
-        <a:ea typeface=""/>
-        <a:cs typeface=""/>
-        <a:font script="Jpan" typeface="ＭＳ Ｐゴシック"/>
-        <a:font script="Hang" typeface="맑은 고딕"/>
-        <a:font script="Hans" typeface="宋体"/>
-        <a:font script="Hant" typeface="新細明體"/>
-        <a:font script="Arab" typeface="Times New Roman"/>
-        <a:font script="Hebr" typeface="Times New Roman"/>
-        <a:font script="Thai" typeface="Angsana New"/>
-        <a:font script="Ethi" typeface="Nyala"/>
-        <a:font script="Beng" typeface="Vrinda"/>
-        <a:font script="Gujr" typeface="Shruti"/>
-        <a:font script="Khmr" typeface="MoolBoran"/>
-        <a:font script="Knda" typeface="Tunga"/>
-        <a:font script="Guru" typeface="Raavi"/>
-        <a:font script="Cans" typeface="Euphemia"/>
-        <a:font script="Cher" typeface="Plantagenet Cherokee"/>
-        <a:font script="Yiii" typeface="Microsoft Yi Baiti"/>
-        <a:font script="Tibt" typeface="Microsoft Himalaya"/>
-        <a:font script="Thaa" typeface="MV Boli"/>
-        <a:font script="Deva" typeface="Mangal"/>
-        <a:font script="Telu" typeface="Gautami"/>
-        <a:font script="Taml" typeface="Latha"/>
-        <a:font script="Syrc" typeface="Estrangelo Edessa"/>
-        <a:font script="Orya" typeface="Kalinga"/>
-        <a:font script="Mlym" typeface="Kartika"/>
-        <a:font script="Laoo" typeface="DokChampa"/>
-        <a:font script="Sinh" typeface="Iskoola Pota"/>
-        <a:font script="Mong" typeface="Mongolian Baiti"/>
-        <a:font script="Viet" typeface="Times New Roman"/>
-        <a:font script="Uigh" typeface="Microsoft Uighur"/>
-        <a:font script="Geor" typeface="Sylfaen"/>
-      </a:majorFont>
-      <a:minorFont>
-        <a:latin typeface="Arial"/>
-        <a:ea typeface=""/>
-        <a:cs typeface=""/>
-        <a:font script="Jpan" typeface="ＭＳ Ｐゴシック"/>
-        <a:font script="Hang" typeface="맑은 고딕"/>
-        <a:font script="Hans" typeface="宋体"/>
-        <a:font script="Hant" typeface="新細明體"/>
-        <a:font script="Arab" typeface="Arial"/>
-        <a:font script="Hebr" typeface="Arial"/>
-        <a:font script="Thai" typeface="Cordia New"/>
-        <a:font script="Ethi" typeface="Nyala"/>
-        <a:font script="Beng" typeface="Vrinda"/>
-        <a:font script="Gujr" typeface="Shruti"/>
-        <a:font script="Khmr" typeface="DaunPenh"/>
-        <a:font script="Knda" typeface="Tunga"/>
-        <a:font script="Guru" typeface="Raavi"/>
-        <a:font script="Cans" typeface="Euphemia"/>
-        <a:font script="Cher" typeface="Plantagenet Cherokee"/>
-        <a:font script="Yiii" typeface="Microsoft Yi Baiti"/>
-        <a:font script="Tibt" typeface="Microsoft Himalaya"/>
-        <a:font script="Thaa" typeface="MV Boli"/>
-        <a:font script="Deva" typeface="Mangal"/>
-        <a:font script="Telu" typeface="Gautami"/>
-        <a:font script="Taml" typeface="Latha"/>
-        <a:font script="Syrc" typeface="Estrangelo Edessa"/>
-        <a:font script="Orya" typeface="Kalinga"/>
-        <a:font script="Mlym" typeface="Kartika"/>
-        <a:font script="Laoo" typeface="DokChampa"/>
-        <a:font script="Sinh" typeface="Iskoola Pota"/>
-        <a:font script="Mong" typeface="Mongolian Baiti"/>
-        <a:font script="Viet" typeface="Arial"/>
-        <a:font script="Uigh" typeface="Microsoft Uighur"/>
-        <a:font script="Geor" typeface="Sylfaen"/>
-      </a:minorFont>
-    </a:fontScheme>
-    <a:fmtScheme name="Office">
-      <a:fillStyleLst>
-        <a:solidFill>
-          <a:schemeClr val="phClr"/>
-        </a:solidFill>
-        <a:gradFill rotWithShape="1">
-          <a:gsLst>
-            <a:gs pos="0">
-              <a:schemeClr val="phClr">
-                <a:tint val="50000"/>
-                <a:satMod val="300000"/>
-              </a:schemeClr>
-            </a:gs>
-            <a:gs pos="35000">
-              <a:schemeClr val="phClr">
-                <a:tint val="37000"/>
-                <a:satMod val="300000"/>
-              </a:schemeClr>
-            </a:gs>
-            <a:gs pos="100000">
-              <a:schemeClr val="phClr">
-                <a:tint val="15000"/>
-                <a:satMod val="350000"/>
-              </a:schemeClr>
-            </a:gs>
-          </a:gsLst>
-          <a:lin ang="16200000" scaled="1"/>
-        </a:gradFill>
-        <a:gradFill rotWithShape="1">
-          <a:gsLst>
-            <a:gs pos="0">
-              <a:schemeClr val="phClr">
-                <a:tint val="100000"/>
-                <a:shade val="100000"/>
-                <a:satMod val="130000"/>
-              </a:schemeClr>
-            </a:gs>
-            <a:gs pos="100000">
-              <a:schemeClr val="phClr">
-                <a:tint val="50000"/>
-                <a:shade val="100000"/>
-                <a:satMod val="350000"/>
-              </a:schemeClr>
-            </a:gs>
-          </a:gsLst>
-          <a:lin ang="16200000" scaled="0"/>
-        </a:gradFill>
-      </a:fillStyleLst>
-      <a:lnStyleLst>
-        <a:ln w="9525" cap="flat" cmpd="sng" algn="ctr">
-          <a:solidFill>
-            <a:schemeClr val="phClr">
-              <a:shade val="95000"/>
-              <a:satMod val="105000"/>
-            </a:schemeClr>
-          </a:solidFill>
-          <a:prstDash val="solid"/>
-        </a:ln>
-        <a:ln w="25400" cap="flat" cmpd="sng" algn="ctr">
-          <a:solidFill>
-            <a:schemeClr val="phClr"/>
-          </a:solidFill>
-          <a:prstDash val="solid"/>
-        </a:ln>
-        <a:ln w="38100" cap="flat" cmpd="sng" algn="ctr">
-          <a:solidFill>
-            <a:schemeClr val="phClr"/>
-          </a:solidFill>
-          <a:prstDash val="solid"/>
-        </a:ln>
-      </a:lnStyleLst>
-      <a:effectStyleLst>
-        <a:effectStyle>
-          <a:effectLst>
-            <a:outerShdw blurRad="40000" dist="20000" dir="5400000" rotWithShape="0">
-              <a:srgbClr val="000000">
-                <a:alpha val="38000"/>
-              </a:srgbClr>
-            </a:outerShdw>
-          </a:effectLst>
-        </a:effectStyle>
-        <a:effectStyle>
-          <a:effectLst>
-            <a:outerShdw blurRad="40000" dist="23000" dir="5400000" rotWithShape="0">
-              <a:srgbClr val="000000">
-                <a:alpha val="35000"/>
-              </a:srgbClr>
-            </a:outerShdw>
-          </a:effectLst>
-        </a:effectStyle>
-        <a:effectStyle>
-          <a:effectLst>
-            <a:outerShdw blurRad="40000" dist="23000" dir="5400000" rotWithShape="0">
-              <a:srgbClr val="000000">
-                <a:alpha val="35000"/>
-              </a:srgbClr>
-            </a:outerShdw>
-          </a:effectLst>
-          <a:scene3d>
-            <a:camera prst="orthographicFront">
-              <a:rot lat="0" lon="0" rev="0"/>
-            </a:camera>
-            <a:lightRig rig="threePt" dir="t">
-              <a:rot lat="0" lon="0" rev="1200000"/>
-            </a:lightRig>
-          </a:scene3d>
-          <a:sp3d>
-            <a:bevelT w="63500" h="25400"/>
-          </a:sp3d>
-        </a:effectStyle>
-      </a:effectStyleLst>
-      <a:bgFillStyleLst>
-        <a:solidFill>
-          <a:schemeClr val="phClr"/>
-        </a:solidFill>
-        <a:gradFill rotWithShape="1">
-          <a:gsLst>
-            <a:gs pos="0">
-              <a:schemeClr val="phClr">
-                <a:tint val="40000"/>
-                <a:satMod val="350000"/>
-              </a:schemeClr>
-            </a:gs>
-            <a:gs pos="40000">
-              <a:schemeClr val="phClr">
-                <a:tint val="45000"/>
-                <a:shade val="99000"/>
-                <a:satMod val="350000"/>
-              </a:schemeClr>
-            </a:gs>
-            <a:gs pos="100000">
-              <a:schemeClr val="phClr">
-                <a:shade val="20000"/>
-                <a:satMod val="255000"/>
-              </a:schemeClr>
-            </a:gs>
-          </a:gsLst>
-          <a:path path="circle">
-            <a:fillToRect l="50000" t="-80000" r="50000" b="180000"/>
-          </a:path>
-        </a:gradFill>
-        <a:gradFill rotWithShape="1">
-          <a:gsLst>
-            <a:gs pos="0">
-              <a:schemeClr val="phClr">
-                <a:tint val="80000"/>
-                <a:satMod val="300000"/>
-              </a:schemeClr>
-            </a:gs>
-            <a:gs pos="100000">
-              <a:schemeClr val="phClr">
-                <a:shade val="30000"/>
-                <a:satMod val="200000"/>
-              </a:schemeClr>
-            </a:gs>
-          </a:gsLst>
-          <a:path path="circle">
-            <a:fillToRect l="50000" t="50000" r="50000" b="50000"/>
-          </a:path>
-        </a:gradFill>
-      </a:bgFillStyleLst>
-    </a:fmtScheme>
-  </a:themeElements>
+  <a:objectDefaults/>
+  <a:extraClrSchemeLst/>
 </a:theme>
 </file>